--- a/resources/presentation.pptx
+++ b/resources/presentation.pptx
@@ -20,17 +20,24 @@
     <p:sldId id="265" r:id="rId14"/>
     <p:sldId id="266" r:id="rId15"/>
     <p:sldId id="267" r:id="rId16"/>
+    <p:sldId id="268" r:id="rId17"/>
+    <p:sldId id="269" r:id="rId18"/>
+    <p:sldId id="270" r:id="rId19"/>
+    <p:sldId id="271" r:id="rId20"/>
+    <p:sldId id="272" r:id="rId21"/>
+    <p:sldId id="273" r:id="rId22"/>
+    <p:sldId id="274" r:id="rId23"/>
   </p:sldIdLst>
   <p:sldSz cy="5143500" cx="9144000"/>
   <p:notesSz cx="6858000" cy="9144000"/>
   <p:embeddedFontLst>
     <p:embeddedFont>
       <p:font typeface="Varela Round"/>
-      <p:regular r:id="rId17"/>
+      <p:regular r:id="rId24"/>
     </p:embeddedFont>
     <p:embeddedFont>
       <p:font typeface="Calistoga"/>
-      <p:regular r:id="rId18"/>
+      <p:regular r:id="rId25"/>
     </p:embeddedFont>
   </p:embeddedFontLst>
   <p:defaultTextStyle>
@@ -795,7 +802,7 @@
   <p:cSld>
     <p:spTree>
       <p:nvGrpSpPr>
-        <p:cNvPr id="481" name="Shape 481"/>
+        <p:cNvPr id="479" name="Shape 479"/>
         <p:cNvGrpSpPr/>
         <p:nvPr/>
       </p:nvGrpSpPr>
@@ -809,7 +816,7 @@
       </p:grpSpPr>
       <p:sp>
         <p:nvSpPr>
-          <p:cNvPr id="482" name="Google Shape;482;gaf583cc814_0_63:notes"/>
+          <p:cNvPr id="480" name="Google Shape;480;gaf583cc814_0_53:notes"/>
           <p:cNvSpPr/>
           <p:nvPr>
             <p:ph idx="2" type="sldImg"/>
@@ -844,7 +851,7 @@
       </p:sp>
       <p:sp>
         <p:nvSpPr>
-          <p:cNvPr id="483" name="Google Shape;483;gaf583cc814_0_63:notes"/>
+          <p:cNvPr id="481" name="Google Shape;481;gaf583cc814_0_53:notes"/>
           <p:cNvSpPr txBox="1"/>
           <p:nvPr>
             <p:ph idx="1" type="body"/>
@@ -894,7 +901,7 @@
   <p:cSld>
     <p:spTree>
       <p:nvGrpSpPr>
-        <p:cNvPr id="492" name="Shape 492"/>
+        <p:cNvPr id="490" name="Shape 490"/>
         <p:cNvGrpSpPr/>
         <p:nvPr/>
       </p:nvGrpSpPr>
@@ -908,7 +915,7 @@
       </p:grpSpPr>
       <p:sp>
         <p:nvSpPr>
-          <p:cNvPr id="493" name="Google Shape;493;g8a48d587ea_0_191:notes"/>
+          <p:cNvPr id="491" name="Google Shape;491;gb063890f49_2_25:notes"/>
           <p:cNvSpPr/>
           <p:nvPr>
             <p:ph idx="2" type="sldImg"/>
@@ -943,7 +950,7 @@
       </p:sp>
       <p:sp>
         <p:nvSpPr>
-          <p:cNvPr id="494" name="Google Shape;494;g8a48d587ea_0_191:notes"/>
+          <p:cNvPr id="492" name="Google Shape;492;gb063890f49_2_25:notes"/>
           <p:cNvSpPr txBox="1"/>
           <p:nvPr>
             <p:ph idx="1" type="body"/>
@@ -993,7 +1000,7 @@
   <p:cSld>
     <p:spTree>
       <p:nvGrpSpPr>
-        <p:cNvPr id="533" name="Shape 533"/>
+        <p:cNvPr id="499" name="Shape 499"/>
         <p:cNvGrpSpPr/>
         <p:nvPr/>
       </p:nvGrpSpPr>
@@ -1007,7 +1014,7 @@
       </p:grpSpPr>
       <p:sp>
         <p:nvSpPr>
-          <p:cNvPr id="534" name="Google Shape;534;g8a05a627a2_4_288:notes"/>
+          <p:cNvPr id="500" name="Google Shape;500;gaf583cc814_0_43:notes"/>
           <p:cNvSpPr/>
           <p:nvPr>
             <p:ph idx="2" type="sldImg"/>
@@ -1042,7 +1049,7 @@
       </p:sp>
       <p:sp>
         <p:nvSpPr>
-          <p:cNvPr id="535" name="Google Shape;535;g8a05a627a2_4_288:notes"/>
+          <p:cNvPr id="501" name="Google Shape;501;gaf583cc814_0_43:notes"/>
           <p:cNvSpPr txBox="1"/>
           <p:nvPr>
             <p:ph idx="1" type="body"/>
@@ -1087,12 +1094,12 @@
 </p:notes>
 </file>
 
-<file path=ppt/notesSlides/notesSlide2.xml><?xml version="1.0" encoding="utf-8"?>
+<file path=ppt/notesSlides/notesSlide13.xml><?xml version="1.0" encoding="utf-8"?>
 <p:notes xmlns:a="http://schemas.openxmlformats.org/drawingml/2006/main" xmlns:r="http://schemas.openxmlformats.org/officeDocument/2006/relationships" xmlns:mc="http://schemas.openxmlformats.org/markup-compatibility/2006" xmlns:mv="urn:schemas-microsoft-com:mac:vml" xmlns:p="http://schemas.openxmlformats.org/presentationml/2006/main" xmlns:c="http://schemas.openxmlformats.org/drawingml/2006/chart" xmlns:dgm="http://schemas.openxmlformats.org/drawingml/2006/diagram" xmlns:o="urn:schemas-microsoft-com:office:office" xmlns:v="urn:schemas-microsoft-com:vml" xmlns:pvml="urn:schemas-microsoft-com:office:powerpoint" xmlns:com="http://schemas.openxmlformats.org/drawingml/2006/compatibility" xmlns:p14="http://schemas.microsoft.com/office/powerpoint/2010/main" xmlns:p15="http://schemas.microsoft.com/office/powerpoint/2012/main" xmlns:ahyp="http://schemas.microsoft.com/office/drawing/2018/hyperlinkcolor" showMasterPhAnim="0" showMasterSp="0">
   <p:cSld>
     <p:spTree>
       <p:nvGrpSpPr>
-        <p:cNvPr id="397" name="Shape 397"/>
+        <p:cNvPr id="510" name="Shape 510"/>
         <p:cNvGrpSpPr/>
         <p:nvPr/>
       </p:nvGrpSpPr>
@@ -1106,7 +1113,7 @@
       </p:grpSpPr>
       <p:sp>
         <p:nvSpPr>
-          <p:cNvPr id="398" name="Google Shape;398;g8a05a627a2_4_276:notes"/>
+          <p:cNvPr id="511" name="Google Shape;511;gb063890f49_2_33:notes"/>
           <p:cNvSpPr/>
           <p:nvPr>
             <p:ph idx="2" type="sldImg"/>
@@ -1141,7 +1148,7 @@
       </p:sp>
       <p:sp>
         <p:nvSpPr>
-          <p:cNvPr id="399" name="Google Shape;399;g8a05a627a2_4_276:notes"/>
+          <p:cNvPr id="512" name="Google Shape;512;gb063890f49_2_33:notes"/>
           <p:cNvSpPr txBox="1"/>
           <p:nvPr>
             <p:ph idx="1" type="body"/>
@@ -1186,12 +1193,12 @@
 </p:notes>
 </file>
 
-<file path=ppt/notesSlides/notesSlide3.xml><?xml version="1.0" encoding="utf-8"?>
+<file path=ppt/notesSlides/notesSlide14.xml><?xml version="1.0" encoding="utf-8"?>
 <p:notes xmlns:a="http://schemas.openxmlformats.org/drawingml/2006/main" xmlns:r="http://schemas.openxmlformats.org/officeDocument/2006/relationships" xmlns:mc="http://schemas.openxmlformats.org/markup-compatibility/2006" xmlns:mv="urn:schemas-microsoft-com:mac:vml" xmlns:p="http://schemas.openxmlformats.org/presentationml/2006/main" xmlns:c="http://schemas.openxmlformats.org/drawingml/2006/chart" xmlns:dgm="http://schemas.openxmlformats.org/drawingml/2006/diagram" xmlns:o="urn:schemas-microsoft-com:office:office" xmlns:v="urn:schemas-microsoft-com:vml" xmlns:pvml="urn:schemas-microsoft-com:office:powerpoint" xmlns:com="http://schemas.openxmlformats.org/drawingml/2006/compatibility" xmlns:p14="http://schemas.microsoft.com/office/powerpoint/2010/main" xmlns:p15="http://schemas.microsoft.com/office/powerpoint/2012/main" xmlns:ahyp="http://schemas.microsoft.com/office/drawing/2018/hyperlinkcolor" showMasterPhAnim="0" showMasterSp="0">
   <p:cSld>
     <p:spTree>
       <p:nvGrpSpPr>
-        <p:cNvPr id="409" name="Shape 409"/>
+        <p:cNvPr id="519" name="Shape 519"/>
         <p:cNvGrpSpPr/>
         <p:nvPr/>
       </p:nvGrpSpPr>
@@ -1205,7 +1212,7 @@
       </p:grpSpPr>
       <p:sp>
         <p:nvSpPr>
-          <p:cNvPr id="410" name="Google Shape;410;g8a05a627a2_4_36:notes"/>
+          <p:cNvPr id="520" name="Google Shape;520;gaf583cc814_0_83:notes"/>
           <p:cNvSpPr/>
           <p:nvPr>
             <p:ph idx="2" type="sldImg"/>
@@ -1240,7 +1247,7 @@
       </p:sp>
       <p:sp>
         <p:nvSpPr>
-          <p:cNvPr id="411" name="Google Shape;411;g8a05a627a2_4_36:notes"/>
+          <p:cNvPr id="521" name="Google Shape;521;gaf583cc814_0_83:notes"/>
           <p:cNvSpPr txBox="1"/>
           <p:nvPr>
             <p:ph idx="1" type="body"/>
@@ -1285,12 +1292,12 @@
 </p:notes>
 </file>
 
-<file path=ppt/notesSlides/notesSlide4.xml><?xml version="1.0" encoding="utf-8"?>
+<file path=ppt/notesSlides/notesSlide15.xml><?xml version="1.0" encoding="utf-8"?>
 <p:notes xmlns:a="http://schemas.openxmlformats.org/drawingml/2006/main" xmlns:r="http://schemas.openxmlformats.org/officeDocument/2006/relationships" xmlns:mc="http://schemas.openxmlformats.org/markup-compatibility/2006" xmlns:mv="urn:schemas-microsoft-com:mac:vml" xmlns:p="http://schemas.openxmlformats.org/presentationml/2006/main" xmlns:c="http://schemas.openxmlformats.org/drawingml/2006/chart" xmlns:dgm="http://schemas.openxmlformats.org/drawingml/2006/diagram" xmlns:o="urn:schemas-microsoft-com:office:office" xmlns:v="urn:schemas-microsoft-com:vml" xmlns:pvml="urn:schemas-microsoft-com:office:powerpoint" xmlns:com="http://schemas.openxmlformats.org/drawingml/2006/compatibility" xmlns:p14="http://schemas.microsoft.com/office/powerpoint/2010/main" xmlns:p15="http://schemas.microsoft.com/office/powerpoint/2012/main" xmlns:ahyp="http://schemas.microsoft.com/office/drawing/2018/hyperlinkcolor" showMasterPhAnim="0" showMasterSp="0">
   <p:cSld>
     <p:spTree>
       <p:nvGrpSpPr>
-        <p:cNvPr id="415" name="Shape 415"/>
+        <p:cNvPr id="530" name="Shape 530"/>
         <p:cNvGrpSpPr/>
         <p:nvPr/>
       </p:nvGrpSpPr>
@@ -1304,7 +1311,7 @@
       </p:grpSpPr>
       <p:sp>
         <p:nvSpPr>
-          <p:cNvPr id="416" name="Google Shape;416;g8a05a627a2_4_24:notes"/>
+          <p:cNvPr id="531" name="Google Shape;531;gb063890f49_2_41:notes"/>
           <p:cNvSpPr/>
           <p:nvPr>
             <p:ph idx="2" type="sldImg"/>
@@ -1339,7 +1346,7 @@
       </p:sp>
       <p:sp>
         <p:nvSpPr>
-          <p:cNvPr id="417" name="Google Shape;417;g8a05a627a2_4_24:notes"/>
+          <p:cNvPr id="532" name="Google Shape;532;gb063890f49_2_41:notes"/>
           <p:cNvSpPr txBox="1"/>
           <p:nvPr>
             <p:ph idx="1" type="body"/>
@@ -1384,12 +1391,12 @@
 </p:notes>
 </file>
 
-<file path=ppt/notesSlides/notesSlide5.xml><?xml version="1.0" encoding="utf-8"?>
+<file path=ppt/notesSlides/notesSlide16.xml><?xml version="1.0" encoding="utf-8"?>
 <p:notes xmlns:a="http://schemas.openxmlformats.org/drawingml/2006/main" xmlns:r="http://schemas.openxmlformats.org/officeDocument/2006/relationships" xmlns:mc="http://schemas.openxmlformats.org/markup-compatibility/2006" xmlns:mv="urn:schemas-microsoft-com:mac:vml" xmlns:p="http://schemas.openxmlformats.org/presentationml/2006/main" xmlns:c="http://schemas.openxmlformats.org/drawingml/2006/chart" xmlns:dgm="http://schemas.openxmlformats.org/drawingml/2006/diagram" xmlns:o="urn:schemas-microsoft-com:office:office" xmlns:v="urn:schemas-microsoft-com:vml" xmlns:pvml="urn:schemas-microsoft-com:office:powerpoint" xmlns:com="http://schemas.openxmlformats.org/drawingml/2006/compatibility" xmlns:p14="http://schemas.microsoft.com/office/powerpoint/2010/main" xmlns:p15="http://schemas.microsoft.com/office/powerpoint/2012/main" xmlns:ahyp="http://schemas.microsoft.com/office/drawing/2018/hyperlinkcolor" showMasterPhAnim="0" showMasterSp="0">
   <p:cSld>
     <p:spTree>
       <p:nvGrpSpPr>
-        <p:cNvPr id="426" name="Shape 426"/>
+        <p:cNvPr id="539" name="Shape 539"/>
         <p:cNvGrpSpPr/>
         <p:nvPr/>
       </p:nvGrpSpPr>
@@ -1403,7 +1410,7 @@
       </p:grpSpPr>
       <p:sp>
         <p:nvSpPr>
-          <p:cNvPr id="427" name="Google Shape;427;g8a05a627a2_4_25598:notes"/>
+          <p:cNvPr id="540" name="Google Shape;540;gaf583cc814_0_63:notes"/>
           <p:cNvSpPr/>
           <p:nvPr>
             <p:ph idx="2" type="sldImg"/>
@@ -1438,7 +1445,7 @@
       </p:sp>
       <p:sp>
         <p:nvSpPr>
-          <p:cNvPr id="428" name="Google Shape;428;g8a05a627a2_4_25598:notes"/>
+          <p:cNvPr id="541" name="Google Shape;541;gaf583cc814_0_63:notes"/>
           <p:cNvSpPr txBox="1"/>
           <p:nvPr>
             <p:ph idx="1" type="body"/>
@@ -1483,12 +1490,12 @@
 </p:notes>
 </file>
 
-<file path=ppt/notesSlides/notesSlide6.xml><?xml version="1.0" encoding="utf-8"?>
+<file path=ppt/notesSlides/notesSlide17.xml><?xml version="1.0" encoding="utf-8"?>
 <p:notes xmlns:a="http://schemas.openxmlformats.org/drawingml/2006/main" xmlns:r="http://schemas.openxmlformats.org/officeDocument/2006/relationships" xmlns:mc="http://schemas.openxmlformats.org/markup-compatibility/2006" xmlns:mv="urn:schemas-microsoft-com:mac:vml" xmlns:p="http://schemas.openxmlformats.org/presentationml/2006/main" xmlns:c="http://schemas.openxmlformats.org/drawingml/2006/chart" xmlns:dgm="http://schemas.openxmlformats.org/drawingml/2006/diagram" xmlns:o="urn:schemas-microsoft-com:office:office" xmlns:v="urn:schemas-microsoft-com:vml" xmlns:pvml="urn:schemas-microsoft-com:office:powerpoint" xmlns:com="http://schemas.openxmlformats.org/drawingml/2006/compatibility" xmlns:p14="http://schemas.microsoft.com/office/powerpoint/2010/main" xmlns:p15="http://schemas.microsoft.com/office/powerpoint/2012/main" xmlns:ahyp="http://schemas.microsoft.com/office/drawing/2018/hyperlinkcolor" showMasterPhAnim="0" showMasterSp="0">
   <p:cSld>
     <p:spTree>
       <p:nvGrpSpPr>
-        <p:cNvPr id="437" name="Shape 437"/>
+        <p:cNvPr id="550" name="Shape 550"/>
         <p:cNvGrpSpPr/>
         <p:nvPr/>
       </p:nvGrpSpPr>
@@ -1502,7 +1509,7 @@
       </p:grpSpPr>
       <p:sp>
         <p:nvSpPr>
-          <p:cNvPr id="438" name="Google Shape;438;gaf583cc814_0_13:notes"/>
+          <p:cNvPr id="551" name="Google Shape;551;gb063890f49_2_49:notes"/>
           <p:cNvSpPr/>
           <p:nvPr>
             <p:ph idx="2" type="sldImg"/>
@@ -1537,7 +1544,7 @@
       </p:sp>
       <p:sp>
         <p:nvSpPr>
-          <p:cNvPr id="439" name="Google Shape;439;gaf583cc814_0_13:notes"/>
+          <p:cNvPr id="552" name="Google Shape;552;gb063890f49_2_49:notes"/>
           <p:cNvSpPr txBox="1"/>
           <p:nvPr>
             <p:ph idx="1" type="body"/>
@@ -1582,12 +1589,12 @@
 </p:notes>
 </file>
 
-<file path=ppt/notesSlides/notesSlide7.xml><?xml version="1.0" encoding="utf-8"?>
+<file path=ppt/notesSlides/notesSlide18.xml><?xml version="1.0" encoding="utf-8"?>
 <p:notes xmlns:a="http://schemas.openxmlformats.org/drawingml/2006/main" xmlns:r="http://schemas.openxmlformats.org/officeDocument/2006/relationships" xmlns:mc="http://schemas.openxmlformats.org/markup-compatibility/2006" xmlns:mv="urn:schemas-microsoft-com:mac:vml" xmlns:p="http://schemas.openxmlformats.org/presentationml/2006/main" xmlns:c="http://schemas.openxmlformats.org/drawingml/2006/chart" xmlns:dgm="http://schemas.openxmlformats.org/drawingml/2006/diagram" xmlns:o="urn:schemas-microsoft-com:office:office" xmlns:v="urn:schemas-microsoft-com:vml" xmlns:pvml="urn:schemas-microsoft-com:office:powerpoint" xmlns:com="http://schemas.openxmlformats.org/drawingml/2006/compatibility" xmlns:p14="http://schemas.microsoft.com/office/powerpoint/2010/main" xmlns:p15="http://schemas.microsoft.com/office/powerpoint/2012/main" xmlns:ahyp="http://schemas.microsoft.com/office/drawing/2018/hyperlinkcolor" showMasterPhAnim="0" showMasterSp="0">
   <p:cSld>
     <p:spTree>
       <p:nvGrpSpPr>
-        <p:cNvPr id="448" name="Shape 448"/>
+        <p:cNvPr id="559" name="Shape 559"/>
         <p:cNvGrpSpPr/>
         <p:nvPr/>
       </p:nvGrpSpPr>
@@ -1601,7 +1608,7 @@
       </p:grpSpPr>
       <p:sp>
         <p:nvSpPr>
-          <p:cNvPr id="449" name="Google Shape;449;gaf583cc814_0_53:notes"/>
+          <p:cNvPr id="560" name="Google Shape;560;g8a48d587ea_0_191:notes"/>
           <p:cNvSpPr/>
           <p:nvPr>
             <p:ph idx="2" type="sldImg"/>
@@ -1636,7 +1643,700 @@
       </p:sp>
       <p:sp>
         <p:nvSpPr>
-          <p:cNvPr id="450" name="Google Shape;450;gaf583cc814_0_53:notes"/>
+          <p:cNvPr id="561" name="Google Shape;561;g8a48d587ea_0_191:notes"/>
+          <p:cNvSpPr txBox="1"/>
+          <p:nvPr>
+            <p:ph idx="1" type="body"/>
+          </p:nvPr>
+        </p:nvSpPr>
+        <p:spPr>
+          <a:xfrm>
+            <a:off x="685800" y="4343400"/>
+            <a:ext cx="5486400" cy="4114800"/>
+          </a:xfrm>
+          <a:prstGeom prst="rect">
+            <a:avLst/>
+          </a:prstGeom>
+        </p:spPr>
+        <p:txBody>
+          <a:bodyPr anchorCtr="0" anchor="t" bIns="91425" lIns="91425" spcFirstLastPara="1" rIns="91425" wrap="square" tIns="91425">
+            <a:noAutofit/>
+          </a:bodyPr>
+          <a:lstStyle/>
+          <a:p>
+            <a:pPr indent="0" lvl="0" marL="0" rtl="0" algn="l">
+              <a:spcBef>
+                <a:spcPts val="0"/>
+              </a:spcBef>
+              <a:spcAft>
+                <a:spcPts val="0"/>
+              </a:spcAft>
+              <a:buNone/>
+            </a:pPr>
+            <a:r>
+              <a:t/>
+            </a:r>
+            <a:endParaRPr/>
+          </a:p>
+        </p:txBody>
+      </p:sp>
+    </p:spTree>
+  </p:cSld>
+  <p:clrMapOvr>
+    <a:masterClrMapping/>
+  </p:clrMapOvr>
+</p:notes>
+</file>
+
+<file path=ppt/notesSlides/notesSlide19.xml><?xml version="1.0" encoding="utf-8"?>
+<p:notes xmlns:a="http://schemas.openxmlformats.org/drawingml/2006/main" xmlns:r="http://schemas.openxmlformats.org/officeDocument/2006/relationships" xmlns:mc="http://schemas.openxmlformats.org/markup-compatibility/2006" xmlns:mv="urn:schemas-microsoft-com:mac:vml" xmlns:p="http://schemas.openxmlformats.org/presentationml/2006/main" xmlns:c="http://schemas.openxmlformats.org/drawingml/2006/chart" xmlns:dgm="http://schemas.openxmlformats.org/drawingml/2006/diagram" xmlns:o="urn:schemas-microsoft-com:office:office" xmlns:v="urn:schemas-microsoft-com:vml" xmlns:pvml="urn:schemas-microsoft-com:office:powerpoint" xmlns:com="http://schemas.openxmlformats.org/drawingml/2006/compatibility" xmlns:p14="http://schemas.microsoft.com/office/powerpoint/2010/main" xmlns:p15="http://schemas.microsoft.com/office/powerpoint/2012/main" xmlns:ahyp="http://schemas.microsoft.com/office/drawing/2018/hyperlinkcolor" showMasterPhAnim="0" showMasterSp="0">
+  <p:cSld>
+    <p:spTree>
+      <p:nvGrpSpPr>
+        <p:cNvPr id="600" name="Shape 600"/>
+        <p:cNvGrpSpPr/>
+        <p:nvPr/>
+      </p:nvGrpSpPr>
+      <p:grpSpPr>
+        <a:xfrm>
+          <a:off x="0" y="0"/>
+          <a:ext cx="0" cy="0"/>
+          <a:chOff x="0" y="0"/>
+          <a:chExt cx="0" cy="0"/>
+        </a:xfrm>
+      </p:grpSpPr>
+      <p:sp>
+        <p:nvSpPr>
+          <p:cNvPr id="601" name="Google Shape;601;g8a05a627a2_4_288:notes"/>
+          <p:cNvSpPr/>
+          <p:nvPr>
+            <p:ph idx="2" type="sldImg"/>
+          </p:nvPr>
+        </p:nvSpPr>
+        <p:spPr>
+          <a:xfrm>
+            <a:off x="381300" y="685800"/>
+            <a:ext cx="6096000" cy="3429000"/>
+          </a:xfrm>
+          <a:custGeom>
+            <a:rect b="b" l="l" r="r" t="t"/>
+            <a:pathLst>
+              <a:path extrusionOk="0" h="120000" w="120000">
+                <a:moveTo>
+                  <a:pt x="0" y="0"/>
+                </a:moveTo>
+                <a:lnTo>
+                  <a:pt x="120000" y="0"/>
+                </a:lnTo>
+                <a:lnTo>
+                  <a:pt x="120000" y="120000"/>
+                </a:lnTo>
+                <a:lnTo>
+                  <a:pt x="0" y="120000"/>
+                </a:lnTo>
+                <a:close/>
+              </a:path>
+            </a:pathLst>
+          </a:custGeom>
+        </p:spPr>
+      </p:sp>
+      <p:sp>
+        <p:nvSpPr>
+          <p:cNvPr id="602" name="Google Shape;602;g8a05a627a2_4_288:notes"/>
+          <p:cNvSpPr txBox="1"/>
+          <p:nvPr>
+            <p:ph idx="1" type="body"/>
+          </p:nvPr>
+        </p:nvSpPr>
+        <p:spPr>
+          <a:xfrm>
+            <a:off x="685800" y="4343400"/>
+            <a:ext cx="5486400" cy="4114800"/>
+          </a:xfrm>
+          <a:prstGeom prst="rect">
+            <a:avLst/>
+          </a:prstGeom>
+        </p:spPr>
+        <p:txBody>
+          <a:bodyPr anchorCtr="0" anchor="t" bIns="91425" lIns="91425" spcFirstLastPara="1" rIns="91425" wrap="square" tIns="91425">
+            <a:noAutofit/>
+          </a:bodyPr>
+          <a:lstStyle/>
+          <a:p>
+            <a:pPr indent="0" lvl="0" marL="0" rtl="0" algn="l">
+              <a:spcBef>
+                <a:spcPts val="0"/>
+              </a:spcBef>
+              <a:spcAft>
+                <a:spcPts val="0"/>
+              </a:spcAft>
+              <a:buNone/>
+            </a:pPr>
+            <a:r>
+              <a:t/>
+            </a:r>
+            <a:endParaRPr/>
+          </a:p>
+        </p:txBody>
+      </p:sp>
+    </p:spTree>
+  </p:cSld>
+  <p:clrMapOvr>
+    <a:masterClrMapping/>
+  </p:clrMapOvr>
+</p:notes>
+</file>
+
+<file path=ppt/notesSlides/notesSlide2.xml><?xml version="1.0" encoding="utf-8"?>
+<p:notes xmlns:a="http://schemas.openxmlformats.org/drawingml/2006/main" xmlns:r="http://schemas.openxmlformats.org/officeDocument/2006/relationships" xmlns:mc="http://schemas.openxmlformats.org/markup-compatibility/2006" xmlns:mv="urn:schemas-microsoft-com:mac:vml" xmlns:p="http://schemas.openxmlformats.org/presentationml/2006/main" xmlns:c="http://schemas.openxmlformats.org/drawingml/2006/chart" xmlns:dgm="http://schemas.openxmlformats.org/drawingml/2006/diagram" xmlns:o="urn:schemas-microsoft-com:office:office" xmlns:v="urn:schemas-microsoft-com:vml" xmlns:pvml="urn:schemas-microsoft-com:office:powerpoint" xmlns:com="http://schemas.openxmlformats.org/drawingml/2006/compatibility" xmlns:p14="http://schemas.microsoft.com/office/powerpoint/2010/main" xmlns:p15="http://schemas.microsoft.com/office/powerpoint/2012/main" xmlns:ahyp="http://schemas.microsoft.com/office/drawing/2018/hyperlinkcolor" showMasterPhAnim="0" showMasterSp="0">
+  <p:cSld>
+    <p:spTree>
+      <p:nvGrpSpPr>
+        <p:cNvPr id="398" name="Shape 398"/>
+        <p:cNvGrpSpPr/>
+        <p:nvPr/>
+      </p:nvGrpSpPr>
+      <p:grpSpPr>
+        <a:xfrm>
+          <a:off x="0" y="0"/>
+          <a:ext cx="0" cy="0"/>
+          <a:chOff x="0" y="0"/>
+          <a:chExt cx="0" cy="0"/>
+        </a:xfrm>
+      </p:grpSpPr>
+      <p:sp>
+        <p:nvSpPr>
+          <p:cNvPr id="399" name="Google Shape;399;g8a05a627a2_4_276:notes"/>
+          <p:cNvSpPr/>
+          <p:nvPr>
+            <p:ph idx="2" type="sldImg"/>
+          </p:nvPr>
+        </p:nvSpPr>
+        <p:spPr>
+          <a:xfrm>
+            <a:off x="381300" y="685800"/>
+            <a:ext cx="6096000" cy="3429000"/>
+          </a:xfrm>
+          <a:custGeom>
+            <a:rect b="b" l="l" r="r" t="t"/>
+            <a:pathLst>
+              <a:path extrusionOk="0" h="120000" w="120000">
+                <a:moveTo>
+                  <a:pt x="0" y="0"/>
+                </a:moveTo>
+                <a:lnTo>
+                  <a:pt x="120000" y="0"/>
+                </a:lnTo>
+                <a:lnTo>
+                  <a:pt x="120000" y="120000"/>
+                </a:lnTo>
+                <a:lnTo>
+                  <a:pt x="0" y="120000"/>
+                </a:lnTo>
+                <a:close/>
+              </a:path>
+            </a:pathLst>
+          </a:custGeom>
+        </p:spPr>
+      </p:sp>
+      <p:sp>
+        <p:nvSpPr>
+          <p:cNvPr id="400" name="Google Shape;400;g8a05a627a2_4_276:notes"/>
+          <p:cNvSpPr txBox="1"/>
+          <p:nvPr>
+            <p:ph idx="1" type="body"/>
+          </p:nvPr>
+        </p:nvSpPr>
+        <p:spPr>
+          <a:xfrm>
+            <a:off x="685800" y="4343400"/>
+            <a:ext cx="5486400" cy="4114800"/>
+          </a:xfrm>
+          <a:prstGeom prst="rect">
+            <a:avLst/>
+          </a:prstGeom>
+        </p:spPr>
+        <p:txBody>
+          <a:bodyPr anchorCtr="0" anchor="t" bIns="91425" lIns="91425" spcFirstLastPara="1" rIns="91425" wrap="square" tIns="91425">
+            <a:noAutofit/>
+          </a:bodyPr>
+          <a:lstStyle/>
+          <a:p>
+            <a:pPr indent="0" lvl="0" marL="0" rtl="0" algn="l">
+              <a:spcBef>
+                <a:spcPts val="0"/>
+              </a:spcBef>
+              <a:spcAft>
+                <a:spcPts val="0"/>
+              </a:spcAft>
+              <a:buNone/>
+            </a:pPr>
+            <a:r>
+              <a:t/>
+            </a:r>
+            <a:endParaRPr/>
+          </a:p>
+        </p:txBody>
+      </p:sp>
+    </p:spTree>
+  </p:cSld>
+  <p:clrMapOvr>
+    <a:masterClrMapping/>
+  </p:clrMapOvr>
+</p:notes>
+</file>
+
+<file path=ppt/notesSlides/notesSlide3.xml><?xml version="1.0" encoding="utf-8"?>
+<p:notes xmlns:a="http://schemas.openxmlformats.org/drawingml/2006/main" xmlns:r="http://schemas.openxmlformats.org/officeDocument/2006/relationships" xmlns:mc="http://schemas.openxmlformats.org/markup-compatibility/2006" xmlns:mv="urn:schemas-microsoft-com:mac:vml" xmlns:p="http://schemas.openxmlformats.org/presentationml/2006/main" xmlns:c="http://schemas.openxmlformats.org/drawingml/2006/chart" xmlns:dgm="http://schemas.openxmlformats.org/drawingml/2006/diagram" xmlns:o="urn:schemas-microsoft-com:office:office" xmlns:v="urn:schemas-microsoft-com:vml" xmlns:pvml="urn:schemas-microsoft-com:office:powerpoint" xmlns:com="http://schemas.openxmlformats.org/drawingml/2006/compatibility" xmlns:p14="http://schemas.microsoft.com/office/powerpoint/2010/main" xmlns:p15="http://schemas.microsoft.com/office/powerpoint/2012/main" xmlns:ahyp="http://schemas.microsoft.com/office/drawing/2018/hyperlinkcolor" showMasterPhAnim="0" showMasterSp="0">
+  <p:cSld>
+    <p:spTree>
+      <p:nvGrpSpPr>
+        <p:cNvPr id="410" name="Shape 410"/>
+        <p:cNvGrpSpPr/>
+        <p:nvPr/>
+      </p:nvGrpSpPr>
+      <p:grpSpPr>
+        <a:xfrm>
+          <a:off x="0" y="0"/>
+          <a:ext cx="0" cy="0"/>
+          <a:chOff x="0" y="0"/>
+          <a:chExt cx="0" cy="0"/>
+        </a:xfrm>
+      </p:grpSpPr>
+      <p:sp>
+        <p:nvSpPr>
+          <p:cNvPr id="411" name="Google Shape;411;g8a05a627a2_4_36:notes"/>
+          <p:cNvSpPr/>
+          <p:nvPr>
+            <p:ph idx="2" type="sldImg"/>
+          </p:nvPr>
+        </p:nvSpPr>
+        <p:spPr>
+          <a:xfrm>
+            <a:off x="381300" y="685800"/>
+            <a:ext cx="6096000" cy="3429000"/>
+          </a:xfrm>
+          <a:custGeom>
+            <a:rect b="b" l="l" r="r" t="t"/>
+            <a:pathLst>
+              <a:path extrusionOk="0" h="120000" w="120000">
+                <a:moveTo>
+                  <a:pt x="0" y="0"/>
+                </a:moveTo>
+                <a:lnTo>
+                  <a:pt x="120000" y="0"/>
+                </a:lnTo>
+                <a:lnTo>
+                  <a:pt x="120000" y="120000"/>
+                </a:lnTo>
+                <a:lnTo>
+                  <a:pt x="0" y="120000"/>
+                </a:lnTo>
+                <a:close/>
+              </a:path>
+            </a:pathLst>
+          </a:custGeom>
+        </p:spPr>
+      </p:sp>
+      <p:sp>
+        <p:nvSpPr>
+          <p:cNvPr id="412" name="Google Shape;412;g8a05a627a2_4_36:notes"/>
+          <p:cNvSpPr txBox="1"/>
+          <p:nvPr>
+            <p:ph idx="1" type="body"/>
+          </p:nvPr>
+        </p:nvSpPr>
+        <p:spPr>
+          <a:xfrm>
+            <a:off x="685800" y="4343400"/>
+            <a:ext cx="5486400" cy="4114800"/>
+          </a:xfrm>
+          <a:prstGeom prst="rect">
+            <a:avLst/>
+          </a:prstGeom>
+        </p:spPr>
+        <p:txBody>
+          <a:bodyPr anchorCtr="0" anchor="t" bIns="91425" lIns="91425" spcFirstLastPara="1" rIns="91425" wrap="square" tIns="91425">
+            <a:noAutofit/>
+          </a:bodyPr>
+          <a:lstStyle/>
+          <a:p>
+            <a:pPr indent="0" lvl="0" marL="0" rtl="0" algn="l">
+              <a:spcBef>
+                <a:spcPts val="0"/>
+              </a:spcBef>
+              <a:spcAft>
+                <a:spcPts val="0"/>
+              </a:spcAft>
+              <a:buNone/>
+            </a:pPr>
+            <a:r>
+              <a:t/>
+            </a:r>
+            <a:endParaRPr/>
+          </a:p>
+        </p:txBody>
+      </p:sp>
+    </p:spTree>
+  </p:cSld>
+  <p:clrMapOvr>
+    <a:masterClrMapping/>
+  </p:clrMapOvr>
+</p:notes>
+</file>
+
+<file path=ppt/notesSlides/notesSlide4.xml><?xml version="1.0" encoding="utf-8"?>
+<p:notes xmlns:a="http://schemas.openxmlformats.org/drawingml/2006/main" xmlns:r="http://schemas.openxmlformats.org/officeDocument/2006/relationships" xmlns:mc="http://schemas.openxmlformats.org/markup-compatibility/2006" xmlns:mv="urn:schemas-microsoft-com:mac:vml" xmlns:p="http://schemas.openxmlformats.org/presentationml/2006/main" xmlns:c="http://schemas.openxmlformats.org/drawingml/2006/chart" xmlns:dgm="http://schemas.openxmlformats.org/drawingml/2006/diagram" xmlns:o="urn:schemas-microsoft-com:office:office" xmlns:v="urn:schemas-microsoft-com:vml" xmlns:pvml="urn:schemas-microsoft-com:office:powerpoint" xmlns:com="http://schemas.openxmlformats.org/drawingml/2006/compatibility" xmlns:p14="http://schemas.microsoft.com/office/powerpoint/2010/main" xmlns:p15="http://schemas.microsoft.com/office/powerpoint/2012/main" xmlns:ahyp="http://schemas.microsoft.com/office/drawing/2018/hyperlinkcolor" showMasterPhAnim="0" showMasterSp="0">
+  <p:cSld>
+    <p:spTree>
+      <p:nvGrpSpPr>
+        <p:cNvPr id="419" name="Shape 419"/>
+        <p:cNvGrpSpPr/>
+        <p:nvPr/>
+      </p:nvGrpSpPr>
+      <p:grpSpPr>
+        <a:xfrm>
+          <a:off x="0" y="0"/>
+          <a:ext cx="0" cy="0"/>
+          <a:chOff x="0" y="0"/>
+          <a:chExt cx="0" cy="0"/>
+        </a:xfrm>
+      </p:grpSpPr>
+      <p:sp>
+        <p:nvSpPr>
+          <p:cNvPr id="420" name="Google Shape;420;g8a05a627a2_4_24:notes"/>
+          <p:cNvSpPr/>
+          <p:nvPr>
+            <p:ph idx="2" type="sldImg"/>
+          </p:nvPr>
+        </p:nvSpPr>
+        <p:spPr>
+          <a:xfrm>
+            <a:off x="381300" y="685800"/>
+            <a:ext cx="6096000" cy="3429000"/>
+          </a:xfrm>
+          <a:custGeom>
+            <a:rect b="b" l="l" r="r" t="t"/>
+            <a:pathLst>
+              <a:path extrusionOk="0" h="120000" w="120000">
+                <a:moveTo>
+                  <a:pt x="0" y="0"/>
+                </a:moveTo>
+                <a:lnTo>
+                  <a:pt x="120000" y="0"/>
+                </a:lnTo>
+                <a:lnTo>
+                  <a:pt x="120000" y="120000"/>
+                </a:lnTo>
+                <a:lnTo>
+                  <a:pt x="0" y="120000"/>
+                </a:lnTo>
+                <a:close/>
+              </a:path>
+            </a:pathLst>
+          </a:custGeom>
+        </p:spPr>
+      </p:sp>
+      <p:sp>
+        <p:nvSpPr>
+          <p:cNvPr id="421" name="Google Shape;421;g8a05a627a2_4_24:notes"/>
+          <p:cNvSpPr txBox="1"/>
+          <p:nvPr>
+            <p:ph idx="1" type="body"/>
+          </p:nvPr>
+        </p:nvSpPr>
+        <p:spPr>
+          <a:xfrm>
+            <a:off x="685800" y="4343400"/>
+            <a:ext cx="5486400" cy="4114800"/>
+          </a:xfrm>
+          <a:prstGeom prst="rect">
+            <a:avLst/>
+          </a:prstGeom>
+        </p:spPr>
+        <p:txBody>
+          <a:bodyPr anchorCtr="0" anchor="t" bIns="91425" lIns="91425" spcFirstLastPara="1" rIns="91425" wrap="square" tIns="91425">
+            <a:noAutofit/>
+          </a:bodyPr>
+          <a:lstStyle/>
+          <a:p>
+            <a:pPr indent="0" lvl="0" marL="0" rtl="0" algn="l">
+              <a:spcBef>
+                <a:spcPts val="0"/>
+              </a:spcBef>
+              <a:spcAft>
+                <a:spcPts val="0"/>
+              </a:spcAft>
+              <a:buNone/>
+            </a:pPr>
+            <a:r>
+              <a:t/>
+            </a:r>
+            <a:endParaRPr/>
+          </a:p>
+        </p:txBody>
+      </p:sp>
+    </p:spTree>
+  </p:cSld>
+  <p:clrMapOvr>
+    <a:masterClrMapping/>
+  </p:clrMapOvr>
+</p:notes>
+</file>
+
+<file path=ppt/notesSlides/notesSlide5.xml><?xml version="1.0" encoding="utf-8"?>
+<p:notes xmlns:a="http://schemas.openxmlformats.org/drawingml/2006/main" xmlns:r="http://schemas.openxmlformats.org/officeDocument/2006/relationships" xmlns:mc="http://schemas.openxmlformats.org/markup-compatibility/2006" xmlns:mv="urn:schemas-microsoft-com:mac:vml" xmlns:p="http://schemas.openxmlformats.org/presentationml/2006/main" xmlns:c="http://schemas.openxmlformats.org/drawingml/2006/chart" xmlns:dgm="http://schemas.openxmlformats.org/drawingml/2006/diagram" xmlns:o="urn:schemas-microsoft-com:office:office" xmlns:v="urn:schemas-microsoft-com:vml" xmlns:pvml="urn:schemas-microsoft-com:office:powerpoint" xmlns:com="http://schemas.openxmlformats.org/drawingml/2006/compatibility" xmlns:p14="http://schemas.microsoft.com/office/powerpoint/2010/main" xmlns:p15="http://schemas.microsoft.com/office/powerpoint/2012/main" xmlns:ahyp="http://schemas.microsoft.com/office/drawing/2018/hyperlinkcolor" showMasterPhAnim="0" showMasterSp="0">
+  <p:cSld>
+    <p:spTree>
+      <p:nvGrpSpPr>
+        <p:cNvPr id="430" name="Shape 430"/>
+        <p:cNvGrpSpPr/>
+        <p:nvPr/>
+      </p:nvGrpSpPr>
+      <p:grpSpPr>
+        <a:xfrm>
+          <a:off x="0" y="0"/>
+          <a:ext cx="0" cy="0"/>
+          <a:chOff x="0" y="0"/>
+          <a:chExt cx="0" cy="0"/>
+        </a:xfrm>
+      </p:grpSpPr>
+      <p:sp>
+        <p:nvSpPr>
+          <p:cNvPr id="431" name="Google Shape;431;gb063890f49_2_9:notes"/>
+          <p:cNvSpPr/>
+          <p:nvPr>
+            <p:ph idx="2" type="sldImg"/>
+          </p:nvPr>
+        </p:nvSpPr>
+        <p:spPr>
+          <a:xfrm>
+            <a:off x="381300" y="685800"/>
+            <a:ext cx="6096000" cy="3429000"/>
+          </a:xfrm>
+          <a:custGeom>
+            <a:rect b="b" l="l" r="r" t="t"/>
+            <a:pathLst>
+              <a:path extrusionOk="0" h="120000" w="120000">
+                <a:moveTo>
+                  <a:pt x="0" y="0"/>
+                </a:moveTo>
+                <a:lnTo>
+                  <a:pt x="120000" y="0"/>
+                </a:lnTo>
+                <a:lnTo>
+                  <a:pt x="120000" y="120000"/>
+                </a:lnTo>
+                <a:lnTo>
+                  <a:pt x="0" y="120000"/>
+                </a:lnTo>
+                <a:close/>
+              </a:path>
+            </a:pathLst>
+          </a:custGeom>
+        </p:spPr>
+      </p:sp>
+      <p:sp>
+        <p:nvSpPr>
+          <p:cNvPr id="432" name="Google Shape;432;gb063890f49_2_9:notes"/>
+          <p:cNvSpPr txBox="1"/>
+          <p:nvPr>
+            <p:ph idx="1" type="body"/>
+          </p:nvPr>
+        </p:nvSpPr>
+        <p:spPr>
+          <a:xfrm>
+            <a:off x="685800" y="4343400"/>
+            <a:ext cx="5486400" cy="4114800"/>
+          </a:xfrm>
+          <a:prstGeom prst="rect">
+            <a:avLst/>
+          </a:prstGeom>
+        </p:spPr>
+        <p:txBody>
+          <a:bodyPr anchorCtr="0" anchor="t" bIns="91425" lIns="91425" spcFirstLastPara="1" rIns="91425" wrap="square" tIns="91425">
+            <a:noAutofit/>
+          </a:bodyPr>
+          <a:lstStyle/>
+          <a:p>
+            <a:pPr indent="0" lvl="0" marL="0" rtl="0" algn="l">
+              <a:spcBef>
+                <a:spcPts val="0"/>
+              </a:spcBef>
+              <a:spcAft>
+                <a:spcPts val="0"/>
+              </a:spcAft>
+              <a:buNone/>
+            </a:pPr>
+            <a:r>
+              <a:t/>
+            </a:r>
+            <a:endParaRPr/>
+          </a:p>
+        </p:txBody>
+      </p:sp>
+    </p:spTree>
+  </p:cSld>
+  <p:clrMapOvr>
+    <a:masterClrMapping/>
+  </p:clrMapOvr>
+</p:notes>
+</file>
+
+<file path=ppt/notesSlides/notesSlide6.xml><?xml version="1.0" encoding="utf-8"?>
+<p:notes xmlns:a="http://schemas.openxmlformats.org/drawingml/2006/main" xmlns:r="http://schemas.openxmlformats.org/officeDocument/2006/relationships" xmlns:mc="http://schemas.openxmlformats.org/markup-compatibility/2006" xmlns:mv="urn:schemas-microsoft-com:mac:vml" xmlns:p="http://schemas.openxmlformats.org/presentationml/2006/main" xmlns:c="http://schemas.openxmlformats.org/drawingml/2006/chart" xmlns:dgm="http://schemas.openxmlformats.org/drawingml/2006/diagram" xmlns:o="urn:schemas-microsoft-com:office:office" xmlns:v="urn:schemas-microsoft-com:vml" xmlns:pvml="urn:schemas-microsoft-com:office:powerpoint" xmlns:com="http://schemas.openxmlformats.org/drawingml/2006/compatibility" xmlns:p14="http://schemas.microsoft.com/office/powerpoint/2010/main" xmlns:p15="http://schemas.microsoft.com/office/powerpoint/2012/main" xmlns:ahyp="http://schemas.microsoft.com/office/drawing/2018/hyperlinkcolor" showMasterPhAnim="0" showMasterSp="0">
+  <p:cSld>
+    <p:spTree>
+      <p:nvGrpSpPr>
+        <p:cNvPr id="439" name="Shape 439"/>
+        <p:cNvGrpSpPr/>
+        <p:nvPr/>
+      </p:nvGrpSpPr>
+      <p:grpSpPr>
+        <a:xfrm>
+          <a:off x="0" y="0"/>
+          <a:ext cx="0" cy="0"/>
+          <a:chOff x="0" y="0"/>
+          <a:chExt cx="0" cy="0"/>
+        </a:xfrm>
+      </p:grpSpPr>
+      <p:sp>
+        <p:nvSpPr>
+          <p:cNvPr id="440" name="Google Shape;440;g8a05a627a2_4_25598:notes"/>
+          <p:cNvSpPr/>
+          <p:nvPr>
+            <p:ph idx="2" type="sldImg"/>
+          </p:nvPr>
+        </p:nvSpPr>
+        <p:spPr>
+          <a:xfrm>
+            <a:off x="381300" y="685800"/>
+            <a:ext cx="6096000" cy="3429000"/>
+          </a:xfrm>
+          <a:custGeom>
+            <a:rect b="b" l="l" r="r" t="t"/>
+            <a:pathLst>
+              <a:path extrusionOk="0" h="120000" w="120000">
+                <a:moveTo>
+                  <a:pt x="0" y="0"/>
+                </a:moveTo>
+                <a:lnTo>
+                  <a:pt x="120000" y="0"/>
+                </a:lnTo>
+                <a:lnTo>
+                  <a:pt x="120000" y="120000"/>
+                </a:lnTo>
+                <a:lnTo>
+                  <a:pt x="0" y="120000"/>
+                </a:lnTo>
+                <a:close/>
+              </a:path>
+            </a:pathLst>
+          </a:custGeom>
+        </p:spPr>
+      </p:sp>
+      <p:sp>
+        <p:nvSpPr>
+          <p:cNvPr id="441" name="Google Shape;441;g8a05a627a2_4_25598:notes"/>
+          <p:cNvSpPr txBox="1"/>
+          <p:nvPr>
+            <p:ph idx="1" type="body"/>
+          </p:nvPr>
+        </p:nvSpPr>
+        <p:spPr>
+          <a:xfrm>
+            <a:off x="685800" y="4343400"/>
+            <a:ext cx="5486400" cy="4114800"/>
+          </a:xfrm>
+          <a:prstGeom prst="rect">
+            <a:avLst/>
+          </a:prstGeom>
+        </p:spPr>
+        <p:txBody>
+          <a:bodyPr anchorCtr="0" anchor="t" bIns="91425" lIns="91425" spcFirstLastPara="1" rIns="91425" wrap="square" tIns="91425">
+            <a:noAutofit/>
+          </a:bodyPr>
+          <a:lstStyle/>
+          <a:p>
+            <a:pPr indent="0" lvl="0" marL="0" rtl="0" algn="l">
+              <a:spcBef>
+                <a:spcPts val="0"/>
+              </a:spcBef>
+              <a:spcAft>
+                <a:spcPts val="0"/>
+              </a:spcAft>
+              <a:buNone/>
+            </a:pPr>
+            <a:r>
+              <a:t/>
+            </a:r>
+            <a:endParaRPr/>
+          </a:p>
+        </p:txBody>
+      </p:sp>
+    </p:spTree>
+  </p:cSld>
+  <p:clrMapOvr>
+    <a:masterClrMapping/>
+  </p:clrMapOvr>
+</p:notes>
+</file>
+
+<file path=ppt/notesSlides/notesSlide7.xml><?xml version="1.0" encoding="utf-8"?>
+<p:notes xmlns:a="http://schemas.openxmlformats.org/drawingml/2006/main" xmlns:r="http://schemas.openxmlformats.org/officeDocument/2006/relationships" xmlns:mc="http://schemas.openxmlformats.org/markup-compatibility/2006" xmlns:mv="urn:schemas-microsoft-com:mac:vml" xmlns:p="http://schemas.openxmlformats.org/presentationml/2006/main" xmlns:c="http://schemas.openxmlformats.org/drawingml/2006/chart" xmlns:dgm="http://schemas.openxmlformats.org/drawingml/2006/diagram" xmlns:o="urn:schemas-microsoft-com:office:office" xmlns:v="urn:schemas-microsoft-com:vml" xmlns:pvml="urn:schemas-microsoft-com:office:powerpoint" xmlns:com="http://schemas.openxmlformats.org/drawingml/2006/compatibility" xmlns:p14="http://schemas.microsoft.com/office/powerpoint/2010/main" xmlns:p15="http://schemas.microsoft.com/office/powerpoint/2012/main" xmlns:ahyp="http://schemas.microsoft.com/office/drawing/2018/hyperlinkcolor" showMasterPhAnim="0" showMasterSp="0">
+  <p:cSld>
+    <p:spTree>
+      <p:nvGrpSpPr>
+        <p:cNvPr id="450" name="Shape 450"/>
+        <p:cNvGrpSpPr/>
+        <p:nvPr/>
+      </p:nvGrpSpPr>
+      <p:grpSpPr>
+        <a:xfrm>
+          <a:off x="0" y="0"/>
+          <a:ext cx="0" cy="0"/>
+          <a:chOff x="0" y="0"/>
+          <a:chExt cx="0" cy="0"/>
+        </a:xfrm>
+      </p:grpSpPr>
+      <p:sp>
+        <p:nvSpPr>
+          <p:cNvPr id="451" name="Google Shape;451;gb063890f49_2_1:notes"/>
+          <p:cNvSpPr/>
+          <p:nvPr>
+            <p:ph idx="2" type="sldImg"/>
+          </p:nvPr>
+        </p:nvSpPr>
+        <p:spPr>
+          <a:xfrm>
+            <a:off x="381300" y="685800"/>
+            <a:ext cx="6096000" cy="3429000"/>
+          </a:xfrm>
+          <a:custGeom>
+            <a:rect b="b" l="l" r="r" t="t"/>
+            <a:pathLst>
+              <a:path extrusionOk="0" h="120000" w="120000">
+                <a:moveTo>
+                  <a:pt x="0" y="0"/>
+                </a:moveTo>
+                <a:lnTo>
+                  <a:pt x="120000" y="0"/>
+                </a:lnTo>
+                <a:lnTo>
+                  <a:pt x="120000" y="120000"/>
+                </a:lnTo>
+                <a:lnTo>
+                  <a:pt x="0" y="120000"/>
+                </a:lnTo>
+                <a:close/>
+              </a:path>
+            </a:pathLst>
+          </a:custGeom>
+        </p:spPr>
+      </p:sp>
+      <p:sp>
+        <p:nvSpPr>
+          <p:cNvPr id="452" name="Google Shape;452;gb063890f49_2_1:notes"/>
           <p:cNvSpPr txBox="1"/>
           <p:nvPr>
             <p:ph idx="1" type="body"/>
@@ -1700,7 +2400,7 @@
       </p:grpSpPr>
       <p:sp>
         <p:nvSpPr>
-          <p:cNvPr id="460" name="Google Shape;460;gaf583cc814_0_43:notes"/>
+          <p:cNvPr id="460" name="Google Shape;460;gaf583cc814_0_13:notes"/>
           <p:cNvSpPr/>
           <p:nvPr>
             <p:ph idx="2" type="sldImg"/>
@@ -1735,7 +2435,7 @@
       </p:sp>
       <p:sp>
         <p:nvSpPr>
-          <p:cNvPr id="461" name="Google Shape;461;gaf583cc814_0_43:notes"/>
+          <p:cNvPr id="461" name="Google Shape;461;gaf583cc814_0_13:notes"/>
           <p:cNvSpPr txBox="1"/>
           <p:nvPr>
             <p:ph idx="1" type="body"/>
@@ -1799,7 +2499,7 @@
       </p:grpSpPr>
       <p:sp>
         <p:nvSpPr>
-          <p:cNvPr id="471" name="Google Shape;471;gaf583cc814_0_83:notes"/>
+          <p:cNvPr id="471" name="Google Shape;471;gb063890f49_2_17:notes"/>
           <p:cNvSpPr/>
           <p:nvPr>
             <p:ph idx="2" type="sldImg"/>
@@ -1834,7 +2534,7 @@
       </p:sp>
       <p:sp>
         <p:nvSpPr>
-          <p:cNvPr id="472" name="Google Shape;472;gaf583cc814_0_83:notes"/>
+          <p:cNvPr id="472" name="Google Shape;472;gb063890f49_2_17:notes"/>
           <p:cNvSpPr txBox="1"/>
           <p:nvPr>
             <p:ph idx="1" type="body"/>
@@ -39217,8 +39917,36 @@
         </p:blipFill>
         <p:spPr>
           <a:xfrm>
-            <a:off x="3821513" y="4342599"/>
-            <a:ext cx="1500881" cy="338924"/>
+            <a:off x="2367225" y="4221725"/>
+            <a:ext cx="1038380" cy="234475"/>
+          </a:xfrm>
+          <a:prstGeom prst="rect">
+            <a:avLst/>
+          </a:prstGeom>
+          <a:noFill/>
+          <a:ln>
+            <a:noFill/>
+          </a:ln>
+        </p:spPr>
+      </p:pic>
+      <p:pic>
+        <p:nvPicPr>
+          <p:cNvPr id="397" name="Google Shape;397;p31"/>
+          <p:cNvPicPr preferRelativeResize="0"/>
+          <p:nvPr/>
+        </p:nvPicPr>
+        <p:blipFill>
+          <a:blip r:embed="rId4">
+            <a:alphaModFix/>
+          </a:blip>
+          <a:stretch>
+            <a:fillRect/>
+          </a:stretch>
+        </p:blipFill>
+        <p:spPr>
+          <a:xfrm>
+            <a:off x="5693750" y="4221732"/>
+            <a:ext cx="1124700" cy="234475"/>
           </a:xfrm>
           <a:prstGeom prst="rect">
             <a:avLst/>
@@ -39242,7 +39970,7 @@
   <p:cSld>
     <p:spTree>
       <p:nvGrpSpPr>
-        <p:cNvPr id="484" name="Shape 484"/>
+        <p:cNvPr id="482" name="Shape 482"/>
         <p:cNvGrpSpPr/>
         <p:nvPr/>
       </p:nvGrpSpPr>
@@ -39256,7 +39984,108 @@
       </p:grpSpPr>
       <p:sp>
         <p:nvSpPr>
-          <p:cNvPr id="485" name="Google Shape;485;p40"/>
+          <p:cNvPr id="483" name="Google Shape;483;p40"/>
+          <p:cNvSpPr/>
+          <p:nvPr/>
+        </p:nvSpPr>
+        <p:spPr>
+          <a:xfrm rot="370644">
+            <a:off x="5625204" y="3962086"/>
+            <a:ext cx="1752491" cy="443487"/>
+          </a:xfrm>
+          <a:custGeom>
+            <a:rect b="b" l="l" r="r" t="t"/>
+            <a:pathLst>
+              <a:path extrusionOk="0" h="9708" w="48354">
+                <a:moveTo>
+                  <a:pt x="42117" y="1"/>
+                </a:moveTo>
+                <a:cubicBezTo>
+                  <a:pt x="40907" y="1"/>
+                  <a:pt x="39658" y="121"/>
+                  <a:pt x="38400" y="201"/>
+                </a:cubicBezTo>
+                <a:cubicBezTo>
+                  <a:pt x="34471" y="451"/>
+                  <a:pt x="30542" y="772"/>
+                  <a:pt x="26625" y="1165"/>
+                </a:cubicBezTo>
+                <a:cubicBezTo>
+                  <a:pt x="18517" y="1975"/>
+                  <a:pt x="10528" y="3153"/>
+                  <a:pt x="2562" y="4880"/>
+                </a:cubicBezTo>
+                <a:cubicBezTo>
+                  <a:pt x="0" y="5431"/>
+                  <a:pt x="409" y="9707"/>
+                  <a:pt x="2923" y="9707"/>
+                </a:cubicBezTo>
+                <a:cubicBezTo>
+                  <a:pt x="3014" y="9707"/>
+                  <a:pt x="3108" y="9702"/>
+                  <a:pt x="3205" y="9690"/>
+                </a:cubicBezTo>
+                <a:cubicBezTo>
+                  <a:pt x="11278" y="8702"/>
+                  <a:pt x="19374" y="7714"/>
+                  <a:pt x="27470" y="6987"/>
+                </a:cubicBezTo>
+                <a:cubicBezTo>
+                  <a:pt x="31387" y="6630"/>
+                  <a:pt x="35316" y="6356"/>
+                  <a:pt x="39246" y="6142"/>
+                </a:cubicBezTo>
+                <a:cubicBezTo>
+                  <a:pt x="42389" y="5975"/>
+                  <a:pt x="45496" y="6130"/>
+                  <a:pt x="47794" y="3773"/>
+                </a:cubicBezTo>
+                <a:cubicBezTo>
+                  <a:pt x="48294" y="3261"/>
+                  <a:pt x="48354" y="2332"/>
+                  <a:pt x="47794" y="1832"/>
+                </a:cubicBezTo>
+                <a:cubicBezTo>
+                  <a:pt x="46116" y="348"/>
+                  <a:pt x="44173" y="1"/>
+                  <a:pt x="42117" y="1"/>
+                </a:cubicBezTo>
+                <a:close/>
+              </a:path>
+            </a:pathLst>
+          </a:custGeom>
+          <a:solidFill>
+            <a:schemeClr val="accent3"/>
+          </a:solidFill>
+          <a:ln>
+            <a:noFill/>
+          </a:ln>
+        </p:spPr>
+        <p:txBody>
+          <a:bodyPr anchorCtr="0" anchor="ctr" bIns="91425" lIns="91425" spcFirstLastPara="1" rIns="91425" wrap="square" tIns="91425">
+            <a:noAutofit/>
+          </a:bodyPr>
+          <a:lstStyle/>
+          <a:p>
+            <a:pPr indent="0" lvl="0" marL="0" rtl="0" algn="l">
+              <a:spcBef>
+                <a:spcPts val="0"/>
+              </a:spcBef>
+              <a:spcAft>
+                <a:spcPts val="0"/>
+              </a:spcAft>
+              <a:buNone/>
+            </a:pPr>
+            <a:r>
+              <a:t/>
+            </a:r>
+            <a:endParaRPr/>
+          </a:p>
+        </p:txBody>
+      </p:sp>
+      <p:sp>
+        <p:nvSpPr>
+          <p:cNvPr id="484" name="Google Shape;484;p40"/>
           <p:cNvSpPr txBox="1"/>
           <p:nvPr>
             <p:ph type="title"/>
@@ -39264,8 +40093,8 @@
         </p:nvSpPr>
         <p:spPr>
           <a:xfrm>
-            <a:off x="196050" y="1902675"/>
-            <a:ext cx="4901100" cy="841500"/>
+            <a:off x="4572000" y="1904748"/>
+            <a:ext cx="3858900" cy="841500"/>
           </a:xfrm>
           <a:prstGeom prst="rect">
             <a:avLst/>
@@ -39288,7 +40117,7 @@
             </a:pPr>
             <a:r>
               <a:rPr lang="en"/>
-              <a:t>API → Lambda → S3</a:t>
+              <a:t>API → Lambda</a:t>
             </a:r>
             <a:endParaRPr/>
           </a:p>
@@ -39296,7 +40125,7 @@
       </p:sp>
       <p:sp>
         <p:nvSpPr>
-          <p:cNvPr id="486" name="Google Shape;486;p40"/>
+          <p:cNvPr id="485" name="Google Shape;485;p40"/>
           <p:cNvSpPr txBox="1"/>
           <p:nvPr>
             <p:ph idx="1" type="subTitle"/>
@@ -39304,8 +40133,8 @@
         </p:nvSpPr>
         <p:spPr>
           <a:xfrm>
-            <a:off x="713225" y="3097095"/>
-            <a:ext cx="3858900" cy="795600"/>
+            <a:off x="4393875" y="2992350"/>
+            <a:ext cx="4128600" cy="793200"/>
           </a:xfrm>
           <a:prstGeom prst="rect">
             <a:avLst/>
@@ -39328,7 +40157,7 @@
             </a:pPr>
             <a:r>
               <a:rPr lang="en"/>
-              <a:t>Filtering data based on a query parameter.</a:t>
+              <a:t>Invoking the Lambda function from the API endpoint.</a:t>
             </a:r>
             <a:endParaRPr/>
           </a:p>
@@ -39336,18 +40165,104 @@
       </p:sp>
       <p:grpSp>
         <p:nvGrpSpPr>
-          <p:cNvPr id="487" name="Google Shape;487;p40"/>
+          <p:cNvPr id="486" name="Google Shape;486;p40"/>
           <p:cNvGrpSpPr/>
           <p:nvPr/>
         </p:nvGrpSpPr>
         <p:grpSpPr>
           <a:xfrm>
-            <a:off x="2375788" y="2807180"/>
-            <a:ext cx="507974" cy="180367"/>
-            <a:chOff x="2544928" y="2715332"/>
-            <a:chExt cx="507974" cy="180367"/>
+            <a:off x="6254675" y="2811979"/>
+            <a:ext cx="493549" cy="180367"/>
+            <a:chOff x="6278725" y="2811979"/>
+            <a:chExt cx="493549" cy="180367"/>
           </a:xfrm>
         </p:grpSpPr>
+        <p:sp>
+          <p:nvSpPr>
+            <p:cNvPr id="487" name="Google Shape;487;p40"/>
+            <p:cNvSpPr/>
+            <p:nvPr/>
+          </p:nvSpPr>
+          <p:spPr>
+            <a:xfrm>
+              <a:off x="6651359" y="2836786"/>
+              <a:ext cx="120916" cy="130750"/>
+            </a:xfrm>
+            <a:custGeom>
+              <a:rect b="b" l="l" r="r" t="t"/>
+              <a:pathLst>
+                <a:path extrusionOk="0" h="5230" w="4978">
+                  <a:moveTo>
+                    <a:pt x="2640" y="1"/>
+                  </a:moveTo>
+                  <a:cubicBezTo>
+                    <a:pt x="1482" y="1"/>
+                    <a:pt x="324" y="1373"/>
+                    <a:pt x="72" y="2402"/>
+                  </a:cubicBezTo>
+                  <a:cubicBezTo>
+                    <a:pt x="24" y="2581"/>
+                    <a:pt x="0" y="2759"/>
+                    <a:pt x="24" y="2938"/>
+                  </a:cubicBezTo>
+                  <a:cubicBezTo>
+                    <a:pt x="96" y="3712"/>
+                    <a:pt x="703" y="4403"/>
+                    <a:pt x="1286" y="4855"/>
+                  </a:cubicBezTo>
+                  <a:cubicBezTo>
+                    <a:pt x="1605" y="5117"/>
+                    <a:pt x="1962" y="5230"/>
+                    <a:pt x="2319" y="5230"/>
+                  </a:cubicBezTo>
+                  <a:cubicBezTo>
+                    <a:pt x="3085" y="5230"/>
+                    <a:pt x="3853" y="4711"/>
+                    <a:pt x="4251" y="4022"/>
+                  </a:cubicBezTo>
+                  <a:cubicBezTo>
+                    <a:pt x="4977" y="2771"/>
+                    <a:pt x="4572" y="390"/>
+                    <a:pt x="2941" y="33"/>
+                  </a:cubicBezTo>
+                  <a:cubicBezTo>
+                    <a:pt x="2841" y="11"/>
+                    <a:pt x="2740" y="1"/>
+                    <a:pt x="2640" y="1"/>
+                  </a:cubicBezTo>
+                  <a:close/>
+                </a:path>
+              </a:pathLst>
+            </a:custGeom>
+            <a:solidFill>
+              <a:srgbClr val="FEE8DD"/>
+            </a:solidFill>
+            <a:ln>
+              <a:noFill/>
+            </a:ln>
+          </p:spPr>
+          <p:txBody>
+            <a:bodyPr anchorCtr="0" anchor="ctr" bIns="91425" lIns="91425" spcFirstLastPara="1" rIns="91425" wrap="square" tIns="91425">
+              <a:noAutofit/>
+            </a:bodyPr>
+            <a:lstStyle/>
+            <a:p>
+              <a:pPr indent="0" lvl="0" marL="0" rtl="0" algn="l">
+                <a:spcBef>
+                  <a:spcPts val="0"/>
+                </a:spcBef>
+                <a:spcAft>
+                  <a:spcPts val="0"/>
+                </a:spcAft>
+                <a:buNone/>
+              </a:pPr>
+              <a:r>
+                <a:t/>
+              </a:r>
+              <a:endParaRPr/>
+            </a:p>
+          </p:txBody>
+        </p:sp>
         <p:sp>
           <p:nvSpPr>
             <p:cNvPr id="488" name="Google Shape;488;p40"/>
@@ -39355,9 +40270,9 @@
             <p:nvPr/>
           </p:nvSpPr>
           <p:spPr>
-            <a:xfrm>
-              <a:off x="2928452" y="2740141"/>
-              <a:ext cx="124450" cy="130750"/>
+            <a:xfrm rot="7008906">
+              <a:off x="6477096" y="2838243"/>
+              <a:ext cx="123702" cy="127831"/>
             </a:xfrm>
             <a:custGeom>
               <a:rect b="b" l="l" r="r" t="t"/>
@@ -39441,9 +40356,482 @@
             <p:nvPr/>
           </p:nvSpPr>
           <p:spPr>
-            <a:xfrm rot="7049100">
-              <a:off x="2750532" y="2740139"/>
-              <a:ext cx="124446" cy="130745"/>
+            <a:xfrm rot="-2528996">
+              <a:off x="6304834" y="2837593"/>
+              <a:ext cx="122471" cy="129138"/>
+            </a:xfrm>
+            <a:custGeom>
+              <a:rect b="b" l="l" r="r" t="t"/>
+              <a:pathLst>
+                <a:path extrusionOk="0" h="5230" w="4978">
+                  <a:moveTo>
+                    <a:pt x="2640" y="1"/>
+                  </a:moveTo>
+                  <a:cubicBezTo>
+                    <a:pt x="1482" y="1"/>
+                    <a:pt x="324" y="1373"/>
+                    <a:pt x="72" y="2402"/>
+                  </a:cubicBezTo>
+                  <a:cubicBezTo>
+                    <a:pt x="24" y="2581"/>
+                    <a:pt x="0" y="2759"/>
+                    <a:pt x="24" y="2938"/>
+                  </a:cubicBezTo>
+                  <a:cubicBezTo>
+                    <a:pt x="96" y="3712"/>
+                    <a:pt x="703" y="4403"/>
+                    <a:pt x="1286" y="4855"/>
+                  </a:cubicBezTo>
+                  <a:cubicBezTo>
+                    <a:pt x="1605" y="5117"/>
+                    <a:pt x="1962" y="5230"/>
+                    <a:pt x="2319" y="5230"/>
+                  </a:cubicBezTo>
+                  <a:cubicBezTo>
+                    <a:pt x="3085" y="5230"/>
+                    <a:pt x="3853" y="4711"/>
+                    <a:pt x="4251" y="4022"/>
+                  </a:cubicBezTo>
+                  <a:cubicBezTo>
+                    <a:pt x="4977" y="2771"/>
+                    <a:pt x="4572" y="390"/>
+                    <a:pt x="2941" y="33"/>
+                  </a:cubicBezTo>
+                  <a:cubicBezTo>
+                    <a:pt x="2841" y="11"/>
+                    <a:pt x="2740" y="1"/>
+                    <a:pt x="2640" y="1"/>
+                  </a:cubicBezTo>
+                  <a:close/>
+                </a:path>
+              </a:pathLst>
+            </a:custGeom>
+            <a:solidFill>
+              <a:srgbClr val="FEE8DD"/>
+            </a:solidFill>
+            <a:ln>
+              <a:noFill/>
+            </a:ln>
+          </p:spPr>
+          <p:txBody>
+            <a:bodyPr anchorCtr="0" anchor="ctr" bIns="91425" lIns="91425" spcFirstLastPara="1" rIns="91425" wrap="square" tIns="91425">
+              <a:noAutofit/>
+            </a:bodyPr>
+            <a:lstStyle/>
+            <a:p>
+              <a:pPr indent="0" lvl="0" marL="0" rtl="0" algn="l">
+                <a:spcBef>
+                  <a:spcPts val="0"/>
+                </a:spcBef>
+                <a:spcAft>
+                  <a:spcPts val="0"/>
+                </a:spcAft>
+                <a:buNone/>
+              </a:pPr>
+              <a:r>
+                <a:t/>
+              </a:r>
+              <a:endParaRPr/>
+            </a:p>
+          </p:txBody>
+        </p:sp>
+      </p:grpSp>
+    </p:spTree>
+  </p:cSld>
+  <p:clrMapOvr>
+    <a:masterClrMapping/>
+  </p:clrMapOvr>
+</p:sld>
+</file>
+
+<file path=ppt/slides/slide11.xml><?xml version="1.0" encoding="utf-8"?>
+<p:sld xmlns:a="http://schemas.openxmlformats.org/drawingml/2006/main" xmlns:r="http://schemas.openxmlformats.org/officeDocument/2006/relationships" xmlns:mc="http://schemas.openxmlformats.org/markup-compatibility/2006" xmlns:mv="urn:schemas-microsoft-com:mac:vml" xmlns:p="http://schemas.openxmlformats.org/presentationml/2006/main" xmlns:c="http://schemas.openxmlformats.org/drawingml/2006/chart" xmlns:dgm="http://schemas.openxmlformats.org/drawingml/2006/diagram" xmlns:o="urn:schemas-microsoft-com:office:office" xmlns:v="urn:schemas-microsoft-com:vml" xmlns:pvml="urn:schemas-microsoft-com:office:powerpoint" xmlns:com="http://schemas.openxmlformats.org/drawingml/2006/compatibility" xmlns:p14="http://schemas.microsoft.com/office/powerpoint/2010/main" xmlns:p15="http://schemas.microsoft.com/office/powerpoint/2012/main" xmlns:ahyp="http://schemas.microsoft.com/office/drawing/2018/hyperlinkcolor">
+  <p:cSld>
+    <p:spTree>
+      <p:nvGrpSpPr>
+        <p:cNvPr id="493" name="Shape 493"/>
+        <p:cNvGrpSpPr/>
+        <p:nvPr/>
+      </p:nvGrpSpPr>
+      <p:grpSpPr>
+        <a:xfrm>
+          <a:off x="0" y="0"/>
+          <a:ext cx="0" cy="0"/>
+          <a:chOff x="0" y="0"/>
+          <a:chExt cx="0" cy="0"/>
+        </a:xfrm>
+      </p:grpSpPr>
+      <p:sp>
+        <p:nvSpPr>
+          <p:cNvPr id="494" name="Google Shape;494;p41"/>
+          <p:cNvSpPr txBox="1"/>
+          <p:nvPr>
+            <p:ph type="title"/>
+          </p:nvPr>
+        </p:nvSpPr>
+        <p:spPr>
+          <a:xfrm>
+            <a:off x="713250" y="372983"/>
+            <a:ext cx="7717500" cy="572700"/>
+          </a:xfrm>
+          <a:prstGeom prst="rect">
+            <a:avLst/>
+          </a:prstGeom>
+        </p:spPr>
+        <p:txBody>
+          <a:bodyPr anchorCtr="0" anchor="t" bIns="91425" lIns="91425" spcFirstLastPara="1" rIns="91425" wrap="square" tIns="91425">
+            <a:noAutofit/>
+          </a:bodyPr>
+          <a:lstStyle/>
+          <a:p>
+            <a:pPr indent="0" lvl="0" marL="0" rtl="0" algn="ctr">
+              <a:spcBef>
+                <a:spcPts val="0"/>
+              </a:spcBef>
+              <a:spcAft>
+                <a:spcPts val="0"/>
+              </a:spcAft>
+              <a:buNone/>
+            </a:pPr>
+            <a:r>
+              <a:rPr lang="en"/>
+              <a:t>Flow</a:t>
+            </a:r>
+            <a:endParaRPr b="0"/>
+          </a:p>
+        </p:txBody>
+      </p:sp>
+      <p:pic>
+        <p:nvPicPr>
+          <p:cNvPr id="495" name="Google Shape;495;p41"/>
+          <p:cNvPicPr preferRelativeResize="0"/>
+          <p:nvPr/>
+        </p:nvPicPr>
+        <p:blipFill>
+          <a:blip r:embed="rId3">
+            <a:alphaModFix/>
+          </a:blip>
+          <a:stretch>
+            <a:fillRect/>
+          </a:stretch>
+        </p:blipFill>
+        <p:spPr>
+          <a:xfrm>
+            <a:off x="568138" y="1098083"/>
+            <a:ext cx="8007723" cy="3893018"/>
+          </a:xfrm>
+          <a:prstGeom prst="rect">
+            <a:avLst/>
+          </a:prstGeom>
+          <a:noFill/>
+          <a:ln>
+            <a:noFill/>
+          </a:ln>
+        </p:spPr>
+      </p:pic>
+      <p:sp>
+        <p:nvSpPr>
+          <p:cNvPr id="496" name="Google Shape;496;p41"/>
+          <p:cNvSpPr txBox="1"/>
+          <p:nvPr/>
+        </p:nvSpPr>
+        <p:spPr>
+          <a:xfrm>
+            <a:off x="2179625" y="3978700"/>
+            <a:ext cx="761100" cy="300000"/>
+          </a:xfrm>
+          <a:prstGeom prst="rect">
+            <a:avLst/>
+          </a:prstGeom>
+          <a:noFill/>
+          <a:ln>
+            <a:noFill/>
+          </a:ln>
+        </p:spPr>
+        <p:txBody>
+          <a:bodyPr anchorCtr="0" anchor="ctr" bIns="91425" lIns="91425" spcFirstLastPara="1" rIns="91425" wrap="square" tIns="91425">
+            <a:noAutofit/>
+          </a:bodyPr>
+          <a:lstStyle/>
+          <a:p>
+            <a:pPr indent="0" lvl="0" marL="0" rtl="0" algn="ctr">
+              <a:spcBef>
+                <a:spcPts val="0"/>
+              </a:spcBef>
+              <a:spcAft>
+                <a:spcPts val="0"/>
+              </a:spcAft>
+              <a:buNone/>
+            </a:pPr>
+            <a:r>
+              <a:rPr lang="en" sz="1300">
+                <a:solidFill>
+                  <a:schemeClr val="dk2"/>
+                </a:solidFill>
+                <a:latin typeface="Varela Round"/>
+                <a:ea typeface="Varela Round"/>
+                <a:cs typeface="Varela Round"/>
+                <a:sym typeface="Varela Round"/>
+              </a:rPr>
+              <a:t>/cars</a:t>
+            </a:r>
+            <a:endParaRPr sz="1300">
+              <a:solidFill>
+                <a:schemeClr val="dk2"/>
+              </a:solidFill>
+              <a:latin typeface="Varela Round"/>
+              <a:ea typeface="Varela Round"/>
+              <a:cs typeface="Varela Round"/>
+              <a:sym typeface="Varela Round"/>
+            </a:endParaRPr>
+          </a:p>
+        </p:txBody>
+      </p:sp>
+      <p:sp>
+        <p:nvSpPr>
+          <p:cNvPr id="497" name="Google Shape;497;p41"/>
+          <p:cNvSpPr txBox="1"/>
+          <p:nvPr/>
+        </p:nvSpPr>
+        <p:spPr>
+          <a:xfrm>
+            <a:off x="4880725" y="4061875"/>
+            <a:ext cx="761100" cy="300000"/>
+          </a:xfrm>
+          <a:prstGeom prst="rect">
+            <a:avLst/>
+          </a:prstGeom>
+          <a:noFill/>
+          <a:ln>
+            <a:noFill/>
+          </a:ln>
+        </p:spPr>
+        <p:txBody>
+          <a:bodyPr anchorCtr="0" anchor="ctr" bIns="91425" lIns="91425" spcFirstLastPara="1" rIns="91425" wrap="square" tIns="91425">
+            <a:noAutofit/>
+          </a:bodyPr>
+          <a:lstStyle/>
+          <a:p>
+            <a:pPr indent="0" lvl="0" marL="0" rtl="0" algn="ctr">
+              <a:spcBef>
+                <a:spcPts val="0"/>
+              </a:spcBef>
+              <a:spcAft>
+                <a:spcPts val="0"/>
+              </a:spcAft>
+              <a:buNone/>
+            </a:pPr>
+            <a:r>
+              <a:rPr lang="en" sz="1300">
+                <a:solidFill>
+                  <a:schemeClr val="dk2"/>
+                </a:solidFill>
+                <a:latin typeface="Varela Round"/>
+                <a:ea typeface="Varela Round"/>
+                <a:cs typeface="Varela Round"/>
+                <a:sym typeface="Varela Round"/>
+              </a:rPr>
+              <a:t>listCars</a:t>
+            </a:r>
+            <a:endParaRPr sz="1300">
+              <a:solidFill>
+                <a:schemeClr val="dk2"/>
+              </a:solidFill>
+              <a:latin typeface="Varela Round"/>
+              <a:ea typeface="Varela Round"/>
+              <a:cs typeface="Varela Round"/>
+              <a:sym typeface="Varela Round"/>
+            </a:endParaRPr>
+          </a:p>
+        </p:txBody>
+      </p:sp>
+      <p:sp>
+        <p:nvSpPr>
+          <p:cNvPr id="498" name="Google Shape;498;p41"/>
+          <p:cNvSpPr txBox="1"/>
+          <p:nvPr/>
+        </p:nvSpPr>
+        <p:spPr>
+          <a:xfrm>
+            <a:off x="5431850" y="2645875"/>
+            <a:ext cx="1257000" cy="300000"/>
+          </a:xfrm>
+          <a:prstGeom prst="rect">
+            <a:avLst/>
+          </a:prstGeom>
+          <a:noFill/>
+          <a:ln>
+            <a:noFill/>
+          </a:ln>
+        </p:spPr>
+        <p:txBody>
+          <a:bodyPr anchorCtr="0" anchor="ctr" bIns="91425" lIns="91425" spcFirstLastPara="1" rIns="91425" wrap="square" tIns="91425">
+            <a:noAutofit/>
+          </a:bodyPr>
+          <a:lstStyle/>
+          <a:p>
+            <a:pPr indent="0" lvl="0" marL="0" rtl="0" algn="ctr">
+              <a:spcBef>
+                <a:spcPts val="0"/>
+              </a:spcBef>
+              <a:spcAft>
+                <a:spcPts val="0"/>
+              </a:spcAft>
+              <a:buNone/>
+            </a:pPr>
+            <a:r>
+              <a:rPr lang="en" sz="1300">
+                <a:solidFill>
+                  <a:schemeClr val="dk2"/>
+                </a:solidFill>
+                <a:latin typeface="Varela Round"/>
+                <a:ea typeface="Varela Round"/>
+                <a:cs typeface="Varela Round"/>
+                <a:sym typeface="Varela Round"/>
+              </a:rPr>
+              <a:t>cars-bucket</a:t>
+            </a:r>
+            <a:endParaRPr sz="1300">
+              <a:solidFill>
+                <a:schemeClr val="dk2"/>
+              </a:solidFill>
+              <a:latin typeface="Varela Round"/>
+              <a:ea typeface="Varela Round"/>
+              <a:cs typeface="Varela Round"/>
+              <a:sym typeface="Varela Round"/>
+            </a:endParaRPr>
+          </a:p>
+        </p:txBody>
+      </p:sp>
+    </p:spTree>
+  </p:cSld>
+  <p:clrMapOvr>
+    <a:masterClrMapping/>
+  </p:clrMapOvr>
+</p:sld>
+</file>
+
+<file path=ppt/slides/slide12.xml><?xml version="1.0" encoding="utf-8"?>
+<p:sld xmlns:a="http://schemas.openxmlformats.org/drawingml/2006/main" xmlns:r="http://schemas.openxmlformats.org/officeDocument/2006/relationships" xmlns:mc="http://schemas.openxmlformats.org/markup-compatibility/2006" xmlns:mv="urn:schemas-microsoft-com:mac:vml" xmlns:p="http://schemas.openxmlformats.org/presentationml/2006/main" xmlns:c="http://schemas.openxmlformats.org/drawingml/2006/chart" xmlns:dgm="http://schemas.openxmlformats.org/drawingml/2006/diagram" xmlns:o="urn:schemas-microsoft-com:office:office" xmlns:v="urn:schemas-microsoft-com:vml" xmlns:pvml="urn:schemas-microsoft-com:office:powerpoint" xmlns:com="http://schemas.openxmlformats.org/drawingml/2006/compatibility" xmlns:p14="http://schemas.microsoft.com/office/powerpoint/2010/main" xmlns:p15="http://schemas.microsoft.com/office/powerpoint/2012/main" xmlns:ahyp="http://schemas.microsoft.com/office/drawing/2018/hyperlinkcolor">
+  <p:cSld>
+    <p:spTree>
+      <p:nvGrpSpPr>
+        <p:cNvPr id="502" name="Shape 502"/>
+        <p:cNvGrpSpPr/>
+        <p:nvPr/>
+      </p:nvGrpSpPr>
+      <p:grpSpPr>
+        <a:xfrm>
+          <a:off x="0" y="0"/>
+          <a:ext cx="0" cy="0"/>
+          <a:chOff x="0" y="0"/>
+          <a:chExt cx="0" cy="0"/>
+        </a:xfrm>
+      </p:grpSpPr>
+      <p:sp>
+        <p:nvSpPr>
+          <p:cNvPr id="503" name="Google Shape;503;p42"/>
+          <p:cNvSpPr txBox="1"/>
+          <p:nvPr>
+            <p:ph type="title"/>
+          </p:nvPr>
+        </p:nvSpPr>
+        <p:spPr>
+          <a:xfrm>
+            <a:off x="713225" y="1904441"/>
+            <a:ext cx="3858900" cy="841500"/>
+          </a:xfrm>
+          <a:prstGeom prst="rect">
+            <a:avLst/>
+          </a:prstGeom>
+        </p:spPr>
+        <p:txBody>
+          <a:bodyPr anchorCtr="0" anchor="b" bIns="91425" lIns="91425" spcFirstLastPara="1" rIns="91425" wrap="square" tIns="91425">
+            <a:noAutofit/>
+          </a:bodyPr>
+          <a:lstStyle/>
+          <a:p>
+            <a:pPr indent="0" lvl="0" marL="0" rtl="0" algn="ctr">
+              <a:spcBef>
+                <a:spcPts val="0"/>
+              </a:spcBef>
+              <a:spcAft>
+                <a:spcPts val="0"/>
+              </a:spcAft>
+              <a:buNone/>
+            </a:pPr>
+            <a:r>
+              <a:rPr lang="en"/>
+              <a:t>IAM</a:t>
+            </a:r>
+            <a:endParaRPr/>
+          </a:p>
+        </p:txBody>
+      </p:sp>
+      <p:sp>
+        <p:nvSpPr>
+          <p:cNvPr id="504" name="Google Shape;504;p42"/>
+          <p:cNvSpPr txBox="1"/>
+          <p:nvPr>
+            <p:ph idx="1" type="subTitle"/>
+          </p:nvPr>
+        </p:nvSpPr>
+        <p:spPr>
+          <a:xfrm>
+            <a:off x="622750" y="2992900"/>
+            <a:ext cx="4047900" cy="795600"/>
+          </a:xfrm>
+          <a:prstGeom prst="rect">
+            <a:avLst/>
+          </a:prstGeom>
+        </p:spPr>
+        <p:txBody>
+          <a:bodyPr anchorCtr="0" anchor="ctr" bIns="91425" lIns="91425" spcFirstLastPara="1" rIns="91425" wrap="square" tIns="91425">
+            <a:noAutofit/>
+          </a:bodyPr>
+          <a:lstStyle/>
+          <a:p>
+            <a:pPr indent="0" lvl="0" marL="0" rtl="0" algn="ctr">
+              <a:spcBef>
+                <a:spcPts val="0"/>
+              </a:spcBef>
+              <a:spcAft>
+                <a:spcPts val="0"/>
+              </a:spcAft>
+              <a:buNone/>
+            </a:pPr>
+            <a:r>
+              <a:rPr lang="en"/>
+              <a:t>Allowing the Lambda function to access other AWS services.</a:t>
+            </a:r>
+            <a:endParaRPr/>
+          </a:p>
+        </p:txBody>
+      </p:sp>
+      <p:grpSp>
+        <p:nvGrpSpPr>
+          <p:cNvPr id="505" name="Google Shape;505;p42"/>
+          <p:cNvGrpSpPr/>
+          <p:nvPr/>
+        </p:nvGrpSpPr>
+        <p:grpSpPr>
+          <a:xfrm>
+            <a:off x="2375788" y="2807180"/>
+            <a:ext cx="507974" cy="180367"/>
+            <a:chOff x="2544928" y="2715332"/>
+            <a:chExt cx="507974" cy="180367"/>
+          </a:xfrm>
+        </p:grpSpPr>
+        <p:sp>
+          <p:nvSpPr>
+            <p:cNvPr id="506" name="Google Shape;506;p42"/>
+            <p:cNvSpPr/>
+            <p:nvPr/>
+          </p:nvSpPr>
+          <p:spPr>
+            <a:xfrm>
+              <a:off x="2928452" y="2740141"/>
+              <a:ext cx="124450" cy="130750"/>
             </a:xfrm>
             <a:custGeom>
               <a:rect b="b" l="l" r="r" t="t"/>
@@ -39522,7 +40910,93 @@
         </p:sp>
         <p:sp>
           <p:nvSpPr>
-            <p:cNvPr id="490" name="Google Shape;490;p40"/>
+            <p:cNvPr id="507" name="Google Shape;507;p42"/>
+            <p:cNvSpPr/>
+            <p:nvPr/>
+          </p:nvSpPr>
+          <p:spPr>
+            <a:xfrm rot="7049100">
+              <a:off x="2750532" y="2740139"/>
+              <a:ext cx="124446" cy="130745"/>
+            </a:xfrm>
+            <a:custGeom>
+              <a:rect b="b" l="l" r="r" t="t"/>
+              <a:pathLst>
+                <a:path extrusionOk="0" h="5230" w="4978">
+                  <a:moveTo>
+                    <a:pt x="2640" y="1"/>
+                  </a:moveTo>
+                  <a:cubicBezTo>
+                    <a:pt x="1482" y="1"/>
+                    <a:pt x="324" y="1373"/>
+                    <a:pt x="72" y="2402"/>
+                  </a:cubicBezTo>
+                  <a:cubicBezTo>
+                    <a:pt x="24" y="2581"/>
+                    <a:pt x="0" y="2759"/>
+                    <a:pt x="24" y="2938"/>
+                  </a:cubicBezTo>
+                  <a:cubicBezTo>
+                    <a:pt x="96" y="3712"/>
+                    <a:pt x="703" y="4403"/>
+                    <a:pt x="1286" y="4855"/>
+                  </a:cubicBezTo>
+                  <a:cubicBezTo>
+                    <a:pt x="1605" y="5117"/>
+                    <a:pt x="1962" y="5230"/>
+                    <a:pt x="2319" y="5230"/>
+                  </a:cubicBezTo>
+                  <a:cubicBezTo>
+                    <a:pt x="3085" y="5230"/>
+                    <a:pt x="3853" y="4711"/>
+                    <a:pt x="4251" y="4022"/>
+                  </a:cubicBezTo>
+                  <a:cubicBezTo>
+                    <a:pt x="4977" y="2771"/>
+                    <a:pt x="4572" y="390"/>
+                    <a:pt x="2941" y="33"/>
+                  </a:cubicBezTo>
+                  <a:cubicBezTo>
+                    <a:pt x="2841" y="11"/>
+                    <a:pt x="2740" y="1"/>
+                    <a:pt x="2640" y="1"/>
+                  </a:cubicBezTo>
+                  <a:close/>
+                </a:path>
+              </a:pathLst>
+            </a:custGeom>
+            <a:solidFill>
+              <a:srgbClr val="FEE8DD"/>
+            </a:solidFill>
+            <a:ln>
+              <a:noFill/>
+            </a:ln>
+          </p:spPr>
+          <p:txBody>
+            <a:bodyPr anchorCtr="0" anchor="ctr" bIns="91425" lIns="91425" spcFirstLastPara="1" rIns="91425" wrap="square" tIns="91425">
+              <a:noAutofit/>
+            </a:bodyPr>
+            <a:lstStyle/>
+            <a:p>
+              <a:pPr indent="0" lvl="0" marL="0" rtl="0" algn="l">
+                <a:spcBef>
+                  <a:spcPts val="0"/>
+                </a:spcBef>
+                <a:spcAft>
+                  <a:spcPts val="0"/>
+                </a:spcAft>
+                <a:buNone/>
+              </a:pPr>
+              <a:r>
+                <a:t/>
+              </a:r>
+              <a:endParaRPr/>
+            </a:p>
+          </p:txBody>
+        </p:sp>
+        <p:sp>
+          <p:nvSpPr>
+            <p:cNvPr id="508" name="Google Shape;508;p42"/>
             <p:cNvSpPr/>
             <p:nvPr/>
           </p:nvSpPr>
@@ -39609,7 +41083,7 @@
       </p:grpSp>
       <p:sp>
         <p:nvSpPr>
-          <p:cNvPr id="491" name="Google Shape;491;p40"/>
+          <p:cNvPr id="509" name="Google Shape;509;p42"/>
           <p:cNvSpPr/>
           <p:nvPr/>
         </p:nvSpPr>
@@ -39716,12 +41190,12 @@
 </p:sld>
 </file>
 
-<file path=ppt/slides/slide11.xml><?xml version="1.0" encoding="utf-8"?>
+<file path=ppt/slides/slide13.xml><?xml version="1.0" encoding="utf-8"?>
 <p:sld xmlns:a="http://schemas.openxmlformats.org/drawingml/2006/main" xmlns:r="http://schemas.openxmlformats.org/officeDocument/2006/relationships" xmlns:mc="http://schemas.openxmlformats.org/markup-compatibility/2006" xmlns:mv="urn:schemas-microsoft-com:mac:vml" xmlns:p="http://schemas.openxmlformats.org/presentationml/2006/main" xmlns:c="http://schemas.openxmlformats.org/drawingml/2006/chart" xmlns:dgm="http://schemas.openxmlformats.org/drawingml/2006/diagram" xmlns:o="urn:schemas-microsoft-com:office:office" xmlns:v="urn:schemas-microsoft-com:vml" xmlns:pvml="urn:schemas-microsoft-com:office:powerpoint" xmlns:com="http://schemas.openxmlformats.org/drawingml/2006/compatibility" xmlns:p14="http://schemas.microsoft.com/office/powerpoint/2010/main" xmlns:p15="http://schemas.microsoft.com/office/powerpoint/2012/main" xmlns:ahyp="http://schemas.microsoft.com/office/drawing/2018/hyperlinkcolor">
   <p:cSld>
     <p:spTree>
       <p:nvGrpSpPr>
-        <p:cNvPr id="495" name="Shape 495"/>
+        <p:cNvPr id="513" name="Shape 513"/>
         <p:cNvGrpSpPr/>
         <p:nvPr/>
       </p:nvGrpSpPr>
@@ -39735,7 +41209,7 @@
       </p:grpSpPr>
       <p:sp>
         <p:nvSpPr>
-          <p:cNvPr id="496" name="Google Shape;496;p41"/>
+          <p:cNvPr id="514" name="Google Shape;514;p43"/>
           <p:cNvSpPr txBox="1"/>
           <p:nvPr>
             <p:ph type="title"/>
@@ -39756,7 +41230,7 @@
           </a:bodyPr>
           <a:lstStyle/>
           <a:p>
-            <a:pPr indent="0" lvl="0" marL="0" rtl="0" algn="l">
+            <a:pPr indent="0" lvl="0" marL="0" rtl="0" algn="ctr">
               <a:spcBef>
                 <a:spcPts val="0"/>
               </a:spcBef>
@@ -39767,7 +41241,335 @@
             </a:pPr>
             <a:r>
               <a:rPr lang="en"/>
-              <a:t>Resources</a:t>
+              <a:t>Flow</a:t>
+            </a:r>
+            <a:endParaRPr b="0"/>
+          </a:p>
+        </p:txBody>
+      </p:sp>
+      <p:pic>
+        <p:nvPicPr>
+          <p:cNvPr id="515" name="Google Shape;515;p43"/>
+          <p:cNvPicPr preferRelativeResize="0"/>
+          <p:nvPr/>
+        </p:nvPicPr>
+        <p:blipFill>
+          <a:blip r:embed="rId3">
+            <a:alphaModFix/>
+          </a:blip>
+          <a:stretch>
+            <a:fillRect/>
+          </a:stretch>
+        </p:blipFill>
+        <p:spPr>
+          <a:xfrm>
+            <a:off x="568138" y="1098083"/>
+            <a:ext cx="8007723" cy="3893018"/>
+          </a:xfrm>
+          <a:prstGeom prst="rect">
+            <a:avLst/>
+          </a:prstGeom>
+          <a:noFill/>
+          <a:ln>
+            <a:noFill/>
+          </a:ln>
+        </p:spPr>
+      </p:pic>
+      <p:sp>
+        <p:nvSpPr>
+          <p:cNvPr id="516" name="Google Shape;516;p43"/>
+          <p:cNvSpPr txBox="1"/>
+          <p:nvPr/>
+        </p:nvSpPr>
+        <p:spPr>
+          <a:xfrm>
+            <a:off x="2179625" y="3978700"/>
+            <a:ext cx="761100" cy="300000"/>
+          </a:xfrm>
+          <a:prstGeom prst="rect">
+            <a:avLst/>
+          </a:prstGeom>
+          <a:noFill/>
+          <a:ln>
+            <a:noFill/>
+          </a:ln>
+        </p:spPr>
+        <p:txBody>
+          <a:bodyPr anchorCtr="0" anchor="ctr" bIns="91425" lIns="91425" spcFirstLastPara="1" rIns="91425" wrap="square" tIns="91425">
+            <a:noAutofit/>
+          </a:bodyPr>
+          <a:lstStyle/>
+          <a:p>
+            <a:pPr indent="0" lvl="0" marL="0" rtl="0" algn="ctr">
+              <a:spcBef>
+                <a:spcPts val="0"/>
+              </a:spcBef>
+              <a:spcAft>
+                <a:spcPts val="0"/>
+              </a:spcAft>
+              <a:buNone/>
+            </a:pPr>
+            <a:r>
+              <a:rPr lang="en" sz="1300">
+                <a:solidFill>
+                  <a:schemeClr val="dk2"/>
+                </a:solidFill>
+                <a:latin typeface="Varela Round"/>
+                <a:ea typeface="Varela Round"/>
+                <a:cs typeface="Varela Round"/>
+                <a:sym typeface="Varela Round"/>
+              </a:rPr>
+              <a:t>/cars</a:t>
+            </a:r>
+            <a:endParaRPr sz="1300">
+              <a:solidFill>
+                <a:schemeClr val="dk2"/>
+              </a:solidFill>
+              <a:latin typeface="Varela Round"/>
+              <a:ea typeface="Varela Round"/>
+              <a:cs typeface="Varela Round"/>
+              <a:sym typeface="Varela Round"/>
+            </a:endParaRPr>
+          </a:p>
+        </p:txBody>
+      </p:sp>
+      <p:sp>
+        <p:nvSpPr>
+          <p:cNvPr id="517" name="Google Shape;517;p43"/>
+          <p:cNvSpPr txBox="1"/>
+          <p:nvPr/>
+        </p:nvSpPr>
+        <p:spPr>
+          <a:xfrm>
+            <a:off x="4880725" y="4061875"/>
+            <a:ext cx="761100" cy="300000"/>
+          </a:xfrm>
+          <a:prstGeom prst="rect">
+            <a:avLst/>
+          </a:prstGeom>
+          <a:noFill/>
+          <a:ln>
+            <a:noFill/>
+          </a:ln>
+        </p:spPr>
+        <p:txBody>
+          <a:bodyPr anchorCtr="0" anchor="ctr" bIns="91425" lIns="91425" spcFirstLastPara="1" rIns="91425" wrap="square" tIns="91425">
+            <a:noAutofit/>
+          </a:bodyPr>
+          <a:lstStyle/>
+          <a:p>
+            <a:pPr indent="0" lvl="0" marL="0" rtl="0" algn="ctr">
+              <a:spcBef>
+                <a:spcPts val="0"/>
+              </a:spcBef>
+              <a:spcAft>
+                <a:spcPts val="0"/>
+              </a:spcAft>
+              <a:buNone/>
+            </a:pPr>
+            <a:r>
+              <a:rPr lang="en" sz="1300">
+                <a:solidFill>
+                  <a:schemeClr val="dk2"/>
+                </a:solidFill>
+                <a:latin typeface="Varela Round"/>
+                <a:ea typeface="Varela Round"/>
+                <a:cs typeface="Varela Round"/>
+                <a:sym typeface="Varela Round"/>
+              </a:rPr>
+              <a:t>listCars</a:t>
+            </a:r>
+            <a:endParaRPr sz="1300">
+              <a:solidFill>
+                <a:schemeClr val="dk2"/>
+              </a:solidFill>
+              <a:latin typeface="Varela Round"/>
+              <a:ea typeface="Varela Round"/>
+              <a:cs typeface="Varela Round"/>
+              <a:sym typeface="Varela Round"/>
+            </a:endParaRPr>
+          </a:p>
+        </p:txBody>
+      </p:sp>
+      <p:sp>
+        <p:nvSpPr>
+          <p:cNvPr id="518" name="Google Shape;518;p43"/>
+          <p:cNvSpPr txBox="1"/>
+          <p:nvPr/>
+        </p:nvSpPr>
+        <p:spPr>
+          <a:xfrm>
+            <a:off x="5431850" y="2645875"/>
+            <a:ext cx="1257000" cy="300000"/>
+          </a:xfrm>
+          <a:prstGeom prst="rect">
+            <a:avLst/>
+          </a:prstGeom>
+          <a:noFill/>
+          <a:ln>
+            <a:noFill/>
+          </a:ln>
+        </p:spPr>
+        <p:txBody>
+          <a:bodyPr anchorCtr="0" anchor="ctr" bIns="91425" lIns="91425" spcFirstLastPara="1" rIns="91425" wrap="square" tIns="91425">
+            <a:noAutofit/>
+          </a:bodyPr>
+          <a:lstStyle/>
+          <a:p>
+            <a:pPr indent="0" lvl="0" marL="0" rtl="0" algn="ctr">
+              <a:spcBef>
+                <a:spcPts val="0"/>
+              </a:spcBef>
+              <a:spcAft>
+                <a:spcPts val="0"/>
+              </a:spcAft>
+              <a:buNone/>
+            </a:pPr>
+            <a:r>
+              <a:rPr lang="en" sz="1300">
+                <a:solidFill>
+                  <a:schemeClr val="dk2"/>
+                </a:solidFill>
+                <a:latin typeface="Varela Round"/>
+                <a:ea typeface="Varela Round"/>
+                <a:cs typeface="Varela Round"/>
+                <a:sym typeface="Varela Round"/>
+              </a:rPr>
+              <a:t>cars-bucket</a:t>
+            </a:r>
+            <a:endParaRPr sz="1300">
+              <a:solidFill>
+                <a:schemeClr val="dk2"/>
+              </a:solidFill>
+              <a:latin typeface="Varela Round"/>
+              <a:ea typeface="Varela Round"/>
+              <a:cs typeface="Varela Round"/>
+              <a:sym typeface="Varela Round"/>
+            </a:endParaRPr>
+          </a:p>
+        </p:txBody>
+      </p:sp>
+    </p:spTree>
+  </p:cSld>
+  <p:clrMapOvr>
+    <a:masterClrMapping/>
+  </p:clrMapOvr>
+</p:sld>
+</file>
+
+<file path=ppt/slides/slide14.xml><?xml version="1.0" encoding="utf-8"?>
+<p:sld xmlns:a="http://schemas.openxmlformats.org/drawingml/2006/main" xmlns:r="http://schemas.openxmlformats.org/officeDocument/2006/relationships" xmlns:mc="http://schemas.openxmlformats.org/markup-compatibility/2006" xmlns:mv="urn:schemas-microsoft-com:mac:vml" xmlns:p="http://schemas.openxmlformats.org/presentationml/2006/main" xmlns:c="http://schemas.openxmlformats.org/drawingml/2006/chart" xmlns:dgm="http://schemas.openxmlformats.org/drawingml/2006/diagram" xmlns:o="urn:schemas-microsoft-com:office:office" xmlns:v="urn:schemas-microsoft-com:vml" xmlns:pvml="urn:schemas-microsoft-com:office:powerpoint" xmlns:com="http://schemas.openxmlformats.org/drawingml/2006/compatibility" xmlns:p14="http://schemas.microsoft.com/office/powerpoint/2010/main" xmlns:p15="http://schemas.microsoft.com/office/powerpoint/2012/main" xmlns:ahyp="http://schemas.microsoft.com/office/drawing/2018/hyperlinkcolor">
+  <p:cSld>
+    <p:spTree>
+      <p:nvGrpSpPr>
+        <p:cNvPr id="522" name="Shape 522"/>
+        <p:cNvGrpSpPr/>
+        <p:nvPr/>
+      </p:nvGrpSpPr>
+      <p:grpSpPr>
+        <a:xfrm>
+          <a:off x="0" y="0"/>
+          <a:ext cx="0" cy="0"/>
+          <a:chOff x="0" y="0"/>
+          <a:chExt cx="0" cy="0"/>
+        </a:xfrm>
+      </p:grpSpPr>
+      <p:sp>
+        <p:nvSpPr>
+          <p:cNvPr id="523" name="Google Shape;523;p44"/>
+          <p:cNvSpPr/>
+          <p:nvPr/>
+        </p:nvSpPr>
+        <p:spPr>
+          <a:xfrm rot="370644">
+            <a:off x="5625204" y="3962086"/>
+            <a:ext cx="1752491" cy="443487"/>
+          </a:xfrm>
+          <a:custGeom>
+            <a:rect b="b" l="l" r="r" t="t"/>
+            <a:pathLst>
+              <a:path extrusionOk="0" h="9708" w="48354">
+                <a:moveTo>
+                  <a:pt x="42117" y="1"/>
+                </a:moveTo>
+                <a:cubicBezTo>
+                  <a:pt x="40907" y="1"/>
+                  <a:pt x="39658" y="121"/>
+                  <a:pt x="38400" y="201"/>
+                </a:cubicBezTo>
+                <a:cubicBezTo>
+                  <a:pt x="34471" y="451"/>
+                  <a:pt x="30542" y="772"/>
+                  <a:pt x="26625" y="1165"/>
+                </a:cubicBezTo>
+                <a:cubicBezTo>
+                  <a:pt x="18517" y="1975"/>
+                  <a:pt x="10528" y="3153"/>
+                  <a:pt x="2562" y="4880"/>
+                </a:cubicBezTo>
+                <a:cubicBezTo>
+                  <a:pt x="0" y="5431"/>
+                  <a:pt x="409" y="9707"/>
+                  <a:pt x="2923" y="9707"/>
+                </a:cubicBezTo>
+                <a:cubicBezTo>
+                  <a:pt x="3014" y="9707"/>
+                  <a:pt x="3108" y="9702"/>
+                  <a:pt x="3205" y="9690"/>
+                </a:cubicBezTo>
+                <a:cubicBezTo>
+                  <a:pt x="11278" y="8702"/>
+                  <a:pt x="19374" y="7714"/>
+                  <a:pt x="27470" y="6987"/>
+                </a:cubicBezTo>
+                <a:cubicBezTo>
+                  <a:pt x="31387" y="6630"/>
+                  <a:pt x="35316" y="6356"/>
+                  <a:pt x="39246" y="6142"/>
+                </a:cubicBezTo>
+                <a:cubicBezTo>
+                  <a:pt x="42389" y="5975"/>
+                  <a:pt x="45496" y="6130"/>
+                  <a:pt x="47794" y="3773"/>
+                </a:cubicBezTo>
+                <a:cubicBezTo>
+                  <a:pt x="48294" y="3261"/>
+                  <a:pt x="48354" y="2332"/>
+                  <a:pt x="47794" y="1832"/>
+                </a:cubicBezTo>
+                <a:cubicBezTo>
+                  <a:pt x="46116" y="348"/>
+                  <a:pt x="44173" y="1"/>
+                  <a:pt x="42117" y="1"/>
+                </a:cubicBezTo>
+                <a:close/>
+              </a:path>
+            </a:pathLst>
+          </a:custGeom>
+          <a:solidFill>
+            <a:schemeClr val="accent3"/>
+          </a:solidFill>
+          <a:ln>
+            <a:noFill/>
+          </a:ln>
+        </p:spPr>
+        <p:txBody>
+          <a:bodyPr anchorCtr="0" anchor="ctr" bIns="91425" lIns="91425" spcFirstLastPara="1" rIns="91425" wrap="square" tIns="91425">
+            <a:noAutofit/>
+          </a:bodyPr>
+          <a:lstStyle/>
+          <a:p>
+            <a:pPr indent="0" lvl="0" marL="0" rtl="0" algn="l">
+              <a:spcBef>
+                <a:spcPts val="0"/>
+              </a:spcBef>
+              <a:spcAft>
+                <a:spcPts val="0"/>
+              </a:spcAft>
+              <a:buNone/>
+            </a:pPr>
+            <a:r>
+              <a:t/>
             </a:r>
             <a:endParaRPr/>
           </a:p>
@@ -39775,7 +41577,47 @@
       </p:sp>
       <p:sp>
         <p:nvSpPr>
-          <p:cNvPr id="497" name="Google Shape;497;p41"/>
+          <p:cNvPr id="524" name="Google Shape;524;p44"/>
+          <p:cNvSpPr txBox="1"/>
+          <p:nvPr>
+            <p:ph type="title"/>
+          </p:nvPr>
+        </p:nvSpPr>
+        <p:spPr>
+          <a:xfrm>
+            <a:off x="4572000" y="1904748"/>
+            <a:ext cx="3858900" cy="841500"/>
+          </a:xfrm>
+          <a:prstGeom prst="rect">
+            <a:avLst/>
+          </a:prstGeom>
+        </p:spPr>
+        <p:txBody>
+          <a:bodyPr anchorCtr="0" anchor="b" bIns="91425" lIns="91425" spcFirstLastPara="1" rIns="91425" wrap="square" tIns="91425">
+            <a:noAutofit/>
+          </a:bodyPr>
+          <a:lstStyle/>
+          <a:p>
+            <a:pPr indent="0" lvl="0" marL="0" rtl="0" algn="ctr">
+              <a:spcBef>
+                <a:spcPts val="0"/>
+              </a:spcBef>
+              <a:spcAft>
+                <a:spcPts val="0"/>
+              </a:spcAft>
+              <a:buNone/>
+            </a:pPr>
+            <a:r>
+              <a:rPr lang="en"/>
+              <a:t>SSM</a:t>
+            </a:r>
+            <a:endParaRPr/>
+          </a:p>
+        </p:txBody>
+      </p:sp>
+      <p:sp>
+        <p:nvSpPr>
+          <p:cNvPr id="525" name="Google Shape;525;p44"/>
           <p:cNvSpPr txBox="1"/>
           <p:nvPr>
             <p:ph idx="1" type="subTitle"/>
@@ -39783,8 +41625,8 @@
         </p:nvSpPr>
         <p:spPr>
           <a:xfrm>
-            <a:off x="713375" y="1380000"/>
-            <a:ext cx="7717500" cy="2711100"/>
+            <a:off x="4393875" y="2992350"/>
+            <a:ext cx="4128600" cy="793200"/>
           </a:xfrm>
           <a:prstGeom prst="rect">
             <a:avLst/>
@@ -39796,220 +41638,89 @@
           </a:bodyPr>
           <a:lstStyle/>
           <a:p>
-            <a:pPr indent="-330200" lvl="0" marL="457200" rtl="0" algn="l">
-              <a:spcBef>
-                <a:spcPts val="0"/>
-              </a:spcBef>
-              <a:spcAft>
-                <a:spcPts val="0"/>
-              </a:spcAft>
-              <a:buClr>
-                <a:schemeClr val="dk1"/>
-              </a:buClr>
-              <a:buSzPts val="1600"/>
-              <a:buChar char="●"/>
+            <a:pPr indent="0" lvl="0" marL="0" rtl="0" algn="ctr">
+              <a:spcBef>
+                <a:spcPts val="0"/>
+              </a:spcBef>
+              <a:spcAft>
+                <a:spcPts val="0"/>
+              </a:spcAft>
+              <a:buNone/>
             </a:pPr>
             <a:r>
-              <a:rPr lang="en" u="sng">
-                <a:solidFill>
-                  <a:schemeClr val="hlink"/>
-                </a:solidFill>
-                <a:hlinkClick r:id="rId3"/>
-              </a:rPr>
-              <a:t>IAM roles</a:t>
+              <a:rPr lang="en"/>
+              <a:t>Storing secrets in a safe place.</a:t>
             </a:r>
             <a:endParaRPr/>
-          </a:p>
-          <a:p>
-            <a:pPr indent="-330200" lvl="0" marL="457200" rtl="0" algn="l">
-              <a:spcBef>
-                <a:spcPts val="0"/>
-              </a:spcBef>
-              <a:spcAft>
-                <a:spcPts val="0"/>
-              </a:spcAft>
-              <a:buSzPts val="1600"/>
-              <a:buChar char="●"/>
-            </a:pPr>
-            <a:r>
-              <a:rPr lang="en" u="sng">
-                <a:solidFill>
-                  <a:schemeClr val="hlink"/>
-                </a:solidFill>
-                <a:hlinkClick r:id="rId4"/>
-              </a:rPr>
-              <a:t>S3 Select</a:t>
-            </a:r>
-            <a:endParaRPr>
-              <a:solidFill>
-                <a:schemeClr val="accent1"/>
-              </a:solidFill>
-            </a:endParaRPr>
-          </a:p>
-          <a:p>
-            <a:pPr indent="-330200" lvl="0" marL="457200" rtl="0" algn="l">
-              <a:spcBef>
-                <a:spcPts val="0"/>
-              </a:spcBef>
-              <a:spcAft>
-                <a:spcPts val="0"/>
-              </a:spcAft>
-              <a:buSzPts val="1600"/>
-              <a:buChar char="●"/>
-            </a:pPr>
-            <a:r>
-              <a:rPr lang="en" u="sng">
-                <a:solidFill>
-                  <a:schemeClr val="hlink"/>
-                </a:solidFill>
-                <a:hlinkClick r:id="rId5"/>
-              </a:rPr>
-              <a:t>Lambda execution context</a:t>
-            </a:r>
-            <a:endParaRPr>
-              <a:solidFill>
-                <a:schemeClr val="accent1"/>
-              </a:solidFill>
-            </a:endParaRPr>
-          </a:p>
-          <a:p>
-            <a:pPr indent="-330200" lvl="0" marL="457200" rtl="0" algn="l">
-              <a:spcBef>
-                <a:spcPts val="0"/>
-              </a:spcBef>
-              <a:spcAft>
-                <a:spcPts val="0"/>
-              </a:spcAft>
-              <a:buSzPts val="1600"/>
-              <a:buChar char="●"/>
-            </a:pPr>
-            <a:r>
-              <a:rPr lang="en" u="sng">
-                <a:solidFill>
-                  <a:schemeClr val="hlink"/>
-                </a:solidFill>
-                <a:hlinkClick r:id="rId6"/>
-              </a:rPr>
-              <a:t>API Gateway (REST)</a:t>
-            </a:r>
-            <a:endParaRPr/>
-          </a:p>
-          <a:p>
-            <a:pPr indent="-330200" lvl="0" marL="457200" rtl="0" algn="l">
-              <a:spcBef>
-                <a:spcPts val="0"/>
-              </a:spcBef>
-              <a:spcAft>
-                <a:spcPts val="0"/>
-              </a:spcAft>
-              <a:buSzPts val="1600"/>
-              <a:buChar char="●"/>
-            </a:pPr>
-            <a:r>
-              <a:rPr lang="en" u="sng">
-                <a:solidFill>
-                  <a:schemeClr val="hlink"/>
-                </a:solidFill>
-                <a:hlinkClick r:id="rId7"/>
-              </a:rPr>
-              <a:t>SSM Parameter Store</a:t>
-            </a:r>
-            <a:endParaRPr/>
-          </a:p>
-          <a:p>
-            <a:pPr indent="-330200" lvl="0" marL="457200" rtl="0" algn="l">
-              <a:spcBef>
-                <a:spcPts val="0"/>
-              </a:spcBef>
-              <a:spcAft>
-                <a:spcPts val="0"/>
-              </a:spcAft>
-              <a:buSzPts val="1600"/>
-              <a:buChar char="●"/>
-            </a:pPr>
-            <a:r>
-              <a:rPr lang="en" u="sng">
-                <a:solidFill>
-                  <a:schemeClr val="hlink"/>
-                </a:solidFill>
-                <a:hlinkClick r:id="rId8"/>
-              </a:rPr>
-              <a:t>Boto3</a:t>
-            </a:r>
-            <a:endParaRPr>
-              <a:solidFill>
-                <a:schemeClr val="accent1"/>
-              </a:solidFill>
-            </a:endParaRPr>
           </a:p>
         </p:txBody>
       </p:sp>
       <p:grpSp>
         <p:nvGrpSpPr>
-          <p:cNvPr id="498" name="Google Shape;498;p41"/>
+          <p:cNvPr id="526" name="Google Shape;526;p44"/>
           <p:cNvGrpSpPr/>
           <p:nvPr/>
         </p:nvGrpSpPr>
         <p:grpSpPr>
           <a:xfrm>
-            <a:off x="8046700" y="1375125"/>
-            <a:ext cx="465088" cy="406450"/>
-            <a:chOff x="8456375" y="862025"/>
-            <a:chExt cx="465088" cy="406450"/>
+            <a:off x="6254675" y="2811979"/>
+            <a:ext cx="493549" cy="180367"/>
+            <a:chOff x="6278725" y="2811979"/>
+            <a:chExt cx="493549" cy="180367"/>
           </a:xfrm>
         </p:grpSpPr>
         <p:sp>
           <p:nvSpPr>
-            <p:cNvPr id="499" name="Google Shape;499;p41"/>
+            <p:cNvPr id="527" name="Google Shape;527;p44"/>
             <p:cNvSpPr/>
             <p:nvPr/>
           </p:nvSpPr>
           <p:spPr>
             <a:xfrm>
-              <a:off x="8456375" y="862025"/>
-              <a:ext cx="261350" cy="275775"/>
+              <a:off x="6651359" y="2836786"/>
+              <a:ext cx="120916" cy="130750"/>
             </a:xfrm>
             <a:custGeom>
               <a:rect b="b" l="l" r="r" t="t"/>
               <a:pathLst>
-                <a:path extrusionOk="0" h="11031" w="10454">
+                <a:path extrusionOk="0" h="5230" w="4978">
                   <a:moveTo>
-                    <a:pt x="5522" y="0"/>
+                    <a:pt x="2640" y="1"/>
                   </a:moveTo>
                   <a:cubicBezTo>
-                    <a:pt x="3080" y="0"/>
-                    <a:pt x="644" y="2880"/>
-                    <a:pt x="119" y="5047"/>
-                  </a:cubicBezTo>
-                  <a:cubicBezTo>
-                    <a:pt x="12" y="5428"/>
-                    <a:pt x="0" y="5809"/>
-                    <a:pt x="24" y="6178"/>
-                  </a:cubicBezTo>
-                  <a:cubicBezTo>
-                    <a:pt x="179" y="7797"/>
-                    <a:pt x="1453" y="9261"/>
-                    <a:pt x="2691" y="10250"/>
-                  </a:cubicBezTo>
-                  <a:cubicBezTo>
-                    <a:pt x="3360" y="10794"/>
-                    <a:pt x="4111" y="11030"/>
-                    <a:pt x="4864" y="11030"/>
-                  </a:cubicBezTo>
-                  <a:cubicBezTo>
-                    <a:pt x="6481" y="11030"/>
-                    <a:pt x="8105" y="9942"/>
-                    <a:pt x="8942" y="8488"/>
-                  </a:cubicBezTo>
-                  <a:cubicBezTo>
-                    <a:pt x="10454" y="5832"/>
-                    <a:pt x="9608" y="832"/>
-                    <a:pt x="6167" y="70"/>
-                  </a:cubicBezTo>
-                  <a:cubicBezTo>
-                    <a:pt x="5953" y="23"/>
-                    <a:pt x="5738" y="0"/>
-                    <a:pt x="5522" y="0"/>
+                    <a:pt x="1482" y="1"/>
+                    <a:pt x="324" y="1373"/>
+                    <a:pt x="72" y="2402"/>
+                  </a:cubicBezTo>
+                  <a:cubicBezTo>
+                    <a:pt x="24" y="2581"/>
+                    <a:pt x="0" y="2759"/>
+                    <a:pt x="24" y="2938"/>
+                  </a:cubicBezTo>
+                  <a:cubicBezTo>
+                    <a:pt x="96" y="3712"/>
+                    <a:pt x="703" y="4403"/>
+                    <a:pt x="1286" y="4855"/>
+                  </a:cubicBezTo>
+                  <a:cubicBezTo>
+                    <a:pt x="1605" y="5117"/>
+                    <a:pt x="1962" y="5230"/>
+                    <a:pt x="2319" y="5230"/>
+                  </a:cubicBezTo>
+                  <a:cubicBezTo>
+                    <a:pt x="3085" y="5230"/>
+                    <a:pt x="3853" y="4711"/>
+                    <a:pt x="4251" y="4022"/>
+                  </a:cubicBezTo>
+                  <a:cubicBezTo>
+                    <a:pt x="4977" y="2771"/>
+                    <a:pt x="4572" y="390"/>
+                    <a:pt x="2941" y="33"/>
+                  </a:cubicBezTo>
+                  <a:cubicBezTo>
+                    <a:pt x="2841" y="11"/>
+                    <a:pt x="2740" y="1"/>
+                    <a:pt x="2640" y="1"/>
                   </a:cubicBezTo>
                   <a:close/>
                 </a:path>
@@ -40046,56 +41757,787 @@
         </p:sp>
         <p:sp>
           <p:nvSpPr>
-            <p:cNvPr id="500" name="Google Shape;500;p41"/>
+            <p:cNvPr id="528" name="Google Shape;528;p44"/>
+            <p:cNvSpPr/>
+            <p:nvPr/>
+          </p:nvSpPr>
+          <p:spPr>
+            <a:xfrm rot="7008906">
+              <a:off x="6477096" y="2838243"/>
+              <a:ext cx="123702" cy="127831"/>
+            </a:xfrm>
+            <a:custGeom>
+              <a:rect b="b" l="l" r="r" t="t"/>
+              <a:pathLst>
+                <a:path extrusionOk="0" h="5230" w="4978">
+                  <a:moveTo>
+                    <a:pt x="2640" y="1"/>
+                  </a:moveTo>
+                  <a:cubicBezTo>
+                    <a:pt x="1482" y="1"/>
+                    <a:pt x="324" y="1373"/>
+                    <a:pt x="72" y="2402"/>
+                  </a:cubicBezTo>
+                  <a:cubicBezTo>
+                    <a:pt x="24" y="2581"/>
+                    <a:pt x="0" y="2759"/>
+                    <a:pt x="24" y="2938"/>
+                  </a:cubicBezTo>
+                  <a:cubicBezTo>
+                    <a:pt x="96" y="3712"/>
+                    <a:pt x="703" y="4403"/>
+                    <a:pt x="1286" y="4855"/>
+                  </a:cubicBezTo>
+                  <a:cubicBezTo>
+                    <a:pt x="1605" y="5117"/>
+                    <a:pt x="1962" y="5230"/>
+                    <a:pt x="2319" y="5230"/>
+                  </a:cubicBezTo>
+                  <a:cubicBezTo>
+                    <a:pt x="3085" y="5230"/>
+                    <a:pt x="3853" y="4711"/>
+                    <a:pt x="4251" y="4022"/>
+                  </a:cubicBezTo>
+                  <a:cubicBezTo>
+                    <a:pt x="4977" y="2771"/>
+                    <a:pt x="4572" y="390"/>
+                    <a:pt x="2941" y="33"/>
+                  </a:cubicBezTo>
+                  <a:cubicBezTo>
+                    <a:pt x="2841" y="11"/>
+                    <a:pt x="2740" y="1"/>
+                    <a:pt x="2640" y="1"/>
+                  </a:cubicBezTo>
+                  <a:close/>
+                </a:path>
+              </a:pathLst>
+            </a:custGeom>
+            <a:solidFill>
+              <a:srgbClr val="FEE8DD"/>
+            </a:solidFill>
+            <a:ln>
+              <a:noFill/>
+            </a:ln>
+          </p:spPr>
+          <p:txBody>
+            <a:bodyPr anchorCtr="0" anchor="ctr" bIns="91425" lIns="91425" spcFirstLastPara="1" rIns="91425" wrap="square" tIns="91425">
+              <a:noAutofit/>
+            </a:bodyPr>
+            <a:lstStyle/>
+            <a:p>
+              <a:pPr indent="0" lvl="0" marL="0" rtl="0" algn="l">
+                <a:spcBef>
+                  <a:spcPts val="0"/>
+                </a:spcBef>
+                <a:spcAft>
+                  <a:spcPts val="0"/>
+                </a:spcAft>
+                <a:buNone/>
+              </a:pPr>
+              <a:r>
+                <a:t/>
+              </a:r>
+              <a:endParaRPr/>
+            </a:p>
+          </p:txBody>
+        </p:sp>
+        <p:sp>
+          <p:nvSpPr>
+            <p:cNvPr id="529" name="Google Shape;529;p44"/>
+            <p:cNvSpPr/>
+            <p:nvPr/>
+          </p:nvSpPr>
+          <p:spPr>
+            <a:xfrm rot="-2528996">
+              <a:off x="6304834" y="2837593"/>
+              <a:ext cx="122471" cy="129138"/>
+            </a:xfrm>
+            <a:custGeom>
+              <a:rect b="b" l="l" r="r" t="t"/>
+              <a:pathLst>
+                <a:path extrusionOk="0" h="5230" w="4978">
+                  <a:moveTo>
+                    <a:pt x="2640" y="1"/>
+                  </a:moveTo>
+                  <a:cubicBezTo>
+                    <a:pt x="1482" y="1"/>
+                    <a:pt x="324" y="1373"/>
+                    <a:pt x="72" y="2402"/>
+                  </a:cubicBezTo>
+                  <a:cubicBezTo>
+                    <a:pt x="24" y="2581"/>
+                    <a:pt x="0" y="2759"/>
+                    <a:pt x="24" y="2938"/>
+                  </a:cubicBezTo>
+                  <a:cubicBezTo>
+                    <a:pt x="96" y="3712"/>
+                    <a:pt x="703" y="4403"/>
+                    <a:pt x="1286" y="4855"/>
+                  </a:cubicBezTo>
+                  <a:cubicBezTo>
+                    <a:pt x="1605" y="5117"/>
+                    <a:pt x="1962" y="5230"/>
+                    <a:pt x="2319" y="5230"/>
+                  </a:cubicBezTo>
+                  <a:cubicBezTo>
+                    <a:pt x="3085" y="5230"/>
+                    <a:pt x="3853" y="4711"/>
+                    <a:pt x="4251" y="4022"/>
+                  </a:cubicBezTo>
+                  <a:cubicBezTo>
+                    <a:pt x="4977" y="2771"/>
+                    <a:pt x="4572" y="390"/>
+                    <a:pt x="2941" y="33"/>
+                  </a:cubicBezTo>
+                  <a:cubicBezTo>
+                    <a:pt x="2841" y="11"/>
+                    <a:pt x="2740" y="1"/>
+                    <a:pt x="2640" y="1"/>
+                  </a:cubicBezTo>
+                  <a:close/>
+                </a:path>
+              </a:pathLst>
+            </a:custGeom>
+            <a:solidFill>
+              <a:srgbClr val="FEE8DD"/>
+            </a:solidFill>
+            <a:ln>
+              <a:noFill/>
+            </a:ln>
+          </p:spPr>
+          <p:txBody>
+            <a:bodyPr anchorCtr="0" anchor="ctr" bIns="91425" lIns="91425" spcFirstLastPara="1" rIns="91425" wrap="square" tIns="91425">
+              <a:noAutofit/>
+            </a:bodyPr>
+            <a:lstStyle/>
+            <a:p>
+              <a:pPr indent="0" lvl="0" marL="0" rtl="0" algn="l">
+                <a:spcBef>
+                  <a:spcPts val="0"/>
+                </a:spcBef>
+                <a:spcAft>
+                  <a:spcPts val="0"/>
+                </a:spcAft>
+                <a:buNone/>
+              </a:pPr>
+              <a:r>
+                <a:t/>
+              </a:r>
+              <a:endParaRPr/>
+            </a:p>
+          </p:txBody>
+        </p:sp>
+      </p:grpSp>
+    </p:spTree>
+  </p:cSld>
+  <p:clrMapOvr>
+    <a:masterClrMapping/>
+  </p:clrMapOvr>
+</p:sld>
+</file>
+
+<file path=ppt/slides/slide15.xml><?xml version="1.0" encoding="utf-8"?>
+<p:sld xmlns:a="http://schemas.openxmlformats.org/drawingml/2006/main" xmlns:r="http://schemas.openxmlformats.org/officeDocument/2006/relationships" xmlns:mc="http://schemas.openxmlformats.org/markup-compatibility/2006" xmlns:mv="urn:schemas-microsoft-com:mac:vml" xmlns:p="http://schemas.openxmlformats.org/presentationml/2006/main" xmlns:c="http://schemas.openxmlformats.org/drawingml/2006/chart" xmlns:dgm="http://schemas.openxmlformats.org/drawingml/2006/diagram" xmlns:o="urn:schemas-microsoft-com:office:office" xmlns:v="urn:schemas-microsoft-com:vml" xmlns:pvml="urn:schemas-microsoft-com:office:powerpoint" xmlns:com="http://schemas.openxmlformats.org/drawingml/2006/compatibility" xmlns:p14="http://schemas.microsoft.com/office/powerpoint/2010/main" xmlns:p15="http://schemas.microsoft.com/office/powerpoint/2012/main" xmlns:ahyp="http://schemas.microsoft.com/office/drawing/2018/hyperlinkcolor">
+  <p:cSld>
+    <p:spTree>
+      <p:nvGrpSpPr>
+        <p:cNvPr id="533" name="Shape 533"/>
+        <p:cNvGrpSpPr/>
+        <p:nvPr/>
+      </p:nvGrpSpPr>
+      <p:grpSpPr>
+        <a:xfrm>
+          <a:off x="0" y="0"/>
+          <a:ext cx="0" cy="0"/>
+          <a:chOff x="0" y="0"/>
+          <a:chExt cx="0" cy="0"/>
+        </a:xfrm>
+      </p:grpSpPr>
+      <p:sp>
+        <p:nvSpPr>
+          <p:cNvPr id="534" name="Google Shape;534;p45"/>
+          <p:cNvSpPr txBox="1"/>
+          <p:nvPr>
+            <p:ph type="title"/>
+          </p:nvPr>
+        </p:nvSpPr>
+        <p:spPr>
+          <a:xfrm>
+            <a:off x="713250" y="372983"/>
+            <a:ext cx="7717500" cy="572700"/>
+          </a:xfrm>
+          <a:prstGeom prst="rect">
+            <a:avLst/>
+          </a:prstGeom>
+        </p:spPr>
+        <p:txBody>
+          <a:bodyPr anchorCtr="0" anchor="t" bIns="91425" lIns="91425" spcFirstLastPara="1" rIns="91425" wrap="square" tIns="91425">
+            <a:noAutofit/>
+          </a:bodyPr>
+          <a:lstStyle/>
+          <a:p>
+            <a:pPr indent="0" lvl="0" marL="0" rtl="0" algn="ctr">
+              <a:spcBef>
+                <a:spcPts val="0"/>
+              </a:spcBef>
+              <a:spcAft>
+                <a:spcPts val="0"/>
+              </a:spcAft>
+              <a:buNone/>
+            </a:pPr>
+            <a:r>
+              <a:rPr lang="en"/>
+              <a:t>Flow</a:t>
+            </a:r>
+            <a:endParaRPr b="0"/>
+          </a:p>
+        </p:txBody>
+      </p:sp>
+      <p:pic>
+        <p:nvPicPr>
+          <p:cNvPr id="535" name="Google Shape;535;p45"/>
+          <p:cNvPicPr preferRelativeResize="0"/>
+          <p:nvPr/>
+        </p:nvPicPr>
+        <p:blipFill>
+          <a:blip r:embed="rId3">
+            <a:alphaModFix/>
+          </a:blip>
+          <a:stretch>
+            <a:fillRect/>
+          </a:stretch>
+        </p:blipFill>
+        <p:spPr>
+          <a:xfrm>
+            <a:off x="568138" y="1098083"/>
+            <a:ext cx="8007723" cy="3893018"/>
+          </a:xfrm>
+          <a:prstGeom prst="rect">
+            <a:avLst/>
+          </a:prstGeom>
+          <a:noFill/>
+          <a:ln>
+            <a:noFill/>
+          </a:ln>
+        </p:spPr>
+      </p:pic>
+      <p:sp>
+        <p:nvSpPr>
+          <p:cNvPr id="536" name="Google Shape;536;p45"/>
+          <p:cNvSpPr txBox="1"/>
+          <p:nvPr/>
+        </p:nvSpPr>
+        <p:spPr>
+          <a:xfrm>
+            <a:off x="2179625" y="3978700"/>
+            <a:ext cx="761100" cy="300000"/>
+          </a:xfrm>
+          <a:prstGeom prst="rect">
+            <a:avLst/>
+          </a:prstGeom>
+          <a:noFill/>
+          <a:ln>
+            <a:noFill/>
+          </a:ln>
+        </p:spPr>
+        <p:txBody>
+          <a:bodyPr anchorCtr="0" anchor="ctr" bIns="91425" lIns="91425" spcFirstLastPara="1" rIns="91425" wrap="square" tIns="91425">
+            <a:noAutofit/>
+          </a:bodyPr>
+          <a:lstStyle/>
+          <a:p>
+            <a:pPr indent="0" lvl="0" marL="0" rtl="0" algn="ctr">
+              <a:spcBef>
+                <a:spcPts val="0"/>
+              </a:spcBef>
+              <a:spcAft>
+                <a:spcPts val="0"/>
+              </a:spcAft>
+              <a:buNone/>
+            </a:pPr>
+            <a:r>
+              <a:rPr lang="en" sz="1300">
+                <a:solidFill>
+                  <a:schemeClr val="dk2"/>
+                </a:solidFill>
+                <a:latin typeface="Varela Round"/>
+                <a:ea typeface="Varela Round"/>
+                <a:cs typeface="Varela Round"/>
+                <a:sym typeface="Varela Round"/>
+              </a:rPr>
+              <a:t>/cars</a:t>
+            </a:r>
+            <a:endParaRPr sz="1300">
+              <a:solidFill>
+                <a:schemeClr val="dk2"/>
+              </a:solidFill>
+              <a:latin typeface="Varela Round"/>
+              <a:ea typeface="Varela Round"/>
+              <a:cs typeface="Varela Round"/>
+              <a:sym typeface="Varela Round"/>
+            </a:endParaRPr>
+          </a:p>
+        </p:txBody>
+      </p:sp>
+      <p:sp>
+        <p:nvSpPr>
+          <p:cNvPr id="537" name="Google Shape;537;p45"/>
+          <p:cNvSpPr txBox="1"/>
+          <p:nvPr/>
+        </p:nvSpPr>
+        <p:spPr>
+          <a:xfrm>
+            <a:off x="4880725" y="4061875"/>
+            <a:ext cx="761100" cy="300000"/>
+          </a:xfrm>
+          <a:prstGeom prst="rect">
+            <a:avLst/>
+          </a:prstGeom>
+          <a:noFill/>
+          <a:ln>
+            <a:noFill/>
+          </a:ln>
+        </p:spPr>
+        <p:txBody>
+          <a:bodyPr anchorCtr="0" anchor="ctr" bIns="91425" lIns="91425" spcFirstLastPara="1" rIns="91425" wrap="square" tIns="91425">
+            <a:noAutofit/>
+          </a:bodyPr>
+          <a:lstStyle/>
+          <a:p>
+            <a:pPr indent="0" lvl="0" marL="0" rtl="0" algn="ctr">
+              <a:spcBef>
+                <a:spcPts val="0"/>
+              </a:spcBef>
+              <a:spcAft>
+                <a:spcPts val="0"/>
+              </a:spcAft>
+              <a:buNone/>
+            </a:pPr>
+            <a:r>
+              <a:rPr lang="en" sz="1300">
+                <a:solidFill>
+                  <a:schemeClr val="dk2"/>
+                </a:solidFill>
+                <a:latin typeface="Varela Round"/>
+                <a:ea typeface="Varela Round"/>
+                <a:cs typeface="Varela Round"/>
+                <a:sym typeface="Varela Round"/>
+              </a:rPr>
+              <a:t>listCars</a:t>
+            </a:r>
+            <a:endParaRPr sz="1300">
+              <a:solidFill>
+                <a:schemeClr val="dk2"/>
+              </a:solidFill>
+              <a:latin typeface="Varela Round"/>
+              <a:ea typeface="Varela Round"/>
+              <a:cs typeface="Varela Round"/>
+              <a:sym typeface="Varela Round"/>
+            </a:endParaRPr>
+          </a:p>
+        </p:txBody>
+      </p:sp>
+      <p:sp>
+        <p:nvSpPr>
+          <p:cNvPr id="538" name="Google Shape;538;p45"/>
+          <p:cNvSpPr txBox="1"/>
+          <p:nvPr/>
+        </p:nvSpPr>
+        <p:spPr>
+          <a:xfrm>
+            <a:off x="5431850" y="2645875"/>
+            <a:ext cx="1257000" cy="300000"/>
+          </a:xfrm>
+          <a:prstGeom prst="rect">
+            <a:avLst/>
+          </a:prstGeom>
+          <a:noFill/>
+          <a:ln>
+            <a:noFill/>
+          </a:ln>
+        </p:spPr>
+        <p:txBody>
+          <a:bodyPr anchorCtr="0" anchor="ctr" bIns="91425" lIns="91425" spcFirstLastPara="1" rIns="91425" wrap="square" tIns="91425">
+            <a:noAutofit/>
+          </a:bodyPr>
+          <a:lstStyle/>
+          <a:p>
+            <a:pPr indent="0" lvl="0" marL="0" rtl="0" algn="ctr">
+              <a:spcBef>
+                <a:spcPts val="0"/>
+              </a:spcBef>
+              <a:spcAft>
+                <a:spcPts val="0"/>
+              </a:spcAft>
+              <a:buNone/>
+            </a:pPr>
+            <a:r>
+              <a:rPr lang="en" sz="1300">
+                <a:solidFill>
+                  <a:schemeClr val="dk2"/>
+                </a:solidFill>
+                <a:latin typeface="Varela Round"/>
+                <a:ea typeface="Varela Round"/>
+                <a:cs typeface="Varela Round"/>
+                <a:sym typeface="Varela Round"/>
+              </a:rPr>
+              <a:t>cars-bucket</a:t>
+            </a:r>
+            <a:endParaRPr sz="1300">
+              <a:solidFill>
+                <a:schemeClr val="dk2"/>
+              </a:solidFill>
+              <a:latin typeface="Varela Round"/>
+              <a:ea typeface="Varela Round"/>
+              <a:cs typeface="Varela Round"/>
+              <a:sym typeface="Varela Round"/>
+            </a:endParaRPr>
+          </a:p>
+        </p:txBody>
+      </p:sp>
+    </p:spTree>
+  </p:cSld>
+  <p:clrMapOvr>
+    <a:masterClrMapping/>
+  </p:clrMapOvr>
+</p:sld>
+</file>
+
+<file path=ppt/slides/slide16.xml><?xml version="1.0" encoding="utf-8"?>
+<p:sld xmlns:a="http://schemas.openxmlformats.org/drawingml/2006/main" xmlns:r="http://schemas.openxmlformats.org/officeDocument/2006/relationships" xmlns:mc="http://schemas.openxmlformats.org/markup-compatibility/2006" xmlns:mv="urn:schemas-microsoft-com:mac:vml" xmlns:p="http://schemas.openxmlformats.org/presentationml/2006/main" xmlns:c="http://schemas.openxmlformats.org/drawingml/2006/chart" xmlns:dgm="http://schemas.openxmlformats.org/drawingml/2006/diagram" xmlns:o="urn:schemas-microsoft-com:office:office" xmlns:v="urn:schemas-microsoft-com:vml" xmlns:pvml="urn:schemas-microsoft-com:office:powerpoint" xmlns:com="http://schemas.openxmlformats.org/drawingml/2006/compatibility" xmlns:p14="http://schemas.microsoft.com/office/powerpoint/2010/main" xmlns:p15="http://schemas.microsoft.com/office/powerpoint/2012/main" xmlns:ahyp="http://schemas.microsoft.com/office/drawing/2018/hyperlinkcolor">
+  <p:cSld>
+    <p:spTree>
+      <p:nvGrpSpPr>
+        <p:cNvPr id="542" name="Shape 542"/>
+        <p:cNvGrpSpPr/>
+        <p:nvPr/>
+      </p:nvGrpSpPr>
+      <p:grpSpPr>
+        <a:xfrm>
+          <a:off x="0" y="0"/>
+          <a:ext cx="0" cy="0"/>
+          <a:chOff x="0" y="0"/>
+          <a:chExt cx="0" cy="0"/>
+        </a:xfrm>
+      </p:grpSpPr>
+      <p:sp>
+        <p:nvSpPr>
+          <p:cNvPr id="543" name="Google Shape;543;p46"/>
+          <p:cNvSpPr txBox="1"/>
+          <p:nvPr>
+            <p:ph type="title"/>
+          </p:nvPr>
+        </p:nvSpPr>
+        <p:spPr>
+          <a:xfrm>
+            <a:off x="196050" y="1902675"/>
+            <a:ext cx="4901100" cy="841500"/>
+          </a:xfrm>
+          <a:prstGeom prst="rect">
+            <a:avLst/>
+          </a:prstGeom>
+        </p:spPr>
+        <p:txBody>
+          <a:bodyPr anchorCtr="0" anchor="b" bIns="91425" lIns="91425" spcFirstLastPara="1" rIns="91425" wrap="square" tIns="91425">
+            <a:noAutofit/>
+          </a:bodyPr>
+          <a:lstStyle/>
+          <a:p>
+            <a:pPr indent="0" lvl="0" marL="0" rtl="0" algn="ctr">
+              <a:spcBef>
+                <a:spcPts val="0"/>
+              </a:spcBef>
+              <a:spcAft>
+                <a:spcPts val="0"/>
+              </a:spcAft>
+              <a:buNone/>
+            </a:pPr>
+            <a:r>
+              <a:rPr lang="en"/>
+              <a:t>API → Lambda → S3</a:t>
+            </a:r>
+            <a:endParaRPr/>
+          </a:p>
+        </p:txBody>
+      </p:sp>
+      <p:sp>
+        <p:nvSpPr>
+          <p:cNvPr id="544" name="Google Shape;544;p46"/>
+          <p:cNvSpPr txBox="1"/>
+          <p:nvPr>
+            <p:ph idx="1" type="subTitle"/>
+          </p:nvPr>
+        </p:nvSpPr>
+        <p:spPr>
+          <a:xfrm>
+            <a:off x="713225" y="3097095"/>
+            <a:ext cx="3858900" cy="795600"/>
+          </a:xfrm>
+          <a:prstGeom prst="rect">
+            <a:avLst/>
+          </a:prstGeom>
+        </p:spPr>
+        <p:txBody>
+          <a:bodyPr anchorCtr="0" anchor="ctr" bIns="91425" lIns="91425" spcFirstLastPara="1" rIns="91425" wrap="square" tIns="91425">
+            <a:noAutofit/>
+          </a:bodyPr>
+          <a:lstStyle/>
+          <a:p>
+            <a:pPr indent="0" lvl="0" marL="0" rtl="0" algn="ctr">
+              <a:spcBef>
+                <a:spcPts val="0"/>
+              </a:spcBef>
+              <a:spcAft>
+                <a:spcPts val="0"/>
+              </a:spcAft>
+              <a:buNone/>
+            </a:pPr>
+            <a:r>
+              <a:rPr lang="en"/>
+              <a:t>Filtering data based on a query parameter.</a:t>
+            </a:r>
+            <a:endParaRPr/>
+          </a:p>
+        </p:txBody>
+      </p:sp>
+      <p:grpSp>
+        <p:nvGrpSpPr>
+          <p:cNvPr id="545" name="Google Shape;545;p46"/>
+          <p:cNvGrpSpPr/>
+          <p:nvPr/>
+        </p:nvGrpSpPr>
+        <p:grpSpPr>
+          <a:xfrm>
+            <a:off x="2375788" y="2807180"/>
+            <a:ext cx="507974" cy="180367"/>
+            <a:chOff x="2544928" y="2715332"/>
+            <a:chExt cx="507974" cy="180367"/>
+          </a:xfrm>
+        </p:grpSpPr>
+        <p:sp>
+          <p:nvSpPr>
+            <p:cNvPr id="546" name="Google Shape;546;p46"/>
             <p:cNvSpPr/>
             <p:nvPr/>
           </p:nvSpPr>
           <p:spPr>
             <a:xfrm>
-              <a:off x="8797038" y="1137800"/>
-              <a:ext cx="124425" cy="130675"/>
+              <a:off x="2928452" y="2740141"/>
+              <a:ext cx="124450" cy="130750"/>
             </a:xfrm>
             <a:custGeom>
               <a:rect b="b" l="l" r="r" t="t"/>
               <a:pathLst>
-                <a:path extrusionOk="0" h="5227" w="4977">
+                <a:path extrusionOk="0" h="5230" w="4978">
                   <a:moveTo>
-                    <a:pt x="2637" y="0"/>
+                    <a:pt x="2640" y="1"/>
                   </a:moveTo>
                   <a:cubicBezTo>
-                    <a:pt x="1479" y="0"/>
-                    <a:pt x="323" y="1367"/>
-                    <a:pt x="60" y="2400"/>
-                  </a:cubicBezTo>
-                  <a:cubicBezTo>
-                    <a:pt x="12" y="2578"/>
-                    <a:pt x="0" y="2757"/>
-                    <a:pt x="12" y="2935"/>
-                  </a:cubicBezTo>
-                  <a:cubicBezTo>
-                    <a:pt x="95" y="3709"/>
-                    <a:pt x="703" y="4412"/>
-                    <a:pt x="1286" y="4852"/>
-                  </a:cubicBezTo>
-                  <a:cubicBezTo>
-                    <a:pt x="1601" y="5114"/>
-                    <a:pt x="1956" y="5227"/>
-                    <a:pt x="2313" y="5227"/>
-                  </a:cubicBezTo>
-                  <a:cubicBezTo>
-                    <a:pt x="3078" y="5227"/>
-                    <a:pt x="3849" y="4709"/>
-                    <a:pt x="4239" y="4019"/>
-                  </a:cubicBezTo>
-                  <a:cubicBezTo>
-                    <a:pt x="4977" y="2769"/>
-                    <a:pt x="4572" y="387"/>
-                    <a:pt x="2929" y="30"/>
-                  </a:cubicBezTo>
-                  <a:cubicBezTo>
-                    <a:pt x="2832" y="10"/>
-                    <a:pt x="2735" y="0"/>
-                    <a:pt x="2637" y="0"/>
+                    <a:pt x="1482" y="1"/>
+                    <a:pt x="324" y="1373"/>
+                    <a:pt x="72" y="2402"/>
+                  </a:cubicBezTo>
+                  <a:cubicBezTo>
+                    <a:pt x="24" y="2581"/>
+                    <a:pt x="0" y="2759"/>
+                    <a:pt x="24" y="2938"/>
+                  </a:cubicBezTo>
+                  <a:cubicBezTo>
+                    <a:pt x="96" y="3712"/>
+                    <a:pt x="703" y="4403"/>
+                    <a:pt x="1286" y="4855"/>
+                  </a:cubicBezTo>
+                  <a:cubicBezTo>
+                    <a:pt x="1605" y="5117"/>
+                    <a:pt x="1962" y="5230"/>
+                    <a:pt x="2319" y="5230"/>
+                  </a:cubicBezTo>
+                  <a:cubicBezTo>
+                    <a:pt x="3085" y="5230"/>
+                    <a:pt x="3853" y="4711"/>
+                    <a:pt x="4251" y="4022"/>
+                  </a:cubicBezTo>
+                  <a:cubicBezTo>
+                    <a:pt x="4977" y="2771"/>
+                    <a:pt x="4572" y="390"/>
+                    <a:pt x="2941" y="33"/>
+                  </a:cubicBezTo>
+                  <a:cubicBezTo>
+                    <a:pt x="2841" y="11"/>
+                    <a:pt x="2740" y="1"/>
+                    <a:pt x="2640" y="1"/>
+                  </a:cubicBezTo>
+                  <a:close/>
+                </a:path>
+              </a:pathLst>
+            </a:custGeom>
+            <a:solidFill>
+              <a:srgbClr val="FEE8DD"/>
+            </a:solidFill>
+            <a:ln>
+              <a:noFill/>
+            </a:ln>
+          </p:spPr>
+          <p:txBody>
+            <a:bodyPr anchorCtr="0" anchor="ctr" bIns="91425" lIns="91425" spcFirstLastPara="1" rIns="91425" wrap="square" tIns="91425">
+              <a:noAutofit/>
+            </a:bodyPr>
+            <a:lstStyle/>
+            <a:p>
+              <a:pPr indent="0" lvl="0" marL="0" rtl="0" algn="l">
+                <a:spcBef>
+                  <a:spcPts val="0"/>
+                </a:spcBef>
+                <a:spcAft>
+                  <a:spcPts val="0"/>
+                </a:spcAft>
+                <a:buNone/>
+              </a:pPr>
+              <a:r>
+                <a:t/>
+              </a:r>
+              <a:endParaRPr/>
+            </a:p>
+          </p:txBody>
+        </p:sp>
+        <p:sp>
+          <p:nvSpPr>
+            <p:cNvPr id="547" name="Google Shape;547;p46"/>
+            <p:cNvSpPr/>
+            <p:nvPr/>
+          </p:nvSpPr>
+          <p:spPr>
+            <a:xfrm rot="7049100">
+              <a:off x="2750532" y="2740139"/>
+              <a:ext cx="124446" cy="130745"/>
+            </a:xfrm>
+            <a:custGeom>
+              <a:rect b="b" l="l" r="r" t="t"/>
+              <a:pathLst>
+                <a:path extrusionOk="0" h="5230" w="4978">
+                  <a:moveTo>
+                    <a:pt x="2640" y="1"/>
+                  </a:moveTo>
+                  <a:cubicBezTo>
+                    <a:pt x="1482" y="1"/>
+                    <a:pt x="324" y="1373"/>
+                    <a:pt x="72" y="2402"/>
+                  </a:cubicBezTo>
+                  <a:cubicBezTo>
+                    <a:pt x="24" y="2581"/>
+                    <a:pt x="0" y="2759"/>
+                    <a:pt x="24" y="2938"/>
+                  </a:cubicBezTo>
+                  <a:cubicBezTo>
+                    <a:pt x="96" y="3712"/>
+                    <a:pt x="703" y="4403"/>
+                    <a:pt x="1286" y="4855"/>
+                  </a:cubicBezTo>
+                  <a:cubicBezTo>
+                    <a:pt x="1605" y="5117"/>
+                    <a:pt x="1962" y="5230"/>
+                    <a:pt x="2319" y="5230"/>
+                  </a:cubicBezTo>
+                  <a:cubicBezTo>
+                    <a:pt x="3085" y="5230"/>
+                    <a:pt x="3853" y="4711"/>
+                    <a:pt x="4251" y="4022"/>
+                  </a:cubicBezTo>
+                  <a:cubicBezTo>
+                    <a:pt x="4977" y="2771"/>
+                    <a:pt x="4572" y="390"/>
+                    <a:pt x="2941" y="33"/>
+                  </a:cubicBezTo>
+                  <a:cubicBezTo>
+                    <a:pt x="2841" y="11"/>
+                    <a:pt x="2740" y="1"/>
+                    <a:pt x="2640" y="1"/>
+                  </a:cubicBezTo>
+                  <a:close/>
+                </a:path>
+              </a:pathLst>
+            </a:custGeom>
+            <a:solidFill>
+              <a:srgbClr val="FEE8DD"/>
+            </a:solidFill>
+            <a:ln>
+              <a:noFill/>
+            </a:ln>
+          </p:spPr>
+          <p:txBody>
+            <a:bodyPr anchorCtr="0" anchor="ctr" bIns="91425" lIns="91425" spcFirstLastPara="1" rIns="91425" wrap="square" tIns="91425">
+              <a:noAutofit/>
+            </a:bodyPr>
+            <a:lstStyle/>
+            <a:p>
+              <a:pPr indent="0" lvl="0" marL="0" rtl="0" algn="l">
+                <a:spcBef>
+                  <a:spcPts val="0"/>
+                </a:spcBef>
+                <a:spcAft>
+                  <a:spcPts val="0"/>
+                </a:spcAft>
+                <a:buNone/>
+              </a:pPr>
+              <a:r>
+                <a:t/>
+              </a:r>
+              <a:endParaRPr/>
+            </a:p>
+          </p:txBody>
+        </p:sp>
+        <p:sp>
+          <p:nvSpPr>
+            <p:cNvPr id="548" name="Google Shape;548;p46"/>
+            <p:cNvSpPr/>
+            <p:nvPr/>
+          </p:nvSpPr>
+          <p:spPr>
+            <a:xfrm rot="-2479855">
+              <a:off x="2572602" y="2740141"/>
+              <a:ext cx="124449" cy="130749"/>
+            </a:xfrm>
+            <a:custGeom>
+              <a:rect b="b" l="l" r="r" t="t"/>
+              <a:pathLst>
+                <a:path extrusionOk="0" h="5230" w="4978">
+                  <a:moveTo>
+                    <a:pt x="2640" y="1"/>
+                  </a:moveTo>
+                  <a:cubicBezTo>
+                    <a:pt x="1482" y="1"/>
+                    <a:pt x="324" y="1373"/>
+                    <a:pt x="72" y="2402"/>
+                  </a:cubicBezTo>
+                  <a:cubicBezTo>
+                    <a:pt x="24" y="2581"/>
+                    <a:pt x="0" y="2759"/>
+                    <a:pt x="24" y="2938"/>
+                  </a:cubicBezTo>
+                  <a:cubicBezTo>
+                    <a:pt x="96" y="3712"/>
+                    <a:pt x="703" y="4403"/>
+                    <a:pt x="1286" y="4855"/>
+                  </a:cubicBezTo>
+                  <a:cubicBezTo>
+                    <a:pt x="1605" y="5117"/>
+                    <a:pt x="1962" y="5230"/>
+                    <a:pt x="2319" y="5230"/>
+                  </a:cubicBezTo>
+                  <a:cubicBezTo>
+                    <a:pt x="3085" y="5230"/>
+                    <a:pt x="3853" y="4711"/>
+                    <a:pt x="4251" y="4022"/>
+                  </a:cubicBezTo>
+                  <a:cubicBezTo>
+                    <a:pt x="4977" y="2771"/>
+                    <a:pt x="4572" y="390"/>
+                    <a:pt x="2941" y="33"/>
+                  </a:cubicBezTo>
+                  <a:cubicBezTo>
+                    <a:pt x="2841" y="11"/>
+                    <a:pt x="2740" y="1"/>
+                    <a:pt x="2640" y="1"/>
                   </a:cubicBezTo>
                   <a:close/>
                 </a:path>
@@ -40133,78 +42575,78 @@
       </p:grpSp>
       <p:sp>
         <p:nvSpPr>
-          <p:cNvPr id="501" name="Google Shape;501;p41"/>
+          <p:cNvPr id="549" name="Google Shape;549;p46"/>
           <p:cNvSpPr/>
           <p:nvPr/>
         </p:nvSpPr>
         <p:spPr>
-          <a:xfrm>
-            <a:off x="-139250" y="4091100"/>
-            <a:ext cx="2800315" cy="1471854"/>
+          <a:xfrm rot="370644">
+            <a:off x="1753529" y="3985715"/>
+            <a:ext cx="1752491" cy="443487"/>
           </a:xfrm>
           <a:custGeom>
             <a:rect b="b" l="l" r="r" t="t"/>
             <a:pathLst>
-              <a:path extrusionOk="0" h="21853" w="41577">
+              <a:path extrusionOk="0" h="9708" w="48354">
                 <a:moveTo>
-                  <a:pt x="30840" y="0"/>
+                  <a:pt x="42117" y="1"/>
                 </a:moveTo>
                 <a:cubicBezTo>
-                  <a:pt x="26515" y="0"/>
-                  <a:pt x="23331" y="3335"/>
-                  <a:pt x="19154" y="3335"/>
-                </a:cubicBezTo>
-                <a:cubicBezTo>
-                  <a:pt x="18562" y="3335"/>
-                  <a:pt x="17950" y="3268"/>
-                  <a:pt x="17312" y="3115"/>
-                </a:cubicBezTo>
-                <a:cubicBezTo>
-                  <a:pt x="15331" y="2636"/>
-                  <a:pt x="13522" y="2380"/>
-                  <a:pt x="11884" y="2380"/>
-                </a:cubicBezTo>
-                <a:cubicBezTo>
-                  <a:pt x="8305" y="2380"/>
-                  <a:pt x="5547" y="3606"/>
-                  <a:pt x="3620" y="6425"/>
-                </a:cubicBezTo>
-                <a:cubicBezTo>
-                  <a:pt x="786" y="10532"/>
-                  <a:pt x="0" y="19045"/>
-                  <a:pt x="5739" y="21188"/>
-                </a:cubicBezTo>
-                <a:cubicBezTo>
-                  <a:pt x="5739" y="21188"/>
-                  <a:pt x="7469" y="21852"/>
-                  <a:pt x="9909" y="21852"/>
-                </a:cubicBezTo>
-                <a:cubicBezTo>
-                  <a:pt x="12294" y="21852"/>
-                  <a:pt x="15356" y="21218"/>
-                  <a:pt x="18145" y="18712"/>
-                </a:cubicBezTo>
-                <a:cubicBezTo>
-                  <a:pt x="23777" y="13628"/>
-                  <a:pt x="30087" y="16521"/>
-                  <a:pt x="35147" y="13306"/>
-                </a:cubicBezTo>
-                <a:cubicBezTo>
-                  <a:pt x="40219" y="10080"/>
-                  <a:pt x="41577" y="3841"/>
-                  <a:pt x="34481" y="793"/>
-                </a:cubicBezTo>
-                <a:cubicBezTo>
-                  <a:pt x="33165" y="226"/>
-                  <a:pt x="31964" y="0"/>
-                  <a:pt x="30840" y="0"/>
+                  <a:pt x="40907" y="1"/>
+                  <a:pt x="39658" y="121"/>
+                  <a:pt x="38400" y="201"/>
+                </a:cubicBezTo>
+                <a:cubicBezTo>
+                  <a:pt x="34471" y="451"/>
+                  <a:pt x="30542" y="772"/>
+                  <a:pt x="26625" y="1165"/>
+                </a:cubicBezTo>
+                <a:cubicBezTo>
+                  <a:pt x="18517" y="1975"/>
+                  <a:pt x="10528" y="3153"/>
+                  <a:pt x="2562" y="4880"/>
+                </a:cubicBezTo>
+                <a:cubicBezTo>
+                  <a:pt x="0" y="5431"/>
+                  <a:pt x="409" y="9707"/>
+                  <a:pt x="2923" y="9707"/>
+                </a:cubicBezTo>
+                <a:cubicBezTo>
+                  <a:pt x="3014" y="9707"/>
+                  <a:pt x="3108" y="9702"/>
+                  <a:pt x="3205" y="9690"/>
+                </a:cubicBezTo>
+                <a:cubicBezTo>
+                  <a:pt x="11278" y="8702"/>
+                  <a:pt x="19374" y="7714"/>
+                  <a:pt x="27470" y="6987"/>
+                </a:cubicBezTo>
+                <a:cubicBezTo>
+                  <a:pt x="31387" y="6630"/>
+                  <a:pt x="35316" y="6356"/>
+                  <a:pt x="39246" y="6142"/>
+                </a:cubicBezTo>
+                <a:cubicBezTo>
+                  <a:pt x="42389" y="5975"/>
+                  <a:pt x="45496" y="6130"/>
+                  <a:pt x="47794" y="3773"/>
+                </a:cubicBezTo>
+                <a:cubicBezTo>
+                  <a:pt x="48294" y="3261"/>
+                  <a:pt x="48354" y="2332"/>
+                  <a:pt x="47794" y="1832"/>
+                </a:cubicBezTo>
+                <a:cubicBezTo>
+                  <a:pt x="46116" y="348"/>
+                  <a:pt x="44173" y="1"/>
+                  <a:pt x="42117" y="1"/>
                 </a:cubicBezTo>
                 <a:close/>
               </a:path>
             </a:pathLst>
           </a:custGeom>
           <a:solidFill>
-            <a:schemeClr val="accent1"/>
+            <a:schemeClr val="accent3"/>
           </a:solidFill>
           <a:ln>
             <a:noFill/>
@@ -40232,62 +42674,55 @@
           </a:p>
         </p:txBody>
       </p:sp>
+    </p:spTree>
+  </p:cSld>
+  <p:clrMapOvr>
+    <a:masterClrMapping/>
+  </p:clrMapOvr>
+</p:sld>
+</file>
+
+<file path=ppt/slides/slide17.xml><?xml version="1.0" encoding="utf-8"?>
+<p:sld xmlns:a="http://schemas.openxmlformats.org/drawingml/2006/main" xmlns:r="http://schemas.openxmlformats.org/officeDocument/2006/relationships" xmlns:mc="http://schemas.openxmlformats.org/markup-compatibility/2006" xmlns:mv="urn:schemas-microsoft-com:mac:vml" xmlns:p="http://schemas.openxmlformats.org/presentationml/2006/main" xmlns:c="http://schemas.openxmlformats.org/drawingml/2006/chart" xmlns:dgm="http://schemas.openxmlformats.org/drawingml/2006/diagram" xmlns:o="urn:schemas-microsoft-com:office:office" xmlns:v="urn:schemas-microsoft-com:vml" xmlns:pvml="urn:schemas-microsoft-com:office:powerpoint" xmlns:com="http://schemas.openxmlformats.org/drawingml/2006/compatibility" xmlns:p14="http://schemas.microsoft.com/office/powerpoint/2010/main" xmlns:p15="http://schemas.microsoft.com/office/powerpoint/2012/main" xmlns:ahyp="http://schemas.microsoft.com/office/drawing/2018/hyperlinkcolor">
+  <p:cSld>
+    <p:spTree>
+      <p:nvGrpSpPr>
+        <p:cNvPr id="553" name="Shape 553"/>
+        <p:cNvGrpSpPr/>
+        <p:nvPr/>
+      </p:nvGrpSpPr>
+      <p:grpSpPr>
+        <a:xfrm>
+          <a:off x="0" y="0"/>
+          <a:ext cx="0" cy="0"/>
+          <a:chOff x="0" y="0"/>
+          <a:chExt cx="0" cy="0"/>
+        </a:xfrm>
+      </p:grpSpPr>
       <p:sp>
         <p:nvSpPr>
-          <p:cNvPr id="502" name="Google Shape;502;p41"/>
-          <p:cNvSpPr/>
-          <p:nvPr/>
+          <p:cNvPr id="554" name="Google Shape;554;p47"/>
+          <p:cNvSpPr txBox="1"/>
+          <p:nvPr>
+            <p:ph type="title"/>
+          </p:nvPr>
         </p:nvSpPr>
         <p:spPr>
-          <a:xfrm rot="9899904">
-            <a:off x="7723418" y="3391385"/>
-            <a:ext cx="1657194" cy="1583982"/>
+          <a:xfrm>
+            <a:off x="713250" y="372983"/>
+            <a:ext cx="7717500" cy="572700"/>
           </a:xfrm>
-          <a:custGeom>
-            <a:rect b="b" l="l" r="r" t="t"/>
-            <a:pathLst>
-              <a:path extrusionOk="0" fill="none" h="33470" w="35017">
-                <a:moveTo>
-                  <a:pt x="33433" y="1"/>
-                </a:moveTo>
-                <a:cubicBezTo>
-                  <a:pt x="33433" y="1"/>
-                  <a:pt x="35017" y="7323"/>
-                  <a:pt x="29980" y="9847"/>
-                </a:cubicBezTo>
-                <a:cubicBezTo>
-                  <a:pt x="24956" y="12383"/>
-                  <a:pt x="18848" y="13467"/>
-                  <a:pt x="16074" y="22587"/>
-                </a:cubicBezTo>
-                <a:cubicBezTo>
-                  <a:pt x="13276" y="31731"/>
-                  <a:pt x="4953" y="33469"/>
-                  <a:pt x="0" y="29719"/>
-                </a:cubicBezTo>
-              </a:path>
-            </a:pathLst>
-          </a:custGeom>
-          <a:solidFill>
-            <a:schemeClr val="lt2"/>
-          </a:solidFill>
-          <a:ln cap="flat" cmpd="sng" w="19050">
-            <a:solidFill>
-              <a:schemeClr val="lt2"/>
-            </a:solidFill>
-            <a:prstDash val="solid"/>
-            <a:miter lim="11906"/>
-            <a:headEnd len="sm" w="sm" type="none"/>
-            <a:tailEnd len="sm" w="sm" type="none"/>
-          </a:ln>
+          <a:prstGeom prst="rect">
+            <a:avLst/>
+          </a:prstGeom>
         </p:spPr>
         <p:txBody>
-          <a:bodyPr anchorCtr="0" anchor="ctr" bIns="91425" lIns="91425" spcFirstLastPara="1" rIns="91425" wrap="square" tIns="91425">
+          <a:bodyPr anchorCtr="0" anchor="t" bIns="91425" lIns="91425" spcFirstLastPara="1" rIns="91425" wrap="square" tIns="91425">
             <a:noAutofit/>
           </a:bodyPr>
           <a:lstStyle/>
           <a:p>
-            <a:pPr indent="0" lvl="0" marL="0" rtl="0" algn="l">
+            <a:pPr indent="0" lvl="0" marL="0" rtl="0" algn="ctr">
               <a:spcBef>
                 <a:spcPts val="0"/>
               </a:spcBef>
@@ -40297,156 +42732,56 @@
               <a:buNone/>
             </a:pPr>
             <a:r>
-              <a:t/>
+              <a:rPr lang="en"/>
+              <a:t>Flow</a:t>
             </a:r>
-            <a:endParaRPr/>
+            <a:endParaRPr b="0"/>
           </a:p>
         </p:txBody>
       </p:sp>
+      <p:pic>
+        <p:nvPicPr>
+          <p:cNvPr id="555" name="Google Shape;555;p47"/>
+          <p:cNvPicPr preferRelativeResize="0"/>
+          <p:nvPr/>
+        </p:nvPicPr>
+        <p:blipFill>
+          <a:blip r:embed="rId3">
+            <a:alphaModFix/>
+          </a:blip>
+          <a:stretch>
+            <a:fillRect/>
+          </a:stretch>
+        </p:blipFill>
+        <p:spPr>
+          <a:xfrm>
+            <a:off x="568138" y="1098083"/>
+            <a:ext cx="8007723" cy="3893018"/>
+          </a:xfrm>
+          <a:prstGeom prst="rect">
+            <a:avLst/>
+          </a:prstGeom>
+          <a:noFill/>
+          <a:ln>
+            <a:noFill/>
+          </a:ln>
+        </p:spPr>
+      </p:pic>
       <p:sp>
         <p:nvSpPr>
-          <p:cNvPr id="503" name="Google Shape;503;p41"/>
-          <p:cNvSpPr/>
+          <p:cNvPr id="556" name="Google Shape;556;p47"/>
+          <p:cNvSpPr txBox="1"/>
           <p:nvPr/>
         </p:nvSpPr>
         <p:spPr>
-          <a:xfrm rot="-2088394">
-            <a:off x="761129" y="4262724"/>
-            <a:ext cx="2086151" cy="1335893"/>
+          <a:xfrm>
+            <a:off x="2179625" y="3978700"/>
+            <a:ext cx="761100" cy="300000"/>
           </a:xfrm>
-          <a:custGeom>
-            <a:rect b="b" l="l" r="r" t="t"/>
-            <a:pathLst>
-              <a:path extrusionOk="0" h="30033" w="46900">
-                <a:moveTo>
-                  <a:pt x="9521" y="531"/>
-                </a:moveTo>
-                <a:cubicBezTo>
-                  <a:pt x="12017" y="531"/>
-                  <a:pt x="14876" y="1701"/>
-                  <a:pt x="17431" y="2959"/>
-                </a:cubicBezTo>
-                <a:cubicBezTo>
-                  <a:pt x="19598" y="4030"/>
-                  <a:pt x="21848" y="4995"/>
-                  <a:pt x="24015" y="5935"/>
-                </a:cubicBezTo>
-                <a:cubicBezTo>
-                  <a:pt x="28575" y="7900"/>
-                  <a:pt x="33278" y="9924"/>
-                  <a:pt x="37374" y="12865"/>
-                </a:cubicBezTo>
-                <a:cubicBezTo>
-                  <a:pt x="40779" y="15306"/>
-                  <a:pt x="46304" y="20080"/>
-                  <a:pt x="45042" y="24604"/>
-                </a:cubicBezTo>
-                <a:cubicBezTo>
-                  <a:pt x="44458" y="26688"/>
-                  <a:pt x="42161" y="27807"/>
-                  <a:pt x="40839" y="28283"/>
-                </a:cubicBezTo>
-                <a:cubicBezTo>
-                  <a:pt x="40160" y="28533"/>
-                  <a:pt x="39458" y="28748"/>
-                  <a:pt x="38755" y="28926"/>
-                </a:cubicBezTo>
-                <a:cubicBezTo>
-                  <a:pt x="37516" y="29231"/>
-                  <a:pt x="35874" y="29498"/>
-                  <a:pt x="33914" y="29498"/>
-                </a:cubicBezTo>
-                <a:cubicBezTo>
-                  <a:pt x="29679" y="29498"/>
-                  <a:pt x="23959" y="28252"/>
-                  <a:pt x="17610" y="23449"/>
-                </a:cubicBezTo>
-                <a:cubicBezTo>
-                  <a:pt x="17300" y="23211"/>
-                  <a:pt x="16979" y="22973"/>
-                  <a:pt x="16645" y="22723"/>
-                </a:cubicBezTo>
-                <a:cubicBezTo>
-                  <a:pt x="11073" y="18532"/>
-                  <a:pt x="691" y="10734"/>
-                  <a:pt x="4418" y="3614"/>
-                </a:cubicBezTo>
-                <a:cubicBezTo>
-                  <a:pt x="5605" y="1348"/>
-                  <a:pt x="7436" y="531"/>
-                  <a:pt x="9521" y="531"/>
-                </a:cubicBezTo>
-                <a:close/>
-                <a:moveTo>
-                  <a:pt x="9562" y="0"/>
-                </a:moveTo>
-                <a:cubicBezTo>
-                  <a:pt x="7360" y="0"/>
-                  <a:pt x="5267" y="823"/>
-                  <a:pt x="3941" y="3340"/>
-                </a:cubicBezTo>
-                <a:cubicBezTo>
-                  <a:pt x="0" y="10876"/>
-                  <a:pt x="10633" y="18854"/>
-                  <a:pt x="16324" y="23140"/>
-                </a:cubicBezTo>
-                <a:cubicBezTo>
-                  <a:pt x="16669" y="23390"/>
-                  <a:pt x="17003" y="23640"/>
-                  <a:pt x="17300" y="23866"/>
-                </a:cubicBezTo>
-                <a:cubicBezTo>
-                  <a:pt x="23758" y="28756"/>
-                  <a:pt x="29590" y="30033"/>
-                  <a:pt x="33914" y="30033"/>
-                </a:cubicBezTo>
-                <a:cubicBezTo>
-                  <a:pt x="35928" y="30033"/>
-                  <a:pt x="37615" y="29756"/>
-                  <a:pt x="38886" y="29438"/>
-                </a:cubicBezTo>
-                <a:cubicBezTo>
-                  <a:pt x="39601" y="29272"/>
-                  <a:pt x="40315" y="29045"/>
-                  <a:pt x="41018" y="28795"/>
-                </a:cubicBezTo>
-                <a:cubicBezTo>
-                  <a:pt x="41899" y="28474"/>
-                  <a:pt x="42911" y="27998"/>
-                  <a:pt x="43756" y="27319"/>
-                </a:cubicBezTo>
-                <a:cubicBezTo>
-                  <a:pt x="44577" y="26664"/>
-                  <a:pt x="45244" y="25831"/>
-                  <a:pt x="45542" y="24759"/>
-                </a:cubicBezTo>
-                <a:cubicBezTo>
-                  <a:pt x="46899" y="19901"/>
-                  <a:pt x="41196" y="14948"/>
-                  <a:pt x="37684" y="12424"/>
-                </a:cubicBezTo>
-                <a:cubicBezTo>
-                  <a:pt x="33552" y="9448"/>
-                  <a:pt x="28814" y="7400"/>
-                  <a:pt x="24230" y="5423"/>
-                </a:cubicBezTo>
-                <a:cubicBezTo>
-                  <a:pt x="22063" y="4483"/>
-                  <a:pt x="19812" y="3518"/>
-                  <a:pt x="17669" y="2459"/>
-                </a:cubicBezTo>
-                <a:cubicBezTo>
-                  <a:pt x="15978" y="1630"/>
-                  <a:pt x="12662" y="0"/>
-                  <a:pt x="9562" y="0"/>
-                </a:cubicBezTo>
-                <a:close/>
-              </a:path>
-            </a:pathLst>
-          </a:custGeom>
-          <a:solidFill>
-            <a:schemeClr val="lt2"/>
-          </a:solidFill>
+          <a:prstGeom prst="rect">
+            <a:avLst/>
+          </a:prstGeom>
+          <a:noFill/>
           <a:ln>
             <a:noFill/>
           </a:ln>
@@ -40457,7 +42792,7 @@
           </a:bodyPr>
           <a:lstStyle/>
           <a:p>
-            <a:pPr indent="0" lvl="0" marL="0" rtl="0" algn="l">
+            <a:pPr indent="0" lvl="0" marL="0" rtl="0" algn="ctr">
               <a:spcBef>
                 <a:spcPts val="0"/>
               </a:spcBef>
@@ -40467,87 +42802,44 @@
               <a:buNone/>
             </a:pPr>
             <a:r>
-              <a:t/>
+              <a:rPr lang="en" sz="1300">
+                <a:solidFill>
+                  <a:schemeClr val="dk2"/>
+                </a:solidFill>
+                <a:latin typeface="Varela Round"/>
+                <a:ea typeface="Varela Round"/>
+                <a:cs typeface="Varela Round"/>
+                <a:sym typeface="Varela Round"/>
+              </a:rPr>
+              <a:t>/cars</a:t>
             </a:r>
-            <a:endParaRPr/>
+            <a:endParaRPr sz="1300">
+              <a:solidFill>
+                <a:schemeClr val="dk2"/>
+              </a:solidFill>
+              <a:latin typeface="Varela Round"/>
+              <a:ea typeface="Varela Round"/>
+              <a:cs typeface="Varela Round"/>
+              <a:sym typeface="Varela Round"/>
+            </a:endParaRPr>
           </a:p>
         </p:txBody>
       </p:sp>
       <p:sp>
         <p:nvSpPr>
-          <p:cNvPr id="504" name="Google Shape;504;p41"/>
-          <p:cNvSpPr/>
+          <p:cNvPr id="557" name="Google Shape;557;p47"/>
+          <p:cNvSpPr txBox="1"/>
           <p:nvPr/>
         </p:nvSpPr>
         <p:spPr>
           <a:xfrm>
-            <a:off x="5242896" y="4188750"/>
-            <a:ext cx="134869" cy="121442"/>
+            <a:off x="4880725" y="4061875"/>
+            <a:ext cx="761100" cy="300000"/>
           </a:xfrm>
-          <a:custGeom>
-            <a:rect b="b" l="l" r="r" t="t"/>
-            <a:pathLst>
-              <a:path extrusionOk="0" h="7570" w="8407">
-                <a:moveTo>
-                  <a:pt x="3898" y="0"/>
-                </a:moveTo>
-                <a:cubicBezTo>
-                  <a:pt x="2417" y="0"/>
-                  <a:pt x="919" y="607"/>
-                  <a:pt x="298" y="1963"/>
-                </a:cubicBezTo>
-                <a:cubicBezTo>
-                  <a:pt x="36" y="2546"/>
-                  <a:pt x="1" y="3225"/>
-                  <a:pt x="155" y="3856"/>
-                </a:cubicBezTo>
-                <a:cubicBezTo>
-                  <a:pt x="179" y="4011"/>
-                  <a:pt x="227" y="4154"/>
-                  <a:pt x="262" y="4308"/>
-                </a:cubicBezTo>
-                <a:cubicBezTo>
-                  <a:pt x="536" y="5070"/>
-                  <a:pt x="1013" y="5725"/>
-                  <a:pt x="1536" y="6333"/>
-                </a:cubicBezTo>
-                <a:cubicBezTo>
-                  <a:pt x="2001" y="6868"/>
-                  <a:pt x="2537" y="7368"/>
-                  <a:pt x="3215" y="7523"/>
-                </a:cubicBezTo>
-                <a:cubicBezTo>
-                  <a:pt x="3358" y="7555"/>
-                  <a:pt x="3504" y="7570"/>
-                  <a:pt x="3650" y="7570"/>
-                </a:cubicBezTo>
-                <a:cubicBezTo>
-                  <a:pt x="4055" y="7570"/>
-                  <a:pt x="4464" y="7457"/>
-                  <a:pt x="4823" y="7273"/>
-                </a:cubicBezTo>
-                <a:cubicBezTo>
-                  <a:pt x="6561" y="6416"/>
-                  <a:pt x="8406" y="4130"/>
-                  <a:pt x="7632" y="2106"/>
-                </a:cubicBezTo>
-                <a:cubicBezTo>
-                  <a:pt x="7382" y="1427"/>
-                  <a:pt x="6835" y="879"/>
-                  <a:pt x="6192" y="534"/>
-                </a:cubicBezTo>
-                <a:cubicBezTo>
-                  <a:pt x="5534" y="186"/>
-                  <a:pt x="4719" y="0"/>
-                  <a:pt x="3898" y="0"/>
-                </a:cubicBezTo>
-                <a:close/>
-              </a:path>
-            </a:pathLst>
-          </a:custGeom>
-          <a:solidFill>
-            <a:schemeClr val="accent4"/>
-          </a:solidFill>
+          <a:prstGeom prst="rect">
+            <a:avLst/>
+          </a:prstGeom>
+          <a:noFill/>
           <a:ln>
             <a:noFill/>
           </a:ln>
@@ -40558,7 +42850,7 @@
           </a:bodyPr>
           <a:lstStyle/>
           <a:p>
-            <a:pPr indent="0" lvl="0" marL="0" rtl="0" algn="l">
+            <a:pPr indent="0" lvl="0" marL="0" rtl="0" algn="ctr">
               <a:spcBef>
                 <a:spcPts val="0"/>
               </a:spcBef>
@@ -40568,63 +42860,44 @@
               <a:buNone/>
             </a:pPr>
             <a:r>
-              <a:t/>
+              <a:rPr lang="en" sz="1300">
+                <a:solidFill>
+                  <a:schemeClr val="dk2"/>
+                </a:solidFill>
+                <a:latin typeface="Varela Round"/>
+                <a:ea typeface="Varela Round"/>
+                <a:cs typeface="Varela Round"/>
+                <a:sym typeface="Varela Round"/>
+              </a:rPr>
+              <a:t>listCars</a:t>
             </a:r>
-            <a:endParaRPr/>
+            <a:endParaRPr sz="1300">
+              <a:solidFill>
+                <a:schemeClr val="dk2"/>
+              </a:solidFill>
+              <a:latin typeface="Varela Round"/>
+              <a:ea typeface="Varela Round"/>
+              <a:cs typeface="Varela Round"/>
+              <a:sym typeface="Varela Round"/>
+            </a:endParaRPr>
           </a:p>
         </p:txBody>
       </p:sp>
       <p:sp>
         <p:nvSpPr>
-          <p:cNvPr id="505" name="Google Shape;505;p41"/>
-          <p:cNvSpPr/>
+          <p:cNvPr id="558" name="Google Shape;558;p47"/>
+          <p:cNvSpPr txBox="1"/>
           <p:nvPr/>
         </p:nvSpPr>
         <p:spPr>
-          <a:xfrm rot="-5400000">
-            <a:off x="7569678" y="21382"/>
-            <a:ext cx="1652000" cy="1560000"/>
+          <a:xfrm>
+            <a:off x="5431850" y="2645875"/>
+            <a:ext cx="1257000" cy="300000"/>
           </a:xfrm>
-          <a:custGeom>
-            <a:rect b="b" l="l" r="r" t="t"/>
-            <a:pathLst>
-              <a:path extrusionOk="0" h="62400" w="66080">
-                <a:moveTo>
-                  <a:pt x="56682" y="0"/>
-                </a:moveTo>
-                <a:cubicBezTo>
-                  <a:pt x="56366" y="0"/>
-                  <a:pt x="56050" y="7"/>
-                  <a:pt x="55733" y="23"/>
-                </a:cubicBezTo>
-                <a:cubicBezTo>
-                  <a:pt x="31254" y="1178"/>
-                  <a:pt x="43768" y="31336"/>
-                  <a:pt x="24980" y="38754"/>
-                </a:cubicBezTo>
-                <a:cubicBezTo>
-                  <a:pt x="11228" y="44171"/>
-                  <a:pt x="3286" y="56291"/>
-                  <a:pt x="0" y="62399"/>
-                </a:cubicBezTo>
-                <a:lnTo>
-                  <a:pt x="66080" y="62399"/>
-                </a:lnTo>
-                <a:lnTo>
-                  <a:pt x="66080" y="2047"/>
-                </a:lnTo>
-                <a:cubicBezTo>
-                  <a:pt x="62995" y="748"/>
-                  <a:pt x="59842" y="0"/>
-                  <a:pt x="56682" y="0"/>
-                </a:cubicBezTo>
-                <a:close/>
-              </a:path>
-            </a:pathLst>
-          </a:custGeom>
-          <a:solidFill>
-            <a:schemeClr val="dk2"/>
-          </a:solidFill>
+          <a:prstGeom prst="rect">
+            <a:avLst/>
+          </a:prstGeom>
+          <a:noFill/>
           <a:ln>
             <a:noFill/>
           </a:ln>
@@ -40635,7 +42908,7 @@
           </a:bodyPr>
           <a:lstStyle/>
           <a:p>
-            <a:pPr indent="0" lvl="0" marL="0" rtl="0" algn="l">
+            <a:pPr indent="0" lvl="0" marL="0" rtl="0" algn="ctr">
               <a:spcBef>
                 <a:spcPts val="0"/>
               </a:spcBef>
@@ -40645,7 +42918,89 @@
               <a:buNone/>
             </a:pPr>
             <a:r>
-              <a:t/>
+              <a:rPr lang="en" sz="1300">
+                <a:solidFill>
+                  <a:schemeClr val="dk2"/>
+                </a:solidFill>
+                <a:latin typeface="Varela Round"/>
+                <a:ea typeface="Varela Round"/>
+                <a:cs typeface="Varela Round"/>
+                <a:sym typeface="Varela Round"/>
+              </a:rPr>
+              <a:t>cars-bucket</a:t>
+            </a:r>
+            <a:endParaRPr sz="1300">
+              <a:solidFill>
+                <a:schemeClr val="dk2"/>
+              </a:solidFill>
+              <a:latin typeface="Varela Round"/>
+              <a:ea typeface="Varela Round"/>
+              <a:cs typeface="Varela Round"/>
+              <a:sym typeface="Varela Round"/>
+            </a:endParaRPr>
+          </a:p>
+        </p:txBody>
+      </p:sp>
+    </p:spTree>
+  </p:cSld>
+  <p:clrMapOvr>
+    <a:masterClrMapping/>
+  </p:clrMapOvr>
+</p:sld>
+</file>
+
+<file path=ppt/slides/slide18.xml><?xml version="1.0" encoding="utf-8"?>
+<p:sld xmlns:a="http://schemas.openxmlformats.org/drawingml/2006/main" xmlns:r="http://schemas.openxmlformats.org/officeDocument/2006/relationships" xmlns:mc="http://schemas.openxmlformats.org/markup-compatibility/2006" xmlns:mv="urn:schemas-microsoft-com:mac:vml" xmlns:p="http://schemas.openxmlformats.org/presentationml/2006/main" xmlns:c="http://schemas.openxmlformats.org/drawingml/2006/chart" xmlns:dgm="http://schemas.openxmlformats.org/drawingml/2006/diagram" xmlns:o="urn:schemas-microsoft-com:office:office" xmlns:v="urn:schemas-microsoft-com:vml" xmlns:pvml="urn:schemas-microsoft-com:office:powerpoint" xmlns:com="http://schemas.openxmlformats.org/drawingml/2006/compatibility" xmlns:p14="http://schemas.microsoft.com/office/powerpoint/2010/main" xmlns:p15="http://schemas.microsoft.com/office/powerpoint/2012/main" xmlns:ahyp="http://schemas.microsoft.com/office/drawing/2018/hyperlinkcolor">
+  <p:cSld>
+    <p:spTree>
+      <p:nvGrpSpPr>
+        <p:cNvPr id="562" name="Shape 562"/>
+        <p:cNvGrpSpPr/>
+        <p:nvPr/>
+      </p:nvGrpSpPr>
+      <p:grpSpPr>
+        <a:xfrm>
+          <a:off x="0" y="0"/>
+          <a:ext cx="0" cy="0"/>
+          <a:chOff x="0" y="0"/>
+          <a:chExt cx="0" cy="0"/>
+        </a:xfrm>
+      </p:grpSpPr>
+      <p:sp>
+        <p:nvSpPr>
+          <p:cNvPr id="563" name="Google Shape;563;p48"/>
+          <p:cNvSpPr txBox="1"/>
+          <p:nvPr>
+            <p:ph type="title"/>
+          </p:nvPr>
+        </p:nvSpPr>
+        <p:spPr>
+          <a:xfrm>
+            <a:off x="713250" y="372983"/>
+            <a:ext cx="7717500" cy="572700"/>
+          </a:xfrm>
+          <a:prstGeom prst="rect">
+            <a:avLst/>
+          </a:prstGeom>
+        </p:spPr>
+        <p:txBody>
+          <a:bodyPr anchorCtr="0" anchor="t" bIns="91425" lIns="91425" spcFirstLastPara="1" rIns="91425" wrap="square" tIns="91425">
+            <a:noAutofit/>
+          </a:bodyPr>
+          <a:lstStyle/>
+          <a:p>
+            <a:pPr indent="0" lvl="0" marL="0" rtl="0" algn="l">
+              <a:spcBef>
+                <a:spcPts val="0"/>
+              </a:spcBef>
+              <a:spcAft>
+                <a:spcPts val="0"/>
+              </a:spcAft>
+              <a:buNone/>
+            </a:pPr>
+            <a:r>
+              <a:rPr lang="en"/>
+              <a:t>Resources</a:t>
             </a:r>
             <a:endParaRPr/>
           </a:p>
@@ -40653,92 +43008,20 @@
       </p:sp>
       <p:sp>
         <p:nvSpPr>
-          <p:cNvPr id="506" name="Google Shape;506;p41"/>
-          <p:cNvSpPr/>
-          <p:nvPr/>
+          <p:cNvPr id="564" name="Google Shape;564;p48"/>
+          <p:cNvSpPr txBox="1"/>
+          <p:nvPr>
+            <p:ph idx="1" type="subTitle"/>
+          </p:nvPr>
         </p:nvSpPr>
         <p:spPr>
-          <a:xfrm rot="-2700000">
-            <a:off x="8632098" y="-238521"/>
-            <a:ext cx="698443" cy="967191"/>
+          <a:xfrm>
+            <a:off x="713375" y="1380000"/>
+            <a:ext cx="7717500" cy="2711100"/>
           </a:xfrm>
-          <a:custGeom>
-            <a:rect b="b" l="l" r="r" t="t"/>
-            <a:pathLst>
-              <a:path extrusionOk="0" h="38688" w="27938">
-                <a:moveTo>
-                  <a:pt x="18698" y="0"/>
-                </a:moveTo>
-                <a:cubicBezTo>
-                  <a:pt x="18662" y="0"/>
-                  <a:pt x="18627" y="1"/>
-                  <a:pt x="18591" y="2"/>
-                </a:cubicBezTo>
-                <a:cubicBezTo>
-                  <a:pt x="12721" y="288"/>
-                  <a:pt x="2184" y="2943"/>
-                  <a:pt x="1803" y="10277"/>
-                </a:cubicBezTo>
-                <a:cubicBezTo>
-                  <a:pt x="1660" y="13397"/>
-                  <a:pt x="3351" y="16004"/>
-                  <a:pt x="3982" y="18969"/>
-                </a:cubicBezTo>
-                <a:cubicBezTo>
-                  <a:pt x="4398" y="20933"/>
-                  <a:pt x="3589" y="21874"/>
-                  <a:pt x="2517" y="23434"/>
-                </a:cubicBezTo>
-                <a:cubicBezTo>
-                  <a:pt x="1553" y="24850"/>
-                  <a:pt x="850" y="26458"/>
-                  <a:pt x="708" y="28184"/>
-                </a:cubicBezTo>
-                <a:cubicBezTo>
-                  <a:pt x="0" y="35656"/>
-                  <a:pt x="7458" y="38688"/>
-                  <a:pt x="13791" y="38688"/>
-                </a:cubicBezTo>
-                <a:cubicBezTo>
-                  <a:pt x="14492" y="38688"/>
-                  <a:pt x="15179" y="38651"/>
-                  <a:pt x="15840" y="38578"/>
-                </a:cubicBezTo>
-                <a:cubicBezTo>
-                  <a:pt x="18924" y="38245"/>
-                  <a:pt x="22127" y="37364"/>
-                  <a:pt x="24449" y="35185"/>
-                </a:cubicBezTo>
-                <a:cubicBezTo>
-                  <a:pt x="27187" y="32625"/>
-                  <a:pt x="27782" y="28934"/>
-                  <a:pt x="27854" y="25362"/>
-                </a:cubicBezTo>
-                <a:cubicBezTo>
-                  <a:pt x="27937" y="20528"/>
-                  <a:pt x="26901" y="15718"/>
-                  <a:pt x="25615" y="11111"/>
-                </a:cubicBezTo>
-                <a:cubicBezTo>
-                  <a:pt x="24663" y="7670"/>
-                  <a:pt x="23937" y="3300"/>
-                  <a:pt x="20770" y="1193"/>
-                </a:cubicBezTo>
-                <a:cubicBezTo>
-                  <a:pt x="20413" y="502"/>
-                  <a:pt x="19733" y="0"/>
-                  <a:pt x="18698" y="0"/>
-                </a:cubicBezTo>
-                <a:close/>
-              </a:path>
-            </a:pathLst>
-          </a:custGeom>
-          <a:solidFill>
-            <a:schemeClr val="accent1"/>
-          </a:solidFill>
-          <a:ln>
-            <a:noFill/>
-          </a:ln>
+          <a:prstGeom prst="rect">
+            <a:avLst/>
+          </a:prstGeom>
         </p:spPr>
         <p:txBody>
           <a:bodyPr anchorCtr="0" anchor="ctr" bIns="91425" lIns="91425" spcFirstLastPara="1" rIns="91425" wrap="square" tIns="91425">
@@ -40746,147 +43029,222 @@
           </a:bodyPr>
           <a:lstStyle/>
           <a:p>
-            <a:pPr indent="0" lvl="0" marL="0" rtl="0" algn="l">
-              <a:spcBef>
-                <a:spcPts val="0"/>
-              </a:spcBef>
-              <a:spcAft>
-                <a:spcPts val="0"/>
-              </a:spcAft>
-              <a:buNone/>
+            <a:pPr indent="-361950" lvl="0" marL="457200" rtl="0" algn="l">
+              <a:spcBef>
+                <a:spcPts val="0"/>
+              </a:spcBef>
+              <a:spcAft>
+                <a:spcPts val="0"/>
+              </a:spcAft>
+              <a:buClr>
+                <a:schemeClr val="accent1"/>
+              </a:buClr>
+              <a:buSzPts val="2100"/>
+              <a:buChar char="●"/>
             </a:pPr>
             <a:r>
-              <a:t/>
+              <a:rPr lang="en" u="sng">
+                <a:solidFill>
+                  <a:schemeClr val="hlink"/>
+                </a:solidFill>
+                <a:hlinkClick r:id="rId3"/>
+              </a:rPr>
+              <a:t>IAM roles</a:t>
             </a:r>
             <a:endParaRPr/>
           </a:p>
-        </p:txBody>
-      </p:sp>
-      <p:sp>
-        <p:nvSpPr>
-          <p:cNvPr id="507" name="Google Shape;507;p41"/>
-          <p:cNvSpPr/>
-          <p:nvPr/>
-        </p:nvSpPr>
-        <p:spPr>
-          <a:xfrm>
-            <a:off x="4981325" y="4548800"/>
-            <a:ext cx="210175" cy="189250"/>
-          </a:xfrm>
-          <a:custGeom>
-            <a:rect b="b" l="l" r="r" t="t"/>
-            <a:pathLst>
-              <a:path extrusionOk="0" h="7570" w="8407">
-                <a:moveTo>
-                  <a:pt x="3898" y="0"/>
-                </a:moveTo>
-                <a:cubicBezTo>
-                  <a:pt x="2417" y="0"/>
-                  <a:pt x="919" y="607"/>
-                  <a:pt x="298" y="1963"/>
-                </a:cubicBezTo>
-                <a:cubicBezTo>
-                  <a:pt x="36" y="2546"/>
-                  <a:pt x="1" y="3225"/>
-                  <a:pt x="155" y="3856"/>
-                </a:cubicBezTo>
-                <a:cubicBezTo>
-                  <a:pt x="179" y="4011"/>
-                  <a:pt x="227" y="4154"/>
-                  <a:pt x="262" y="4308"/>
-                </a:cubicBezTo>
-                <a:cubicBezTo>
-                  <a:pt x="536" y="5070"/>
-                  <a:pt x="1013" y="5725"/>
-                  <a:pt x="1536" y="6333"/>
-                </a:cubicBezTo>
-                <a:cubicBezTo>
-                  <a:pt x="2001" y="6868"/>
-                  <a:pt x="2537" y="7368"/>
-                  <a:pt x="3215" y="7523"/>
-                </a:cubicBezTo>
-                <a:cubicBezTo>
-                  <a:pt x="3358" y="7555"/>
-                  <a:pt x="3504" y="7570"/>
-                  <a:pt x="3650" y="7570"/>
-                </a:cubicBezTo>
-                <a:cubicBezTo>
-                  <a:pt x="4055" y="7570"/>
-                  <a:pt x="4464" y="7457"/>
-                  <a:pt x="4823" y="7273"/>
-                </a:cubicBezTo>
-                <a:cubicBezTo>
-                  <a:pt x="6561" y="6416"/>
-                  <a:pt x="8406" y="4130"/>
-                  <a:pt x="7632" y="2106"/>
-                </a:cubicBezTo>
-                <a:cubicBezTo>
-                  <a:pt x="7382" y="1427"/>
-                  <a:pt x="6835" y="879"/>
-                  <a:pt x="6192" y="534"/>
-                </a:cubicBezTo>
-                <a:cubicBezTo>
-                  <a:pt x="5534" y="186"/>
-                  <a:pt x="4719" y="0"/>
-                  <a:pt x="3898" y="0"/>
-                </a:cubicBezTo>
-                <a:close/>
-              </a:path>
-            </a:pathLst>
-          </a:custGeom>
-          <a:solidFill>
-            <a:schemeClr val="accent4"/>
-          </a:solidFill>
-          <a:ln>
-            <a:noFill/>
-          </a:ln>
-        </p:spPr>
-        <p:txBody>
-          <a:bodyPr anchorCtr="0" anchor="ctr" bIns="91425" lIns="91425" spcFirstLastPara="1" rIns="91425" wrap="square" tIns="91425">
-            <a:noAutofit/>
-          </a:bodyPr>
-          <a:lstStyle/>
           <a:p>
-            <a:pPr indent="0" lvl="0" marL="0" rtl="0" algn="l">
-              <a:spcBef>
-                <a:spcPts val="0"/>
-              </a:spcBef>
-              <a:spcAft>
-                <a:spcPts val="0"/>
-              </a:spcAft>
-              <a:buNone/>
+            <a:pPr indent="-361950" lvl="0" marL="457200" rtl="0" algn="l">
+              <a:spcBef>
+                <a:spcPts val="0"/>
+              </a:spcBef>
+              <a:spcAft>
+                <a:spcPts val="0"/>
+              </a:spcAft>
+              <a:buClr>
+                <a:schemeClr val="accent1"/>
+              </a:buClr>
+              <a:buSzPts val="2100"/>
+              <a:buChar char="●"/>
             </a:pPr>
             <a:r>
-              <a:t/>
+              <a:rPr lang="en" u="sng">
+                <a:solidFill>
+                  <a:schemeClr val="hlink"/>
+                </a:solidFill>
+                <a:hlinkClick r:id="rId4"/>
+              </a:rPr>
+              <a:t>S3 Select</a:t>
+            </a:r>
+            <a:endParaRPr>
+              <a:solidFill>
+                <a:schemeClr val="accent1"/>
+              </a:solidFill>
+            </a:endParaRPr>
+          </a:p>
+          <a:p>
+            <a:pPr indent="-361950" lvl="0" marL="457200" rtl="0" algn="l">
+              <a:spcBef>
+                <a:spcPts val="0"/>
+              </a:spcBef>
+              <a:spcAft>
+                <a:spcPts val="0"/>
+              </a:spcAft>
+              <a:buClr>
+                <a:schemeClr val="accent1"/>
+              </a:buClr>
+              <a:buSzPts val="2100"/>
+              <a:buChar char="●"/>
+            </a:pPr>
+            <a:r>
+              <a:rPr lang="en" u="sng">
+                <a:solidFill>
+                  <a:schemeClr val="hlink"/>
+                </a:solidFill>
+                <a:hlinkClick r:id="rId5"/>
+              </a:rPr>
+              <a:t>Lambda execution context</a:t>
+            </a:r>
+            <a:endParaRPr>
+              <a:solidFill>
+                <a:schemeClr val="accent1"/>
+              </a:solidFill>
+            </a:endParaRPr>
+          </a:p>
+          <a:p>
+            <a:pPr indent="-361950" lvl="0" marL="457200" rtl="0" algn="l">
+              <a:spcBef>
+                <a:spcPts val="0"/>
+              </a:spcBef>
+              <a:spcAft>
+                <a:spcPts val="0"/>
+              </a:spcAft>
+              <a:buClr>
+                <a:schemeClr val="accent1"/>
+              </a:buClr>
+              <a:buSzPts val="2100"/>
+              <a:buChar char="●"/>
+            </a:pPr>
+            <a:r>
+              <a:rPr lang="en" u="sng">
+                <a:solidFill>
+                  <a:schemeClr val="hlink"/>
+                </a:solidFill>
+                <a:hlinkClick r:id="rId6"/>
+              </a:rPr>
+              <a:t>API Gateway (REST)</a:t>
             </a:r>
             <a:endParaRPr/>
+          </a:p>
+          <a:p>
+            <a:pPr indent="-361950" lvl="0" marL="457200" rtl="0" algn="l">
+              <a:spcBef>
+                <a:spcPts val="0"/>
+              </a:spcBef>
+              <a:spcAft>
+                <a:spcPts val="0"/>
+              </a:spcAft>
+              <a:buClr>
+                <a:schemeClr val="accent1"/>
+              </a:buClr>
+              <a:buSzPts val="2100"/>
+              <a:buChar char="●"/>
+            </a:pPr>
+            <a:r>
+              <a:rPr lang="en" u="sng">
+                <a:solidFill>
+                  <a:schemeClr val="hlink"/>
+                </a:solidFill>
+                <a:hlinkClick r:id="rId7"/>
+              </a:rPr>
+              <a:t>SSM Parameter Store</a:t>
+            </a:r>
+            <a:endParaRPr/>
+          </a:p>
+          <a:p>
+            <a:pPr indent="-361950" lvl="0" marL="457200" rtl="0" algn="l">
+              <a:spcBef>
+                <a:spcPts val="0"/>
+              </a:spcBef>
+              <a:spcAft>
+                <a:spcPts val="0"/>
+              </a:spcAft>
+              <a:buClr>
+                <a:schemeClr val="accent1"/>
+              </a:buClr>
+              <a:buSzPts val="2100"/>
+              <a:buChar char="●"/>
+            </a:pPr>
+            <a:r>
+              <a:rPr lang="en" u="sng">
+                <a:solidFill>
+                  <a:schemeClr val="hlink"/>
+                </a:solidFill>
+                <a:hlinkClick r:id="rId8"/>
+              </a:rPr>
+              <a:t>Boto3</a:t>
+            </a:r>
+            <a:endParaRPr>
+              <a:solidFill>
+                <a:schemeClr val="accent1"/>
+              </a:solidFill>
+            </a:endParaRPr>
+          </a:p>
+          <a:p>
+            <a:pPr indent="-361950" lvl="0" marL="457200" rtl="0" algn="l">
+              <a:spcBef>
+                <a:spcPts val="0"/>
+              </a:spcBef>
+              <a:spcAft>
+                <a:spcPts val="0"/>
+              </a:spcAft>
+              <a:buClr>
+                <a:schemeClr val="accent1"/>
+              </a:buClr>
+              <a:buSzPts val="2100"/>
+              <a:buChar char="●"/>
+            </a:pPr>
+            <a:r>
+              <a:rPr lang="en" u="sng">
+                <a:solidFill>
+                  <a:schemeClr val="hlink"/>
+                </a:solidFill>
+                <a:hlinkClick r:id="rId9"/>
+              </a:rPr>
+              <a:t>https://github.com/wencakisa/django-meetup-serverless</a:t>
+            </a:r>
+            <a:endParaRPr>
+              <a:solidFill>
+                <a:schemeClr val="accent1"/>
+              </a:solidFill>
+            </a:endParaRPr>
           </a:p>
         </p:txBody>
       </p:sp>
       <p:grpSp>
         <p:nvGrpSpPr>
-          <p:cNvPr id="508" name="Google Shape;508;p41"/>
+          <p:cNvPr id="565" name="Google Shape;565;p48"/>
           <p:cNvGrpSpPr/>
           <p:nvPr/>
         </p:nvGrpSpPr>
         <p:grpSpPr>
           <a:xfrm>
-            <a:off x="425923" y="3848522"/>
-            <a:ext cx="433631" cy="636145"/>
-            <a:chOff x="504523" y="4365772"/>
-            <a:chExt cx="433631" cy="636145"/>
+            <a:off x="8046700" y="1375125"/>
+            <a:ext cx="465088" cy="406450"/>
+            <a:chOff x="8456375" y="862025"/>
+            <a:chExt cx="465088" cy="406450"/>
           </a:xfrm>
         </p:grpSpPr>
         <p:sp>
           <p:nvSpPr>
-            <p:cNvPr id="509" name="Google Shape;509;p41"/>
+            <p:cNvPr id="566" name="Google Shape;566;p48"/>
             <p:cNvSpPr/>
             <p:nvPr/>
           </p:nvSpPr>
           <p:spPr>
-            <a:xfrm rot="-4711628">
-              <a:off x="646361" y="4708544"/>
-              <a:ext cx="261345" cy="275770"/>
+            <a:xfrm>
+              <a:off x="8456375" y="862025"/>
+              <a:ext cx="261350" cy="275775"/>
             </a:xfrm>
             <a:custGeom>
               <a:rect b="b" l="l" r="r" t="t"/>
@@ -40965,7 +43323,926 @@
         </p:sp>
         <p:sp>
           <p:nvSpPr>
-            <p:cNvPr id="510" name="Google Shape;510;p41"/>
+            <p:cNvPr id="567" name="Google Shape;567;p48"/>
+            <p:cNvSpPr/>
+            <p:nvPr/>
+          </p:nvSpPr>
+          <p:spPr>
+            <a:xfrm>
+              <a:off x="8797038" y="1137800"/>
+              <a:ext cx="124425" cy="130675"/>
+            </a:xfrm>
+            <a:custGeom>
+              <a:rect b="b" l="l" r="r" t="t"/>
+              <a:pathLst>
+                <a:path extrusionOk="0" h="5227" w="4977">
+                  <a:moveTo>
+                    <a:pt x="2637" y="0"/>
+                  </a:moveTo>
+                  <a:cubicBezTo>
+                    <a:pt x="1479" y="0"/>
+                    <a:pt x="323" y="1367"/>
+                    <a:pt x="60" y="2400"/>
+                  </a:cubicBezTo>
+                  <a:cubicBezTo>
+                    <a:pt x="12" y="2578"/>
+                    <a:pt x="0" y="2757"/>
+                    <a:pt x="12" y="2935"/>
+                  </a:cubicBezTo>
+                  <a:cubicBezTo>
+                    <a:pt x="95" y="3709"/>
+                    <a:pt x="703" y="4412"/>
+                    <a:pt x="1286" y="4852"/>
+                  </a:cubicBezTo>
+                  <a:cubicBezTo>
+                    <a:pt x="1601" y="5114"/>
+                    <a:pt x="1956" y="5227"/>
+                    <a:pt x="2313" y="5227"/>
+                  </a:cubicBezTo>
+                  <a:cubicBezTo>
+                    <a:pt x="3078" y="5227"/>
+                    <a:pt x="3849" y="4709"/>
+                    <a:pt x="4239" y="4019"/>
+                  </a:cubicBezTo>
+                  <a:cubicBezTo>
+                    <a:pt x="4977" y="2769"/>
+                    <a:pt x="4572" y="387"/>
+                    <a:pt x="2929" y="30"/>
+                  </a:cubicBezTo>
+                  <a:cubicBezTo>
+                    <a:pt x="2832" y="10"/>
+                    <a:pt x="2735" y="0"/>
+                    <a:pt x="2637" y="0"/>
+                  </a:cubicBezTo>
+                  <a:close/>
+                </a:path>
+              </a:pathLst>
+            </a:custGeom>
+            <a:solidFill>
+              <a:srgbClr val="FEE8DD"/>
+            </a:solidFill>
+            <a:ln>
+              <a:noFill/>
+            </a:ln>
+          </p:spPr>
+          <p:txBody>
+            <a:bodyPr anchorCtr="0" anchor="ctr" bIns="91425" lIns="91425" spcFirstLastPara="1" rIns="91425" wrap="square" tIns="91425">
+              <a:noAutofit/>
+            </a:bodyPr>
+            <a:lstStyle/>
+            <a:p>
+              <a:pPr indent="0" lvl="0" marL="0" rtl="0" algn="l">
+                <a:spcBef>
+                  <a:spcPts val="0"/>
+                </a:spcBef>
+                <a:spcAft>
+                  <a:spcPts val="0"/>
+                </a:spcAft>
+                <a:buNone/>
+              </a:pPr>
+              <a:r>
+                <a:t/>
+              </a:r>
+              <a:endParaRPr/>
+            </a:p>
+          </p:txBody>
+        </p:sp>
+      </p:grpSp>
+      <p:sp>
+        <p:nvSpPr>
+          <p:cNvPr id="568" name="Google Shape;568;p48"/>
+          <p:cNvSpPr/>
+          <p:nvPr/>
+        </p:nvSpPr>
+        <p:spPr>
+          <a:xfrm>
+            <a:off x="-139250" y="4091100"/>
+            <a:ext cx="2800315" cy="1471854"/>
+          </a:xfrm>
+          <a:custGeom>
+            <a:rect b="b" l="l" r="r" t="t"/>
+            <a:pathLst>
+              <a:path extrusionOk="0" h="21853" w="41577">
+                <a:moveTo>
+                  <a:pt x="30840" y="0"/>
+                </a:moveTo>
+                <a:cubicBezTo>
+                  <a:pt x="26515" y="0"/>
+                  <a:pt x="23331" y="3335"/>
+                  <a:pt x="19154" y="3335"/>
+                </a:cubicBezTo>
+                <a:cubicBezTo>
+                  <a:pt x="18562" y="3335"/>
+                  <a:pt x="17950" y="3268"/>
+                  <a:pt x="17312" y="3115"/>
+                </a:cubicBezTo>
+                <a:cubicBezTo>
+                  <a:pt x="15331" y="2636"/>
+                  <a:pt x="13522" y="2380"/>
+                  <a:pt x="11884" y="2380"/>
+                </a:cubicBezTo>
+                <a:cubicBezTo>
+                  <a:pt x="8305" y="2380"/>
+                  <a:pt x="5547" y="3606"/>
+                  <a:pt x="3620" y="6425"/>
+                </a:cubicBezTo>
+                <a:cubicBezTo>
+                  <a:pt x="786" y="10532"/>
+                  <a:pt x="0" y="19045"/>
+                  <a:pt x="5739" y="21188"/>
+                </a:cubicBezTo>
+                <a:cubicBezTo>
+                  <a:pt x="5739" y="21188"/>
+                  <a:pt x="7469" y="21852"/>
+                  <a:pt x="9909" y="21852"/>
+                </a:cubicBezTo>
+                <a:cubicBezTo>
+                  <a:pt x="12294" y="21852"/>
+                  <a:pt x="15356" y="21218"/>
+                  <a:pt x="18145" y="18712"/>
+                </a:cubicBezTo>
+                <a:cubicBezTo>
+                  <a:pt x="23777" y="13628"/>
+                  <a:pt x="30087" y="16521"/>
+                  <a:pt x="35147" y="13306"/>
+                </a:cubicBezTo>
+                <a:cubicBezTo>
+                  <a:pt x="40219" y="10080"/>
+                  <a:pt x="41577" y="3841"/>
+                  <a:pt x="34481" y="793"/>
+                </a:cubicBezTo>
+                <a:cubicBezTo>
+                  <a:pt x="33165" y="226"/>
+                  <a:pt x="31964" y="0"/>
+                  <a:pt x="30840" y="0"/>
+                </a:cubicBezTo>
+                <a:close/>
+              </a:path>
+            </a:pathLst>
+          </a:custGeom>
+          <a:solidFill>
+            <a:schemeClr val="accent1"/>
+          </a:solidFill>
+          <a:ln>
+            <a:noFill/>
+          </a:ln>
+        </p:spPr>
+        <p:txBody>
+          <a:bodyPr anchorCtr="0" anchor="ctr" bIns="91425" lIns="91425" spcFirstLastPara="1" rIns="91425" wrap="square" tIns="91425">
+            <a:noAutofit/>
+          </a:bodyPr>
+          <a:lstStyle/>
+          <a:p>
+            <a:pPr indent="0" lvl="0" marL="0" rtl="0" algn="l">
+              <a:spcBef>
+                <a:spcPts val="0"/>
+              </a:spcBef>
+              <a:spcAft>
+                <a:spcPts val="0"/>
+              </a:spcAft>
+              <a:buNone/>
+            </a:pPr>
+            <a:r>
+              <a:t/>
+            </a:r>
+            <a:endParaRPr/>
+          </a:p>
+        </p:txBody>
+      </p:sp>
+      <p:sp>
+        <p:nvSpPr>
+          <p:cNvPr id="569" name="Google Shape;569;p48"/>
+          <p:cNvSpPr/>
+          <p:nvPr/>
+        </p:nvSpPr>
+        <p:spPr>
+          <a:xfrm rot="9899904">
+            <a:off x="7723418" y="3391385"/>
+            <a:ext cx="1657194" cy="1583982"/>
+          </a:xfrm>
+          <a:custGeom>
+            <a:rect b="b" l="l" r="r" t="t"/>
+            <a:pathLst>
+              <a:path extrusionOk="0" fill="none" h="33470" w="35017">
+                <a:moveTo>
+                  <a:pt x="33433" y="1"/>
+                </a:moveTo>
+                <a:cubicBezTo>
+                  <a:pt x="33433" y="1"/>
+                  <a:pt x="35017" y="7323"/>
+                  <a:pt x="29980" y="9847"/>
+                </a:cubicBezTo>
+                <a:cubicBezTo>
+                  <a:pt x="24956" y="12383"/>
+                  <a:pt x="18848" y="13467"/>
+                  <a:pt x="16074" y="22587"/>
+                </a:cubicBezTo>
+                <a:cubicBezTo>
+                  <a:pt x="13276" y="31731"/>
+                  <a:pt x="4953" y="33469"/>
+                  <a:pt x="0" y="29719"/>
+                </a:cubicBezTo>
+              </a:path>
+            </a:pathLst>
+          </a:custGeom>
+          <a:solidFill>
+            <a:schemeClr val="lt2"/>
+          </a:solidFill>
+          <a:ln cap="flat" cmpd="sng" w="19050">
+            <a:solidFill>
+              <a:schemeClr val="lt2"/>
+            </a:solidFill>
+            <a:prstDash val="solid"/>
+            <a:miter lim="11906"/>
+            <a:headEnd len="sm" w="sm" type="none"/>
+            <a:tailEnd len="sm" w="sm" type="none"/>
+          </a:ln>
+        </p:spPr>
+        <p:txBody>
+          <a:bodyPr anchorCtr="0" anchor="ctr" bIns="91425" lIns="91425" spcFirstLastPara="1" rIns="91425" wrap="square" tIns="91425">
+            <a:noAutofit/>
+          </a:bodyPr>
+          <a:lstStyle/>
+          <a:p>
+            <a:pPr indent="0" lvl="0" marL="0" rtl="0" algn="l">
+              <a:spcBef>
+                <a:spcPts val="0"/>
+              </a:spcBef>
+              <a:spcAft>
+                <a:spcPts val="0"/>
+              </a:spcAft>
+              <a:buNone/>
+            </a:pPr>
+            <a:r>
+              <a:t/>
+            </a:r>
+            <a:endParaRPr/>
+          </a:p>
+        </p:txBody>
+      </p:sp>
+      <p:sp>
+        <p:nvSpPr>
+          <p:cNvPr id="570" name="Google Shape;570;p48"/>
+          <p:cNvSpPr/>
+          <p:nvPr/>
+        </p:nvSpPr>
+        <p:spPr>
+          <a:xfrm rot="-2088394">
+            <a:off x="761129" y="4262724"/>
+            <a:ext cx="2086151" cy="1335893"/>
+          </a:xfrm>
+          <a:custGeom>
+            <a:rect b="b" l="l" r="r" t="t"/>
+            <a:pathLst>
+              <a:path extrusionOk="0" h="30033" w="46900">
+                <a:moveTo>
+                  <a:pt x="9521" y="531"/>
+                </a:moveTo>
+                <a:cubicBezTo>
+                  <a:pt x="12017" y="531"/>
+                  <a:pt x="14876" y="1701"/>
+                  <a:pt x="17431" y="2959"/>
+                </a:cubicBezTo>
+                <a:cubicBezTo>
+                  <a:pt x="19598" y="4030"/>
+                  <a:pt x="21848" y="4995"/>
+                  <a:pt x="24015" y="5935"/>
+                </a:cubicBezTo>
+                <a:cubicBezTo>
+                  <a:pt x="28575" y="7900"/>
+                  <a:pt x="33278" y="9924"/>
+                  <a:pt x="37374" y="12865"/>
+                </a:cubicBezTo>
+                <a:cubicBezTo>
+                  <a:pt x="40779" y="15306"/>
+                  <a:pt x="46304" y="20080"/>
+                  <a:pt x="45042" y="24604"/>
+                </a:cubicBezTo>
+                <a:cubicBezTo>
+                  <a:pt x="44458" y="26688"/>
+                  <a:pt x="42161" y="27807"/>
+                  <a:pt x="40839" y="28283"/>
+                </a:cubicBezTo>
+                <a:cubicBezTo>
+                  <a:pt x="40160" y="28533"/>
+                  <a:pt x="39458" y="28748"/>
+                  <a:pt x="38755" y="28926"/>
+                </a:cubicBezTo>
+                <a:cubicBezTo>
+                  <a:pt x="37516" y="29231"/>
+                  <a:pt x="35874" y="29498"/>
+                  <a:pt x="33914" y="29498"/>
+                </a:cubicBezTo>
+                <a:cubicBezTo>
+                  <a:pt x="29679" y="29498"/>
+                  <a:pt x="23959" y="28252"/>
+                  <a:pt x="17610" y="23449"/>
+                </a:cubicBezTo>
+                <a:cubicBezTo>
+                  <a:pt x="17300" y="23211"/>
+                  <a:pt x="16979" y="22973"/>
+                  <a:pt x="16645" y="22723"/>
+                </a:cubicBezTo>
+                <a:cubicBezTo>
+                  <a:pt x="11073" y="18532"/>
+                  <a:pt x="691" y="10734"/>
+                  <a:pt x="4418" y="3614"/>
+                </a:cubicBezTo>
+                <a:cubicBezTo>
+                  <a:pt x="5605" y="1348"/>
+                  <a:pt x="7436" y="531"/>
+                  <a:pt x="9521" y="531"/>
+                </a:cubicBezTo>
+                <a:close/>
+                <a:moveTo>
+                  <a:pt x="9562" y="0"/>
+                </a:moveTo>
+                <a:cubicBezTo>
+                  <a:pt x="7360" y="0"/>
+                  <a:pt x="5267" y="823"/>
+                  <a:pt x="3941" y="3340"/>
+                </a:cubicBezTo>
+                <a:cubicBezTo>
+                  <a:pt x="0" y="10876"/>
+                  <a:pt x="10633" y="18854"/>
+                  <a:pt x="16324" y="23140"/>
+                </a:cubicBezTo>
+                <a:cubicBezTo>
+                  <a:pt x="16669" y="23390"/>
+                  <a:pt x="17003" y="23640"/>
+                  <a:pt x="17300" y="23866"/>
+                </a:cubicBezTo>
+                <a:cubicBezTo>
+                  <a:pt x="23758" y="28756"/>
+                  <a:pt x="29590" y="30033"/>
+                  <a:pt x="33914" y="30033"/>
+                </a:cubicBezTo>
+                <a:cubicBezTo>
+                  <a:pt x="35928" y="30033"/>
+                  <a:pt x="37615" y="29756"/>
+                  <a:pt x="38886" y="29438"/>
+                </a:cubicBezTo>
+                <a:cubicBezTo>
+                  <a:pt x="39601" y="29272"/>
+                  <a:pt x="40315" y="29045"/>
+                  <a:pt x="41018" y="28795"/>
+                </a:cubicBezTo>
+                <a:cubicBezTo>
+                  <a:pt x="41899" y="28474"/>
+                  <a:pt x="42911" y="27998"/>
+                  <a:pt x="43756" y="27319"/>
+                </a:cubicBezTo>
+                <a:cubicBezTo>
+                  <a:pt x="44577" y="26664"/>
+                  <a:pt x="45244" y="25831"/>
+                  <a:pt x="45542" y="24759"/>
+                </a:cubicBezTo>
+                <a:cubicBezTo>
+                  <a:pt x="46899" y="19901"/>
+                  <a:pt x="41196" y="14948"/>
+                  <a:pt x="37684" y="12424"/>
+                </a:cubicBezTo>
+                <a:cubicBezTo>
+                  <a:pt x="33552" y="9448"/>
+                  <a:pt x="28814" y="7400"/>
+                  <a:pt x="24230" y="5423"/>
+                </a:cubicBezTo>
+                <a:cubicBezTo>
+                  <a:pt x="22063" y="4483"/>
+                  <a:pt x="19812" y="3518"/>
+                  <a:pt x="17669" y="2459"/>
+                </a:cubicBezTo>
+                <a:cubicBezTo>
+                  <a:pt x="15978" y="1630"/>
+                  <a:pt x="12662" y="0"/>
+                  <a:pt x="9562" y="0"/>
+                </a:cubicBezTo>
+                <a:close/>
+              </a:path>
+            </a:pathLst>
+          </a:custGeom>
+          <a:solidFill>
+            <a:schemeClr val="lt2"/>
+          </a:solidFill>
+          <a:ln>
+            <a:noFill/>
+          </a:ln>
+        </p:spPr>
+        <p:txBody>
+          <a:bodyPr anchorCtr="0" anchor="ctr" bIns="91425" lIns="91425" spcFirstLastPara="1" rIns="91425" wrap="square" tIns="91425">
+            <a:noAutofit/>
+          </a:bodyPr>
+          <a:lstStyle/>
+          <a:p>
+            <a:pPr indent="0" lvl="0" marL="0" rtl="0" algn="l">
+              <a:spcBef>
+                <a:spcPts val="0"/>
+              </a:spcBef>
+              <a:spcAft>
+                <a:spcPts val="0"/>
+              </a:spcAft>
+              <a:buNone/>
+            </a:pPr>
+            <a:r>
+              <a:t/>
+            </a:r>
+            <a:endParaRPr/>
+          </a:p>
+        </p:txBody>
+      </p:sp>
+      <p:sp>
+        <p:nvSpPr>
+          <p:cNvPr id="571" name="Google Shape;571;p48"/>
+          <p:cNvSpPr/>
+          <p:nvPr/>
+        </p:nvSpPr>
+        <p:spPr>
+          <a:xfrm>
+            <a:off x="5242896" y="4188750"/>
+            <a:ext cx="134869" cy="121442"/>
+          </a:xfrm>
+          <a:custGeom>
+            <a:rect b="b" l="l" r="r" t="t"/>
+            <a:pathLst>
+              <a:path extrusionOk="0" h="7570" w="8407">
+                <a:moveTo>
+                  <a:pt x="3898" y="0"/>
+                </a:moveTo>
+                <a:cubicBezTo>
+                  <a:pt x="2417" y="0"/>
+                  <a:pt x="919" y="607"/>
+                  <a:pt x="298" y="1963"/>
+                </a:cubicBezTo>
+                <a:cubicBezTo>
+                  <a:pt x="36" y="2546"/>
+                  <a:pt x="1" y="3225"/>
+                  <a:pt x="155" y="3856"/>
+                </a:cubicBezTo>
+                <a:cubicBezTo>
+                  <a:pt x="179" y="4011"/>
+                  <a:pt x="227" y="4154"/>
+                  <a:pt x="262" y="4308"/>
+                </a:cubicBezTo>
+                <a:cubicBezTo>
+                  <a:pt x="536" y="5070"/>
+                  <a:pt x="1013" y="5725"/>
+                  <a:pt x="1536" y="6333"/>
+                </a:cubicBezTo>
+                <a:cubicBezTo>
+                  <a:pt x="2001" y="6868"/>
+                  <a:pt x="2537" y="7368"/>
+                  <a:pt x="3215" y="7523"/>
+                </a:cubicBezTo>
+                <a:cubicBezTo>
+                  <a:pt x="3358" y="7555"/>
+                  <a:pt x="3504" y="7570"/>
+                  <a:pt x="3650" y="7570"/>
+                </a:cubicBezTo>
+                <a:cubicBezTo>
+                  <a:pt x="4055" y="7570"/>
+                  <a:pt x="4464" y="7457"/>
+                  <a:pt x="4823" y="7273"/>
+                </a:cubicBezTo>
+                <a:cubicBezTo>
+                  <a:pt x="6561" y="6416"/>
+                  <a:pt x="8406" y="4130"/>
+                  <a:pt x="7632" y="2106"/>
+                </a:cubicBezTo>
+                <a:cubicBezTo>
+                  <a:pt x="7382" y="1427"/>
+                  <a:pt x="6835" y="879"/>
+                  <a:pt x="6192" y="534"/>
+                </a:cubicBezTo>
+                <a:cubicBezTo>
+                  <a:pt x="5534" y="186"/>
+                  <a:pt x="4719" y="0"/>
+                  <a:pt x="3898" y="0"/>
+                </a:cubicBezTo>
+                <a:close/>
+              </a:path>
+            </a:pathLst>
+          </a:custGeom>
+          <a:solidFill>
+            <a:schemeClr val="accent4"/>
+          </a:solidFill>
+          <a:ln>
+            <a:noFill/>
+          </a:ln>
+        </p:spPr>
+        <p:txBody>
+          <a:bodyPr anchorCtr="0" anchor="ctr" bIns="91425" lIns="91425" spcFirstLastPara="1" rIns="91425" wrap="square" tIns="91425">
+            <a:noAutofit/>
+          </a:bodyPr>
+          <a:lstStyle/>
+          <a:p>
+            <a:pPr indent="0" lvl="0" marL="0" rtl="0" algn="l">
+              <a:spcBef>
+                <a:spcPts val="0"/>
+              </a:spcBef>
+              <a:spcAft>
+                <a:spcPts val="0"/>
+              </a:spcAft>
+              <a:buNone/>
+            </a:pPr>
+            <a:r>
+              <a:t/>
+            </a:r>
+            <a:endParaRPr/>
+          </a:p>
+        </p:txBody>
+      </p:sp>
+      <p:sp>
+        <p:nvSpPr>
+          <p:cNvPr id="572" name="Google Shape;572;p48"/>
+          <p:cNvSpPr/>
+          <p:nvPr/>
+        </p:nvSpPr>
+        <p:spPr>
+          <a:xfrm rot="-5400000">
+            <a:off x="7569678" y="21382"/>
+            <a:ext cx="1652000" cy="1560000"/>
+          </a:xfrm>
+          <a:custGeom>
+            <a:rect b="b" l="l" r="r" t="t"/>
+            <a:pathLst>
+              <a:path extrusionOk="0" h="62400" w="66080">
+                <a:moveTo>
+                  <a:pt x="56682" y="0"/>
+                </a:moveTo>
+                <a:cubicBezTo>
+                  <a:pt x="56366" y="0"/>
+                  <a:pt x="56050" y="7"/>
+                  <a:pt x="55733" y="23"/>
+                </a:cubicBezTo>
+                <a:cubicBezTo>
+                  <a:pt x="31254" y="1178"/>
+                  <a:pt x="43768" y="31336"/>
+                  <a:pt x="24980" y="38754"/>
+                </a:cubicBezTo>
+                <a:cubicBezTo>
+                  <a:pt x="11228" y="44171"/>
+                  <a:pt x="3286" y="56291"/>
+                  <a:pt x="0" y="62399"/>
+                </a:cubicBezTo>
+                <a:lnTo>
+                  <a:pt x="66080" y="62399"/>
+                </a:lnTo>
+                <a:lnTo>
+                  <a:pt x="66080" y="2047"/>
+                </a:lnTo>
+                <a:cubicBezTo>
+                  <a:pt x="62995" y="748"/>
+                  <a:pt x="59842" y="0"/>
+                  <a:pt x="56682" y="0"/>
+                </a:cubicBezTo>
+                <a:close/>
+              </a:path>
+            </a:pathLst>
+          </a:custGeom>
+          <a:solidFill>
+            <a:schemeClr val="dk2"/>
+          </a:solidFill>
+          <a:ln>
+            <a:noFill/>
+          </a:ln>
+        </p:spPr>
+        <p:txBody>
+          <a:bodyPr anchorCtr="0" anchor="ctr" bIns="91425" lIns="91425" spcFirstLastPara="1" rIns="91425" wrap="square" tIns="91425">
+            <a:noAutofit/>
+          </a:bodyPr>
+          <a:lstStyle/>
+          <a:p>
+            <a:pPr indent="0" lvl="0" marL="0" rtl="0" algn="l">
+              <a:spcBef>
+                <a:spcPts val="0"/>
+              </a:spcBef>
+              <a:spcAft>
+                <a:spcPts val="0"/>
+              </a:spcAft>
+              <a:buNone/>
+            </a:pPr>
+            <a:r>
+              <a:t/>
+            </a:r>
+            <a:endParaRPr/>
+          </a:p>
+        </p:txBody>
+      </p:sp>
+      <p:sp>
+        <p:nvSpPr>
+          <p:cNvPr id="573" name="Google Shape;573;p48"/>
+          <p:cNvSpPr/>
+          <p:nvPr/>
+        </p:nvSpPr>
+        <p:spPr>
+          <a:xfrm rot="-2700000">
+            <a:off x="8632098" y="-238521"/>
+            <a:ext cx="698443" cy="967191"/>
+          </a:xfrm>
+          <a:custGeom>
+            <a:rect b="b" l="l" r="r" t="t"/>
+            <a:pathLst>
+              <a:path extrusionOk="0" h="38688" w="27938">
+                <a:moveTo>
+                  <a:pt x="18698" y="0"/>
+                </a:moveTo>
+                <a:cubicBezTo>
+                  <a:pt x="18662" y="0"/>
+                  <a:pt x="18627" y="1"/>
+                  <a:pt x="18591" y="2"/>
+                </a:cubicBezTo>
+                <a:cubicBezTo>
+                  <a:pt x="12721" y="288"/>
+                  <a:pt x="2184" y="2943"/>
+                  <a:pt x="1803" y="10277"/>
+                </a:cubicBezTo>
+                <a:cubicBezTo>
+                  <a:pt x="1660" y="13397"/>
+                  <a:pt x="3351" y="16004"/>
+                  <a:pt x="3982" y="18969"/>
+                </a:cubicBezTo>
+                <a:cubicBezTo>
+                  <a:pt x="4398" y="20933"/>
+                  <a:pt x="3589" y="21874"/>
+                  <a:pt x="2517" y="23434"/>
+                </a:cubicBezTo>
+                <a:cubicBezTo>
+                  <a:pt x="1553" y="24850"/>
+                  <a:pt x="850" y="26458"/>
+                  <a:pt x="708" y="28184"/>
+                </a:cubicBezTo>
+                <a:cubicBezTo>
+                  <a:pt x="0" y="35656"/>
+                  <a:pt x="7458" y="38688"/>
+                  <a:pt x="13791" y="38688"/>
+                </a:cubicBezTo>
+                <a:cubicBezTo>
+                  <a:pt x="14492" y="38688"/>
+                  <a:pt x="15179" y="38651"/>
+                  <a:pt x="15840" y="38578"/>
+                </a:cubicBezTo>
+                <a:cubicBezTo>
+                  <a:pt x="18924" y="38245"/>
+                  <a:pt x="22127" y="37364"/>
+                  <a:pt x="24449" y="35185"/>
+                </a:cubicBezTo>
+                <a:cubicBezTo>
+                  <a:pt x="27187" y="32625"/>
+                  <a:pt x="27782" y="28934"/>
+                  <a:pt x="27854" y="25362"/>
+                </a:cubicBezTo>
+                <a:cubicBezTo>
+                  <a:pt x="27937" y="20528"/>
+                  <a:pt x="26901" y="15718"/>
+                  <a:pt x="25615" y="11111"/>
+                </a:cubicBezTo>
+                <a:cubicBezTo>
+                  <a:pt x="24663" y="7670"/>
+                  <a:pt x="23937" y="3300"/>
+                  <a:pt x="20770" y="1193"/>
+                </a:cubicBezTo>
+                <a:cubicBezTo>
+                  <a:pt x="20413" y="502"/>
+                  <a:pt x="19733" y="0"/>
+                  <a:pt x="18698" y="0"/>
+                </a:cubicBezTo>
+                <a:close/>
+              </a:path>
+            </a:pathLst>
+          </a:custGeom>
+          <a:solidFill>
+            <a:schemeClr val="accent1"/>
+          </a:solidFill>
+          <a:ln>
+            <a:noFill/>
+          </a:ln>
+        </p:spPr>
+        <p:txBody>
+          <a:bodyPr anchorCtr="0" anchor="ctr" bIns="91425" lIns="91425" spcFirstLastPara="1" rIns="91425" wrap="square" tIns="91425">
+            <a:noAutofit/>
+          </a:bodyPr>
+          <a:lstStyle/>
+          <a:p>
+            <a:pPr indent="0" lvl="0" marL="0" rtl="0" algn="l">
+              <a:spcBef>
+                <a:spcPts val="0"/>
+              </a:spcBef>
+              <a:spcAft>
+                <a:spcPts val="0"/>
+              </a:spcAft>
+              <a:buNone/>
+            </a:pPr>
+            <a:r>
+              <a:t/>
+            </a:r>
+            <a:endParaRPr/>
+          </a:p>
+        </p:txBody>
+      </p:sp>
+      <p:sp>
+        <p:nvSpPr>
+          <p:cNvPr id="574" name="Google Shape;574;p48"/>
+          <p:cNvSpPr/>
+          <p:nvPr/>
+        </p:nvSpPr>
+        <p:spPr>
+          <a:xfrm>
+            <a:off x="4981325" y="4548800"/>
+            <a:ext cx="210175" cy="189250"/>
+          </a:xfrm>
+          <a:custGeom>
+            <a:rect b="b" l="l" r="r" t="t"/>
+            <a:pathLst>
+              <a:path extrusionOk="0" h="7570" w="8407">
+                <a:moveTo>
+                  <a:pt x="3898" y="0"/>
+                </a:moveTo>
+                <a:cubicBezTo>
+                  <a:pt x="2417" y="0"/>
+                  <a:pt x="919" y="607"/>
+                  <a:pt x="298" y="1963"/>
+                </a:cubicBezTo>
+                <a:cubicBezTo>
+                  <a:pt x="36" y="2546"/>
+                  <a:pt x="1" y="3225"/>
+                  <a:pt x="155" y="3856"/>
+                </a:cubicBezTo>
+                <a:cubicBezTo>
+                  <a:pt x="179" y="4011"/>
+                  <a:pt x="227" y="4154"/>
+                  <a:pt x="262" y="4308"/>
+                </a:cubicBezTo>
+                <a:cubicBezTo>
+                  <a:pt x="536" y="5070"/>
+                  <a:pt x="1013" y="5725"/>
+                  <a:pt x="1536" y="6333"/>
+                </a:cubicBezTo>
+                <a:cubicBezTo>
+                  <a:pt x="2001" y="6868"/>
+                  <a:pt x="2537" y="7368"/>
+                  <a:pt x="3215" y="7523"/>
+                </a:cubicBezTo>
+                <a:cubicBezTo>
+                  <a:pt x="3358" y="7555"/>
+                  <a:pt x="3504" y="7570"/>
+                  <a:pt x="3650" y="7570"/>
+                </a:cubicBezTo>
+                <a:cubicBezTo>
+                  <a:pt x="4055" y="7570"/>
+                  <a:pt x="4464" y="7457"/>
+                  <a:pt x="4823" y="7273"/>
+                </a:cubicBezTo>
+                <a:cubicBezTo>
+                  <a:pt x="6561" y="6416"/>
+                  <a:pt x="8406" y="4130"/>
+                  <a:pt x="7632" y="2106"/>
+                </a:cubicBezTo>
+                <a:cubicBezTo>
+                  <a:pt x="7382" y="1427"/>
+                  <a:pt x="6835" y="879"/>
+                  <a:pt x="6192" y="534"/>
+                </a:cubicBezTo>
+                <a:cubicBezTo>
+                  <a:pt x="5534" y="186"/>
+                  <a:pt x="4719" y="0"/>
+                  <a:pt x="3898" y="0"/>
+                </a:cubicBezTo>
+                <a:close/>
+              </a:path>
+            </a:pathLst>
+          </a:custGeom>
+          <a:solidFill>
+            <a:schemeClr val="accent4"/>
+          </a:solidFill>
+          <a:ln>
+            <a:noFill/>
+          </a:ln>
+        </p:spPr>
+        <p:txBody>
+          <a:bodyPr anchorCtr="0" anchor="ctr" bIns="91425" lIns="91425" spcFirstLastPara="1" rIns="91425" wrap="square" tIns="91425">
+            <a:noAutofit/>
+          </a:bodyPr>
+          <a:lstStyle/>
+          <a:p>
+            <a:pPr indent="0" lvl="0" marL="0" rtl="0" algn="l">
+              <a:spcBef>
+                <a:spcPts val="0"/>
+              </a:spcBef>
+              <a:spcAft>
+                <a:spcPts val="0"/>
+              </a:spcAft>
+              <a:buNone/>
+            </a:pPr>
+            <a:r>
+              <a:t/>
+            </a:r>
+            <a:endParaRPr/>
+          </a:p>
+        </p:txBody>
+      </p:sp>
+      <p:grpSp>
+        <p:nvGrpSpPr>
+          <p:cNvPr id="575" name="Google Shape;575;p48"/>
+          <p:cNvGrpSpPr/>
+          <p:nvPr/>
+        </p:nvGrpSpPr>
+        <p:grpSpPr>
+          <a:xfrm>
+            <a:off x="425923" y="3848522"/>
+            <a:ext cx="433631" cy="636145"/>
+            <a:chOff x="504523" y="4365772"/>
+            <a:chExt cx="433631" cy="636145"/>
+          </a:xfrm>
+        </p:grpSpPr>
+        <p:sp>
+          <p:nvSpPr>
+            <p:cNvPr id="576" name="Google Shape;576;p48"/>
+            <p:cNvSpPr/>
+            <p:nvPr/>
+          </p:nvSpPr>
+          <p:spPr>
+            <a:xfrm rot="-4711628">
+              <a:off x="646361" y="4708544"/>
+              <a:ext cx="261345" cy="275770"/>
+            </a:xfrm>
+            <a:custGeom>
+              <a:rect b="b" l="l" r="r" t="t"/>
+              <a:pathLst>
+                <a:path extrusionOk="0" h="11031" w="10454">
+                  <a:moveTo>
+                    <a:pt x="5522" y="0"/>
+                  </a:moveTo>
+                  <a:cubicBezTo>
+                    <a:pt x="3080" y="0"/>
+                    <a:pt x="644" y="2880"/>
+                    <a:pt x="119" y="5047"/>
+                  </a:cubicBezTo>
+                  <a:cubicBezTo>
+                    <a:pt x="12" y="5428"/>
+                    <a:pt x="0" y="5809"/>
+                    <a:pt x="24" y="6178"/>
+                  </a:cubicBezTo>
+                  <a:cubicBezTo>
+                    <a:pt x="179" y="7797"/>
+                    <a:pt x="1453" y="9261"/>
+                    <a:pt x="2691" y="10250"/>
+                  </a:cubicBezTo>
+                  <a:cubicBezTo>
+                    <a:pt x="3360" y="10794"/>
+                    <a:pt x="4111" y="11030"/>
+                    <a:pt x="4864" y="11030"/>
+                  </a:cubicBezTo>
+                  <a:cubicBezTo>
+                    <a:pt x="6481" y="11030"/>
+                    <a:pt x="8105" y="9942"/>
+                    <a:pt x="8942" y="8488"/>
+                  </a:cubicBezTo>
+                  <a:cubicBezTo>
+                    <a:pt x="10454" y="5832"/>
+                    <a:pt x="9608" y="832"/>
+                    <a:pt x="6167" y="70"/>
+                  </a:cubicBezTo>
+                  <a:cubicBezTo>
+                    <a:pt x="5953" y="23"/>
+                    <a:pt x="5738" y="0"/>
+                    <a:pt x="5522" y="0"/>
+                  </a:cubicBezTo>
+                  <a:close/>
+                </a:path>
+              </a:pathLst>
+            </a:custGeom>
+            <a:solidFill>
+              <a:srgbClr val="FEE8DD"/>
+            </a:solidFill>
+            <a:ln>
+              <a:noFill/>
+            </a:ln>
+          </p:spPr>
+          <p:txBody>
+            <a:bodyPr anchorCtr="0" anchor="ctr" bIns="91425" lIns="91425" spcFirstLastPara="1" rIns="91425" wrap="square" tIns="91425">
+              <a:noAutofit/>
+            </a:bodyPr>
+            <a:lstStyle/>
+            <a:p>
+              <a:pPr indent="0" lvl="0" marL="0" rtl="0" algn="l">
+                <a:spcBef>
+                  <a:spcPts val="0"/>
+                </a:spcBef>
+                <a:spcAft>
+                  <a:spcPts val="0"/>
+                </a:spcAft>
+                <a:buNone/>
+              </a:pPr>
+              <a:r>
+                <a:t/>
+              </a:r>
+              <a:endParaRPr/>
+            </a:p>
+          </p:txBody>
+        </p:sp>
+        <p:sp>
+          <p:nvSpPr>
+            <p:cNvPr id="577" name="Google Shape;577;p48"/>
             <p:cNvSpPr/>
             <p:nvPr/>
           </p:nvSpPr>
@@ -41052,7 +44329,7 @@
       </p:grpSp>
       <p:grpSp>
         <p:nvGrpSpPr>
-          <p:cNvPr id="511" name="Google Shape;511;p41"/>
+          <p:cNvPr id="578" name="Google Shape;578;p48"/>
           <p:cNvGrpSpPr/>
           <p:nvPr/>
         </p:nvGrpSpPr>
@@ -41066,7 +44343,7 @@
         </p:grpSpPr>
         <p:sp>
           <p:nvSpPr>
-            <p:cNvPr id="512" name="Google Shape;512;p41"/>
+            <p:cNvPr id="579" name="Google Shape;579;p48"/>
             <p:cNvSpPr/>
             <p:nvPr/>
           </p:nvSpPr>
@@ -41137,7 +44414,7 @@
         </p:sp>
         <p:sp>
           <p:nvSpPr>
-            <p:cNvPr id="513" name="Google Shape;513;p41"/>
+            <p:cNvPr id="580" name="Google Shape;580;p48"/>
             <p:cNvSpPr/>
             <p:nvPr/>
           </p:nvSpPr>
@@ -41208,7 +44485,7 @@
         </p:sp>
         <p:sp>
           <p:nvSpPr>
-            <p:cNvPr id="514" name="Google Shape;514;p41"/>
+            <p:cNvPr id="581" name="Google Shape;581;p48"/>
             <p:cNvSpPr/>
             <p:nvPr/>
           </p:nvSpPr>
@@ -41279,7 +44556,7 @@
         </p:sp>
         <p:sp>
           <p:nvSpPr>
-            <p:cNvPr id="515" name="Google Shape;515;p41"/>
+            <p:cNvPr id="582" name="Google Shape;582;p48"/>
             <p:cNvSpPr/>
             <p:nvPr/>
           </p:nvSpPr>
@@ -41350,7 +44627,7 @@
         </p:sp>
         <p:sp>
           <p:nvSpPr>
-            <p:cNvPr id="516" name="Google Shape;516;p41"/>
+            <p:cNvPr id="583" name="Google Shape;583;p48"/>
             <p:cNvSpPr/>
             <p:nvPr/>
           </p:nvSpPr>
@@ -41421,7 +44698,7 @@
         </p:sp>
         <p:sp>
           <p:nvSpPr>
-            <p:cNvPr id="517" name="Google Shape;517;p41"/>
+            <p:cNvPr id="584" name="Google Shape;584;p48"/>
             <p:cNvSpPr/>
             <p:nvPr/>
           </p:nvSpPr>
@@ -41492,7 +44769,7 @@
         </p:sp>
         <p:sp>
           <p:nvSpPr>
-            <p:cNvPr id="518" name="Google Shape;518;p41"/>
+            <p:cNvPr id="585" name="Google Shape;585;p48"/>
             <p:cNvSpPr/>
             <p:nvPr/>
           </p:nvSpPr>
@@ -41563,7 +44840,7 @@
         </p:sp>
         <p:sp>
           <p:nvSpPr>
-            <p:cNvPr id="519" name="Google Shape;519;p41"/>
+            <p:cNvPr id="586" name="Google Shape;586;p48"/>
             <p:cNvSpPr/>
             <p:nvPr/>
           </p:nvSpPr>
@@ -41634,7 +44911,7 @@
         </p:sp>
         <p:sp>
           <p:nvSpPr>
-            <p:cNvPr id="520" name="Google Shape;520;p41"/>
+            <p:cNvPr id="587" name="Google Shape;587;p48"/>
             <p:cNvSpPr/>
             <p:nvPr/>
           </p:nvSpPr>
@@ -41705,7 +44982,7 @@
         </p:sp>
         <p:sp>
           <p:nvSpPr>
-            <p:cNvPr id="521" name="Google Shape;521;p41"/>
+            <p:cNvPr id="588" name="Google Shape;588;p48"/>
             <p:cNvSpPr/>
             <p:nvPr/>
           </p:nvSpPr>
@@ -41776,7 +45053,7 @@
         </p:sp>
         <p:sp>
           <p:nvSpPr>
-            <p:cNvPr id="522" name="Google Shape;522;p41"/>
+            <p:cNvPr id="589" name="Google Shape;589;p48"/>
             <p:cNvSpPr/>
             <p:nvPr/>
           </p:nvSpPr>
@@ -41847,7 +45124,7 @@
         </p:sp>
         <p:sp>
           <p:nvSpPr>
-            <p:cNvPr id="523" name="Google Shape;523;p41"/>
+            <p:cNvPr id="590" name="Google Shape;590;p48"/>
             <p:cNvSpPr/>
             <p:nvPr/>
           </p:nvSpPr>
@@ -41918,7 +45195,7 @@
         </p:sp>
         <p:sp>
           <p:nvSpPr>
-            <p:cNvPr id="524" name="Google Shape;524;p41"/>
+            <p:cNvPr id="591" name="Google Shape;591;p48"/>
             <p:cNvSpPr/>
             <p:nvPr/>
           </p:nvSpPr>
@@ -41989,7 +45266,7 @@
         </p:sp>
         <p:sp>
           <p:nvSpPr>
-            <p:cNvPr id="525" name="Google Shape;525;p41"/>
+            <p:cNvPr id="592" name="Google Shape;592;p48"/>
             <p:cNvSpPr/>
             <p:nvPr/>
           </p:nvSpPr>
@@ -42060,7 +45337,7 @@
         </p:sp>
         <p:sp>
           <p:nvSpPr>
-            <p:cNvPr id="526" name="Google Shape;526;p41"/>
+            <p:cNvPr id="593" name="Google Shape;593;p48"/>
             <p:cNvSpPr/>
             <p:nvPr/>
           </p:nvSpPr>
@@ -42131,7 +45408,7 @@
         </p:sp>
         <p:sp>
           <p:nvSpPr>
-            <p:cNvPr id="527" name="Google Shape;527;p41"/>
+            <p:cNvPr id="594" name="Google Shape;594;p48"/>
             <p:cNvSpPr/>
             <p:nvPr/>
           </p:nvSpPr>
@@ -42202,7 +45479,7 @@
         </p:sp>
         <p:sp>
           <p:nvSpPr>
-            <p:cNvPr id="528" name="Google Shape;528;p41"/>
+            <p:cNvPr id="595" name="Google Shape;595;p48"/>
             <p:cNvSpPr/>
             <p:nvPr/>
           </p:nvSpPr>
@@ -42273,7 +45550,7 @@
         </p:sp>
         <p:sp>
           <p:nvSpPr>
-            <p:cNvPr id="529" name="Google Shape;529;p41"/>
+            <p:cNvPr id="596" name="Google Shape;596;p48"/>
             <p:cNvSpPr/>
             <p:nvPr/>
           </p:nvSpPr>
@@ -42344,7 +45621,7 @@
         </p:sp>
         <p:sp>
           <p:nvSpPr>
-            <p:cNvPr id="530" name="Google Shape;530;p41"/>
+            <p:cNvPr id="597" name="Google Shape;597;p48"/>
             <p:cNvSpPr/>
             <p:nvPr/>
           </p:nvSpPr>
@@ -42415,7 +45692,7 @@
         </p:sp>
         <p:sp>
           <p:nvSpPr>
-            <p:cNvPr id="531" name="Google Shape;531;p41"/>
+            <p:cNvPr id="598" name="Google Shape;598;p48"/>
             <p:cNvSpPr/>
             <p:nvPr/>
           </p:nvSpPr>
@@ -42486,7 +45763,7 @@
         </p:sp>
         <p:sp>
           <p:nvSpPr>
-            <p:cNvPr id="532" name="Google Shape;532;p41"/>
+            <p:cNvPr id="599" name="Google Shape;599;p48"/>
             <p:cNvSpPr/>
             <p:nvPr/>
           </p:nvSpPr>
@@ -42564,12 +45841,12 @@
 </p:sld>
 </file>
 
-<file path=ppt/slides/slide12.xml><?xml version="1.0" encoding="utf-8"?>
+<file path=ppt/slides/slide19.xml><?xml version="1.0" encoding="utf-8"?>
 <p:sld xmlns:a="http://schemas.openxmlformats.org/drawingml/2006/main" xmlns:r="http://schemas.openxmlformats.org/officeDocument/2006/relationships" xmlns:mc="http://schemas.openxmlformats.org/markup-compatibility/2006" xmlns:mv="urn:schemas-microsoft-com:mac:vml" xmlns:p="http://schemas.openxmlformats.org/presentationml/2006/main" xmlns:c="http://schemas.openxmlformats.org/drawingml/2006/chart" xmlns:dgm="http://schemas.openxmlformats.org/drawingml/2006/diagram" xmlns:o="urn:schemas-microsoft-com:office:office" xmlns:v="urn:schemas-microsoft-com:vml" xmlns:pvml="urn:schemas-microsoft-com:office:powerpoint" xmlns:com="http://schemas.openxmlformats.org/drawingml/2006/compatibility" xmlns:p14="http://schemas.microsoft.com/office/powerpoint/2010/main" xmlns:p15="http://schemas.microsoft.com/office/powerpoint/2012/main" xmlns:ahyp="http://schemas.microsoft.com/office/drawing/2018/hyperlinkcolor">
   <p:cSld>
     <p:spTree>
       <p:nvGrpSpPr>
-        <p:cNvPr id="536" name="Shape 536"/>
+        <p:cNvPr id="603" name="Shape 603"/>
         <p:cNvGrpSpPr/>
         <p:nvPr/>
       </p:nvGrpSpPr>
@@ -42583,7 +45860,7 @@
       </p:grpSpPr>
       <p:sp>
         <p:nvSpPr>
-          <p:cNvPr id="537" name="Google Shape;537;p42"/>
+          <p:cNvPr id="604" name="Google Shape;604;p49"/>
           <p:cNvSpPr/>
           <p:nvPr/>
         </p:nvSpPr>
@@ -42684,7 +45961,7 @@
       </p:sp>
       <p:sp>
         <p:nvSpPr>
-          <p:cNvPr id="538" name="Google Shape;538;p42"/>
+          <p:cNvPr id="605" name="Google Shape;605;p49"/>
           <p:cNvSpPr txBox="1"/>
           <p:nvPr>
             <p:ph type="ctrTitle"/>
@@ -42724,7 +46001,7 @@
       </p:sp>
       <p:sp>
         <p:nvSpPr>
-          <p:cNvPr id="539" name="Google Shape;539;p42"/>
+          <p:cNvPr id="606" name="Google Shape;606;p49"/>
           <p:cNvSpPr txBox="1"/>
           <p:nvPr>
             <p:ph idx="1" type="subTitle"/>
@@ -42774,7 +46051,7 @@
       </p:sp>
       <p:pic>
         <p:nvPicPr>
-          <p:cNvPr id="540" name="Google Shape;540;p42"/>
+          <p:cNvPr id="607" name="Google Shape;607;p49"/>
           <p:cNvPicPr preferRelativeResize="0"/>
           <p:nvPr/>
         </p:nvPicPr>
@@ -42802,7 +46079,7 @@
       </p:pic>
       <p:sp>
         <p:nvSpPr>
-          <p:cNvPr id="541" name="Google Shape;541;p42"/>
+          <p:cNvPr id="608" name="Google Shape;608;p49"/>
           <p:cNvSpPr txBox="1"/>
           <p:nvPr/>
         </p:nvSpPr>
@@ -42861,14 +46138,14 @@
       </p:sp>
       <p:sp>
         <p:nvSpPr>
-          <p:cNvPr id="542" name="Google Shape;542;p42"/>
+          <p:cNvPr id="609" name="Google Shape;609;p49"/>
           <p:cNvSpPr txBox="1"/>
           <p:nvPr/>
         </p:nvSpPr>
         <p:spPr>
           <a:xfrm>
             <a:off x="4859875" y="2932800"/>
-            <a:ext cx="2127000" cy="515700"/>
+            <a:ext cx="2083500" cy="515700"/>
           </a:xfrm>
           <a:prstGeom prst="rect">
             <a:avLst/>
@@ -42931,6 +46208,62 @@
           </a:p>
         </p:txBody>
       </p:sp>
+      <p:pic>
+        <p:nvPicPr>
+          <p:cNvPr id="610" name="Google Shape;610;p49"/>
+          <p:cNvPicPr preferRelativeResize="0"/>
+          <p:nvPr/>
+        </p:nvPicPr>
+        <p:blipFill>
+          <a:blip r:embed="rId7">
+            <a:alphaModFix/>
+          </a:blip>
+          <a:stretch>
+            <a:fillRect/>
+          </a:stretch>
+        </p:blipFill>
+        <p:spPr>
+          <a:xfrm>
+            <a:off x="2872412" y="4627175"/>
+            <a:ext cx="1038380" cy="234475"/>
+          </a:xfrm>
+          <a:prstGeom prst="rect">
+            <a:avLst/>
+          </a:prstGeom>
+          <a:noFill/>
+          <a:ln>
+            <a:noFill/>
+          </a:ln>
+        </p:spPr>
+      </p:pic>
+      <p:pic>
+        <p:nvPicPr>
+          <p:cNvPr id="611" name="Google Shape;611;p49"/>
+          <p:cNvPicPr preferRelativeResize="0"/>
+          <p:nvPr/>
+        </p:nvPicPr>
+        <p:blipFill>
+          <a:blip r:embed="rId8">
+            <a:alphaModFix/>
+          </a:blip>
+          <a:stretch>
+            <a:fillRect/>
+          </a:stretch>
+        </p:blipFill>
+        <p:spPr>
+          <a:xfrm>
+            <a:off x="5543150" y="4627182"/>
+            <a:ext cx="1124700" cy="234475"/>
+          </a:xfrm>
+          <a:prstGeom prst="rect">
+            <a:avLst/>
+          </a:prstGeom>
+          <a:noFill/>
+          <a:ln>
+            <a:noFill/>
+          </a:ln>
+        </p:spPr>
+      </p:pic>
     </p:spTree>
   </p:cSld>
   <p:clrMapOvr>
@@ -42944,7 +46277,7 @@
   <p:cSld>
     <p:spTree>
       <p:nvGrpSpPr>
-        <p:cNvPr id="400" name="Shape 400"/>
+        <p:cNvPr id="401" name="Shape 401"/>
         <p:cNvGrpSpPr/>
         <p:nvPr/>
       </p:nvGrpSpPr>
@@ -42958,7 +46291,7 @@
       </p:grpSpPr>
       <p:pic>
         <p:nvPicPr>
-          <p:cNvPr id="401" name="Google Shape;401;p32"/>
+          <p:cNvPr id="402" name="Google Shape;402;p32"/>
           <p:cNvPicPr preferRelativeResize="0"/>
           <p:nvPr/>
         </p:nvPicPr>
@@ -42985,7 +46318,7 @@
       </p:pic>
       <p:sp>
         <p:nvSpPr>
-          <p:cNvPr id="402" name="Google Shape;402;p32"/>
+          <p:cNvPr id="403" name="Google Shape;403;p32"/>
           <p:cNvSpPr/>
           <p:nvPr/>
         </p:nvSpPr>
@@ -43067,7 +46400,7 @@
       </p:sp>
       <p:sp>
         <p:nvSpPr>
-          <p:cNvPr id="403" name="Google Shape;403;p32"/>
+          <p:cNvPr id="404" name="Google Shape;404;p32"/>
           <p:cNvSpPr/>
           <p:nvPr/>
         </p:nvSpPr>
@@ -43168,7 +46501,7 @@
       </p:sp>
       <p:sp>
         <p:nvSpPr>
-          <p:cNvPr id="404" name="Google Shape;404;p32"/>
+          <p:cNvPr id="405" name="Google Shape;405;p32"/>
           <p:cNvSpPr txBox="1"/>
           <p:nvPr>
             <p:ph type="title"/>
@@ -43208,7 +46541,7 @@
       </p:sp>
       <p:sp>
         <p:nvSpPr>
-          <p:cNvPr id="405" name="Google Shape;405;p32"/>
+          <p:cNvPr id="406" name="Google Shape;406;p32"/>
           <p:cNvSpPr txBox="1"/>
           <p:nvPr>
             <p:ph idx="1" type="subTitle"/>
@@ -43248,7 +46581,7 @@
       </p:sp>
       <p:sp>
         <p:nvSpPr>
-          <p:cNvPr id="406" name="Google Shape;406;p32"/>
+          <p:cNvPr id="407" name="Google Shape;407;p32"/>
           <p:cNvSpPr txBox="1"/>
           <p:nvPr>
             <p:ph idx="2" type="subTitle"/>
@@ -43280,10 +46613,18 @@
               <a:buChar char="●"/>
             </a:pPr>
             <a:r>
+              <a:rPr b="1" lang="en"/>
+              <a:t>Software Developer</a:t>
+            </a:r>
+            <a:r>
               <a:rPr lang="en"/>
-              <a:t>Software Developer @ HackSoft</a:t>
+              <a:t> @ </a:t>
             </a:r>
-            <a:endParaRPr/>
+            <a:r>
+              <a:rPr b="1" lang="en"/>
+              <a:t>HackSoft</a:t>
+            </a:r>
+            <a:endParaRPr b="1"/>
           </a:p>
           <a:p>
             <a:pPr indent="-342900" lvl="0" marL="457200" rtl="0" algn="l">
@@ -43297,8 +46638,20 @@
               <a:buChar char="●"/>
             </a:pPr>
             <a:r>
+              <a:rPr b="1" lang="en"/>
+              <a:t>Python</a:t>
+            </a:r>
+            <a:r>
               <a:rPr lang="en"/>
-              <a:t>Python &amp; Django </a:t>
+              <a:t> &amp; </a:t>
+            </a:r>
+            <a:r>
+              <a:rPr b="1" lang="en"/>
+              <a:t>Django</a:t>
+            </a:r>
+            <a:r>
+              <a:rPr lang="en"/>
+              <a:t> </a:t>
             </a:r>
             <a:r>
               <a:rPr lang="en">
@@ -43323,7 +46676,15 @@
             </a:pPr>
             <a:r>
               <a:rPr lang="en"/>
-              <a:t>Interested in cloud computing &amp; dev-ops, especially using AWS.</a:t>
+              <a:t>Interested in cloud computing, especially using </a:t>
+            </a:r>
+            <a:r>
+              <a:rPr b="1" lang="en"/>
+              <a:t>AWS</a:t>
+            </a:r>
+            <a:r>
+              <a:rPr lang="en"/>
+              <a:t>.</a:t>
             </a:r>
             <a:endParaRPr/>
           </a:p>
@@ -43331,7 +46692,7 @@
       </p:sp>
       <p:sp>
         <p:nvSpPr>
-          <p:cNvPr id="407" name="Google Shape;407;p32"/>
+          <p:cNvPr id="408" name="Google Shape;408;p32"/>
           <p:cNvSpPr/>
           <p:nvPr/>
         </p:nvSpPr>
@@ -43417,7 +46778,7 @@
       </p:sp>
       <p:sp>
         <p:nvSpPr>
-          <p:cNvPr id="408" name="Google Shape;408;p32"/>
+          <p:cNvPr id="409" name="Google Shape;409;p32"/>
           <p:cNvSpPr/>
           <p:nvPr/>
         </p:nvSpPr>
@@ -43514,7 +46875,7 @@
   <p:cSld>
     <p:spTree>
       <p:nvGrpSpPr>
-        <p:cNvPr id="412" name="Shape 412"/>
+        <p:cNvPr id="413" name="Shape 413"/>
         <p:cNvGrpSpPr/>
         <p:nvPr/>
       </p:nvGrpSpPr>
@@ -43528,7 +46889,7 @@
       </p:grpSpPr>
       <p:sp>
         <p:nvSpPr>
-          <p:cNvPr id="413" name="Google Shape;413;p33"/>
+          <p:cNvPr id="414" name="Google Shape;414;p33"/>
           <p:cNvSpPr txBox="1"/>
           <p:nvPr>
             <p:ph type="title"/>
@@ -43568,7 +46929,7 @@
       </p:sp>
       <p:pic>
         <p:nvPicPr>
-          <p:cNvPr id="414" name="Google Shape;414;p33"/>
+          <p:cNvPr id="415" name="Google Shape;415;p33"/>
           <p:cNvPicPr preferRelativeResize="0"/>
           <p:nvPr/>
         </p:nvPicPr>
@@ -43594,6 +46955,180 @@
           </a:ln>
         </p:spPr>
       </p:pic>
+      <p:sp>
+        <p:nvSpPr>
+          <p:cNvPr id="416" name="Google Shape;416;p33"/>
+          <p:cNvSpPr txBox="1"/>
+          <p:nvPr/>
+        </p:nvSpPr>
+        <p:spPr>
+          <a:xfrm>
+            <a:off x="2179625" y="3978700"/>
+            <a:ext cx="761100" cy="300000"/>
+          </a:xfrm>
+          <a:prstGeom prst="rect">
+            <a:avLst/>
+          </a:prstGeom>
+          <a:noFill/>
+          <a:ln>
+            <a:noFill/>
+          </a:ln>
+        </p:spPr>
+        <p:txBody>
+          <a:bodyPr anchorCtr="0" anchor="ctr" bIns="91425" lIns="91425" spcFirstLastPara="1" rIns="91425" wrap="square" tIns="91425">
+            <a:noAutofit/>
+          </a:bodyPr>
+          <a:lstStyle/>
+          <a:p>
+            <a:pPr indent="0" lvl="0" marL="0" rtl="0" algn="ctr">
+              <a:spcBef>
+                <a:spcPts val="0"/>
+              </a:spcBef>
+              <a:spcAft>
+                <a:spcPts val="0"/>
+              </a:spcAft>
+              <a:buNone/>
+            </a:pPr>
+            <a:r>
+              <a:rPr lang="en" sz="1300">
+                <a:solidFill>
+                  <a:schemeClr val="dk2"/>
+                </a:solidFill>
+                <a:latin typeface="Varela Round"/>
+                <a:ea typeface="Varela Round"/>
+                <a:cs typeface="Varela Round"/>
+                <a:sym typeface="Varela Round"/>
+              </a:rPr>
+              <a:t>/cars</a:t>
+            </a:r>
+            <a:endParaRPr sz="1300">
+              <a:solidFill>
+                <a:schemeClr val="dk2"/>
+              </a:solidFill>
+              <a:latin typeface="Varela Round"/>
+              <a:ea typeface="Varela Round"/>
+              <a:cs typeface="Varela Round"/>
+              <a:sym typeface="Varela Round"/>
+            </a:endParaRPr>
+          </a:p>
+        </p:txBody>
+      </p:sp>
+      <p:sp>
+        <p:nvSpPr>
+          <p:cNvPr id="417" name="Google Shape;417;p33"/>
+          <p:cNvSpPr txBox="1"/>
+          <p:nvPr/>
+        </p:nvSpPr>
+        <p:spPr>
+          <a:xfrm>
+            <a:off x="4880725" y="4061875"/>
+            <a:ext cx="761100" cy="300000"/>
+          </a:xfrm>
+          <a:prstGeom prst="rect">
+            <a:avLst/>
+          </a:prstGeom>
+          <a:noFill/>
+          <a:ln>
+            <a:noFill/>
+          </a:ln>
+        </p:spPr>
+        <p:txBody>
+          <a:bodyPr anchorCtr="0" anchor="ctr" bIns="91425" lIns="91425" spcFirstLastPara="1" rIns="91425" wrap="square" tIns="91425">
+            <a:noAutofit/>
+          </a:bodyPr>
+          <a:lstStyle/>
+          <a:p>
+            <a:pPr indent="0" lvl="0" marL="0" rtl="0" algn="ctr">
+              <a:spcBef>
+                <a:spcPts val="0"/>
+              </a:spcBef>
+              <a:spcAft>
+                <a:spcPts val="0"/>
+              </a:spcAft>
+              <a:buNone/>
+            </a:pPr>
+            <a:r>
+              <a:rPr lang="en" sz="1300">
+                <a:solidFill>
+                  <a:schemeClr val="dk2"/>
+                </a:solidFill>
+                <a:latin typeface="Varela Round"/>
+                <a:ea typeface="Varela Round"/>
+                <a:cs typeface="Varela Round"/>
+                <a:sym typeface="Varela Round"/>
+              </a:rPr>
+              <a:t>listCars</a:t>
+            </a:r>
+            <a:endParaRPr sz="1300">
+              <a:solidFill>
+                <a:schemeClr val="dk2"/>
+              </a:solidFill>
+              <a:latin typeface="Varela Round"/>
+              <a:ea typeface="Varela Round"/>
+              <a:cs typeface="Varela Round"/>
+              <a:sym typeface="Varela Round"/>
+            </a:endParaRPr>
+          </a:p>
+        </p:txBody>
+      </p:sp>
+      <p:sp>
+        <p:nvSpPr>
+          <p:cNvPr id="418" name="Google Shape;418;p33"/>
+          <p:cNvSpPr txBox="1"/>
+          <p:nvPr/>
+        </p:nvSpPr>
+        <p:spPr>
+          <a:xfrm>
+            <a:off x="5431850" y="2645875"/>
+            <a:ext cx="1257000" cy="300000"/>
+          </a:xfrm>
+          <a:prstGeom prst="rect">
+            <a:avLst/>
+          </a:prstGeom>
+          <a:noFill/>
+          <a:ln>
+            <a:noFill/>
+          </a:ln>
+        </p:spPr>
+        <p:txBody>
+          <a:bodyPr anchorCtr="0" anchor="ctr" bIns="91425" lIns="91425" spcFirstLastPara="1" rIns="91425" wrap="square" tIns="91425">
+            <a:noAutofit/>
+          </a:bodyPr>
+          <a:lstStyle/>
+          <a:p>
+            <a:pPr indent="0" lvl="0" marL="0" rtl="0" algn="ctr">
+              <a:spcBef>
+                <a:spcPts val="0"/>
+              </a:spcBef>
+              <a:spcAft>
+                <a:spcPts val="0"/>
+              </a:spcAft>
+              <a:buNone/>
+            </a:pPr>
+            <a:r>
+              <a:rPr lang="en" sz="1300">
+                <a:solidFill>
+                  <a:schemeClr val="dk2"/>
+                </a:solidFill>
+                <a:latin typeface="Varela Round"/>
+                <a:ea typeface="Varela Round"/>
+                <a:cs typeface="Varela Round"/>
+                <a:sym typeface="Varela Round"/>
+              </a:rPr>
+              <a:t>cars-bucket</a:t>
+            </a:r>
+            <a:endParaRPr sz="1300">
+              <a:solidFill>
+                <a:schemeClr val="dk2"/>
+              </a:solidFill>
+              <a:latin typeface="Varela Round"/>
+              <a:ea typeface="Varela Round"/>
+              <a:cs typeface="Varela Round"/>
+              <a:sym typeface="Varela Round"/>
+            </a:endParaRPr>
+          </a:p>
+        </p:txBody>
+      </p:sp>
     </p:spTree>
   </p:cSld>
   <p:clrMapOvr>
@@ -43607,7 +47142,7 @@
   <p:cSld>
     <p:spTree>
       <p:nvGrpSpPr>
-        <p:cNvPr id="418" name="Shape 418"/>
+        <p:cNvPr id="422" name="Shape 422"/>
         <p:cNvGrpSpPr/>
         <p:nvPr/>
       </p:nvGrpSpPr>
@@ -43621,7 +47156,7 @@
       </p:grpSpPr>
       <p:sp>
         <p:nvSpPr>
-          <p:cNvPr id="419" name="Google Shape;419;p34"/>
+          <p:cNvPr id="423" name="Google Shape;423;p34"/>
           <p:cNvSpPr txBox="1"/>
           <p:nvPr>
             <p:ph type="title"/>
@@ -43661,7 +47196,7 @@
       </p:sp>
       <p:sp>
         <p:nvSpPr>
-          <p:cNvPr id="420" name="Google Shape;420;p34"/>
+          <p:cNvPr id="424" name="Google Shape;424;p34"/>
           <p:cNvSpPr txBox="1"/>
           <p:nvPr>
             <p:ph idx="1" type="subTitle"/>
@@ -43701,7 +47236,7 @@
       </p:sp>
       <p:grpSp>
         <p:nvGrpSpPr>
-          <p:cNvPr id="421" name="Google Shape;421;p34"/>
+          <p:cNvPr id="425" name="Google Shape;425;p34"/>
           <p:cNvGrpSpPr/>
           <p:nvPr/>
         </p:nvGrpSpPr>
@@ -43715,7 +47250,7 @@
         </p:grpSpPr>
         <p:sp>
           <p:nvSpPr>
-            <p:cNvPr id="422" name="Google Shape;422;p34"/>
+            <p:cNvPr id="426" name="Google Shape;426;p34"/>
             <p:cNvSpPr/>
             <p:nvPr/>
           </p:nvSpPr>
@@ -43801,7 +47336,7 @@
         </p:sp>
         <p:sp>
           <p:nvSpPr>
-            <p:cNvPr id="423" name="Google Shape;423;p34"/>
+            <p:cNvPr id="427" name="Google Shape;427;p34"/>
             <p:cNvSpPr/>
             <p:nvPr/>
           </p:nvSpPr>
@@ -43887,7 +47422,7 @@
         </p:sp>
         <p:sp>
           <p:nvSpPr>
-            <p:cNvPr id="424" name="Google Shape;424;p34"/>
+            <p:cNvPr id="428" name="Google Shape;428;p34"/>
             <p:cNvSpPr/>
             <p:nvPr/>
           </p:nvSpPr>
@@ -43974,7 +47509,7 @@
       </p:grpSp>
       <p:sp>
         <p:nvSpPr>
-          <p:cNvPr id="425" name="Google Shape;425;p34"/>
+          <p:cNvPr id="429" name="Google Shape;429;p34"/>
           <p:cNvSpPr/>
           <p:nvPr/>
         </p:nvSpPr>
@@ -44086,7 +47621,7 @@
   <p:cSld>
     <p:spTree>
       <p:nvGrpSpPr>
-        <p:cNvPr id="429" name="Shape 429"/>
+        <p:cNvPr id="433" name="Shape 433"/>
         <p:cNvGrpSpPr/>
         <p:nvPr/>
       </p:nvGrpSpPr>
@@ -44100,7 +47635,274 @@
       </p:grpSpPr>
       <p:sp>
         <p:nvSpPr>
-          <p:cNvPr id="430" name="Google Shape;430;p35"/>
+          <p:cNvPr id="434" name="Google Shape;434;p35"/>
+          <p:cNvSpPr txBox="1"/>
+          <p:nvPr>
+            <p:ph type="title"/>
+          </p:nvPr>
+        </p:nvSpPr>
+        <p:spPr>
+          <a:xfrm>
+            <a:off x="713250" y="372983"/>
+            <a:ext cx="7717500" cy="572700"/>
+          </a:xfrm>
+          <a:prstGeom prst="rect">
+            <a:avLst/>
+          </a:prstGeom>
+        </p:spPr>
+        <p:txBody>
+          <a:bodyPr anchorCtr="0" anchor="t" bIns="91425" lIns="91425" spcFirstLastPara="1" rIns="91425" wrap="square" tIns="91425">
+            <a:noAutofit/>
+          </a:bodyPr>
+          <a:lstStyle/>
+          <a:p>
+            <a:pPr indent="0" lvl="0" marL="0" rtl="0" algn="ctr">
+              <a:spcBef>
+                <a:spcPts val="0"/>
+              </a:spcBef>
+              <a:spcAft>
+                <a:spcPts val="0"/>
+              </a:spcAft>
+              <a:buNone/>
+            </a:pPr>
+            <a:r>
+              <a:rPr lang="en"/>
+              <a:t>Flow</a:t>
+            </a:r>
+            <a:endParaRPr b="0"/>
+          </a:p>
+        </p:txBody>
+      </p:sp>
+      <p:pic>
+        <p:nvPicPr>
+          <p:cNvPr id="435" name="Google Shape;435;p35"/>
+          <p:cNvPicPr preferRelativeResize="0"/>
+          <p:nvPr/>
+        </p:nvPicPr>
+        <p:blipFill>
+          <a:blip r:embed="rId3">
+            <a:alphaModFix/>
+          </a:blip>
+          <a:stretch>
+            <a:fillRect/>
+          </a:stretch>
+        </p:blipFill>
+        <p:spPr>
+          <a:xfrm>
+            <a:off x="568138" y="1098083"/>
+            <a:ext cx="8007723" cy="3893018"/>
+          </a:xfrm>
+          <a:prstGeom prst="rect">
+            <a:avLst/>
+          </a:prstGeom>
+          <a:noFill/>
+          <a:ln>
+            <a:noFill/>
+          </a:ln>
+        </p:spPr>
+      </p:pic>
+      <p:sp>
+        <p:nvSpPr>
+          <p:cNvPr id="436" name="Google Shape;436;p35"/>
+          <p:cNvSpPr txBox="1"/>
+          <p:nvPr/>
+        </p:nvSpPr>
+        <p:spPr>
+          <a:xfrm>
+            <a:off x="2179625" y="3978700"/>
+            <a:ext cx="761100" cy="300000"/>
+          </a:xfrm>
+          <a:prstGeom prst="rect">
+            <a:avLst/>
+          </a:prstGeom>
+          <a:noFill/>
+          <a:ln>
+            <a:noFill/>
+          </a:ln>
+        </p:spPr>
+        <p:txBody>
+          <a:bodyPr anchorCtr="0" anchor="ctr" bIns="91425" lIns="91425" spcFirstLastPara="1" rIns="91425" wrap="square" tIns="91425">
+            <a:noAutofit/>
+          </a:bodyPr>
+          <a:lstStyle/>
+          <a:p>
+            <a:pPr indent="0" lvl="0" marL="0" rtl="0" algn="ctr">
+              <a:spcBef>
+                <a:spcPts val="0"/>
+              </a:spcBef>
+              <a:spcAft>
+                <a:spcPts val="0"/>
+              </a:spcAft>
+              <a:buNone/>
+            </a:pPr>
+            <a:r>
+              <a:rPr lang="en" sz="1300">
+                <a:solidFill>
+                  <a:schemeClr val="dk2"/>
+                </a:solidFill>
+                <a:latin typeface="Varela Round"/>
+                <a:ea typeface="Varela Round"/>
+                <a:cs typeface="Varela Round"/>
+                <a:sym typeface="Varela Round"/>
+              </a:rPr>
+              <a:t>/cars</a:t>
+            </a:r>
+            <a:endParaRPr sz="1300">
+              <a:solidFill>
+                <a:schemeClr val="dk2"/>
+              </a:solidFill>
+              <a:latin typeface="Varela Round"/>
+              <a:ea typeface="Varela Round"/>
+              <a:cs typeface="Varela Round"/>
+              <a:sym typeface="Varela Round"/>
+            </a:endParaRPr>
+          </a:p>
+        </p:txBody>
+      </p:sp>
+      <p:sp>
+        <p:nvSpPr>
+          <p:cNvPr id="437" name="Google Shape;437;p35"/>
+          <p:cNvSpPr txBox="1"/>
+          <p:nvPr/>
+        </p:nvSpPr>
+        <p:spPr>
+          <a:xfrm>
+            <a:off x="4880725" y="4061875"/>
+            <a:ext cx="761100" cy="300000"/>
+          </a:xfrm>
+          <a:prstGeom prst="rect">
+            <a:avLst/>
+          </a:prstGeom>
+          <a:noFill/>
+          <a:ln>
+            <a:noFill/>
+          </a:ln>
+        </p:spPr>
+        <p:txBody>
+          <a:bodyPr anchorCtr="0" anchor="ctr" bIns="91425" lIns="91425" spcFirstLastPara="1" rIns="91425" wrap="square" tIns="91425">
+            <a:noAutofit/>
+          </a:bodyPr>
+          <a:lstStyle/>
+          <a:p>
+            <a:pPr indent="0" lvl="0" marL="0" rtl="0" algn="ctr">
+              <a:spcBef>
+                <a:spcPts val="0"/>
+              </a:spcBef>
+              <a:spcAft>
+                <a:spcPts val="0"/>
+              </a:spcAft>
+              <a:buNone/>
+            </a:pPr>
+            <a:r>
+              <a:rPr lang="en" sz="1300">
+                <a:solidFill>
+                  <a:schemeClr val="dk2"/>
+                </a:solidFill>
+                <a:latin typeface="Varela Round"/>
+                <a:ea typeface="Varela Round"/>
+                <a:cs typeface="Varela Round"/>
+                <a:sym typeface="Varela Round"/>
+              </a:rPr>
+              <a:t>listCars</a:t>
+            </a:r>
+            <a:endParaRPr sz="1300">
+              <a:solidFill>
+                <a:schemeClr val="dk2"/>
+              </a:solidFill>
+              <a:latin typeface="Varela Round"/>
+              <a:ea typeface="Varela Round"/>
+              <a:cs typeface="Varela Round"/>
+              <a:sym typeface="Varela Round"/>
+            </a:endParaRPr>
+          </a:p>
+        </p:txBody>
+      </p:sp>
+      <p:sp>
+        <p:nvSpPr>
+          <p:cNvPr id="438" name="Google Shape;438;p35"/>
+          <p:cNvSpPr txBox="1"/>
+          <p:nvPr/>
+        </p:nvSpPr>
+        <p:spPr>
+          <a:xfrm>
+            <a:off x="5431850" y="2645875"/>
+            <a:ext cx="1257000" cy="300000"/>
+          </a:xfrm>
+          <a:prstGeom prst="rect">
+            <a:avLst/>
+          </a:prstGeom>
+          <a:noFill/>
+          <a:ln>
+            <a:noFill/>
+          </a:ln>
+        </p:spPr>
+        <p:txBody>
+          <a:bodyPr anchorCtr="0" anchor="ctr" bIns="91425" lIns="91425" spcFirstLastPara="1" rIns="91425" wrap="square" tIns="91425">
+            <a:noAutofit/>
+          </a:bodyPr>
+          <a:lstStyle/>
+          <a:p>
+            <a:pPr indent="0" lvl="0" marL="0" rtl="0" algn="ctr">
+              <a:spcBef>
+                <a:spcPts val="0"/>
+              </a:spcBef>
+              <a:spcAft>
+                <a:spcPts val="0"/>
+              </a:spcAft>
+              <a:buNone/>
+            </a:pPr>
+            <a:r>
+              <a:rPr lang="en" sz="1300">
+                <a:solidFill>
+                  <a:schemeClr val="dk2"/>
+                </a:solidFill>
+                <a:latin typeface="Varela Round"/>
+                <a:ea typeface="Varela Round"/>
+                <a:cs typeface="Varela Round"/>
+                <a:sym typeface="Varela Round"/>
+              </a:rPr>
+              <a:t>cars-bucket</a:t>
+            </a:r>
+            <a:endParaRPr sz="1300">
+              <a:solidFill>
+                <a:schemeClr val="dk2"/>
+              </a:solidFill>
+              <a:latin typeface="Varela Round"/>
+              <a:ea typeface="Varela Round"/>
+              <a:cs typeface="Varela Round"/>
+              <a:sym typeface="Varela Round"/>
+            </a:endParaRPr>
+          </a:p>
+        </p:txBody>
+      </p:sp>
+    </p:spTree>
+  </p:cSld>
+  <p:clrMapOvr>
+    <a:masterClrMapping/>
+  </p:clrMapOvr>
+</p:sld>
+</file>
+
+<file path=ppt/slides/slide6.xml><?xml version="1.0" encoding="utf-8"?>
+<p:sld xmlns:a="http://schemas.openxmlformats.org/drawingml/2006/main" xmlns:r="http://schemas.openxmlformats.org/officeDocument/2006/relationships" xmlns:mc="http://schemas.openxmlformats.org/markup-compatibility/2006" xmlns:mv="urn:schemas-microsoft-com:mac:vml" xmlns:p="http://schemas.openxmlformats.org/presentationml/2006/main" xmlns:c="http://schemas.openxmlformats.org/drawingml/2006/chart" xmlns:dgm="http://schemas.openxmlformats.org/drawingml/2006/diagram" xmlns:o="urn:schemas-microsoft-com:office:office" xmlns:v="urn:schemas-microsoft-com:vml" xmlns:pvml="urn:schemas-microsoft-com:office:powerpoint" xmlns:com="http://schemas.openxmlformats.org/drawingml/2006/compatibility" xmlns:p14="http://schemas.microsoft.com/office/powerpoint/2010/main" xmlns:p15="http://schemas.microsoft.com/office/powerpoint/2012/main" xmlns:ahyp="http://schemas.microsoft.com/office/drawing/2018/hyperlinkcolor">
+  <p:cSld>
+    <p:spTree>
+      <p:nvGrpSpPr>
+        <p:cNvPr id="442" name="Shape 442"/>
+        <p:cNvGrpSpPr/>
+        <p:nvPr/>
+      </p:nvGrpSpPr>
+      <p:grpSpPr>
+        <a:xfrm>
+          <a:off x="0" y="0"/>
+          <a:ext cx="0" cy="0"/>
+          <a:chOff x="0" y="0"/>
+          <a:chExt cx="0" cy="0"/>
+        </a:xfrm>
+      </p:grpSpPr>
+      <p:sp>
+        <p:nvSpPr>
+          <p:cNvPr id="443" name="Google Shape;443;p36"/>
           <p:cNvSpPr/>
           <p:nvPr/>
         </p:nvSpPr>
@@ -44201,7 +48003,7 @@
       </p:sp>
       <p:sp>
         <p:nvSpPr>
-          <p:cNvPr id="431" name="Google Shape;431;p35"/>
+          <p:cNvPr id="444" name="Google Shape;444;p36"/>
           <p:cNvSpPr txBox="1"/>
           <p:nvPr>
             <p:ph type="title"/>
@@ -44241,7 +48043,7 @@
       </p:sp>
       <p:sp>
         <p:nvSpPr>
-          <p:cNvPr id="432" name="Google Shape;432;p35"/>
+          <p:cNvPr id="445" name="Google Shape;445;p36"/>
           <p:cNvSpPr txBox="1"/>
           <p:nvPr>
             <p:ph idx="1" type="subTitle"/>
@@ -44281,7 +48083,7 @@
       </p:sp>
       <p:grpSp>
         <p:nvGrpSpPr>
-          <p:cNvPr id="433" name="Google Shape;433;p35"/>
+          <p:cNvPr id="446" name="Google Shape;446;p36"/>
           <p:cNvGrpSpPr/>
           <p:nvPr/>
         </p:nvGrpSpPr>
@@ -44295,7 +48097,7 @@
         </p:grpSpPr>
         <p:sp>
           <p:nvSpPr>
-            <p:cNvPr id="434" name="Google Shape;434;p35"/>
+            <p:cNvPr id="447" name="Google Shape;447;p36"/>
             <p:cNvSpPr/>
             <p:nvPr/>
           </p:nvSpPr>
@@ -44381,7 +48183,7 @@
         </p:sp>
         <p:sp>
           <p:nvSpPr>
-            <p:cNvPr id="435" name="Google Shape;435;p35"/>
+            <p:cNvPr id="448" name="Google Shape;448;p36"/>
             <p:cNvSpPr/>
             <p:nvPr/>
           </p:nvSpPr>
@@ -44467,7 +48269,7 @@
         </p:sp>
         <p:sp>
           <p:nvSpPr>
-            <p:cNvPr id="436" name="Google Shape;436;p35"/>
+            <p:cNvPr id="449" name="Google Shape;449;p36"/>
             <p:cNvSpPr/>
             <p:nvPr/>
           </p:nvSpPr>
@@ -44560,12 +48362,12 @@
 </p:sld>
 </file>
 
-<file path=ppt/slides/slide6.xml><?xml version="1.0" encoding="utf-8"?>
+<file path=ppt/slides/slide7.xml><?xml version="1.0" encoding="utf-8"?>
 <p:sld xmlns:a="http://schemas.openxmlformats.org/drawingml/2006/main" xmlns:r="http://schemas.openxmlformats.org/officeDocument/2006/relationships" xmlns:mc="http://schemas.openxmlformats.org/markup-compatibility/2006" xmlns:mv="urn:schemas-microsoft-com:mac:vml" xmlns:p="http://schemas.openxmlformats.org/presentationml/2006/main" xmlns:c="http://schemas.openxmlformats.org/drawingml/2006/chart" xmlns:dgm="http://schemas.openxmlformats.org/drawingml/2006/diagram" xmlns:o="urn:schemas-microsoft-com:office:office" xmlns:v="urn:schemas-microsoft-com:vml" xmlns:pvml="urn:schemas-microsoft-com:office:powerpoint" xmlns:com="http://schemas.openxmlformats.org/drawingml/2006/compatibility" xmlns:p14="http://schemas.microsoft.com/office/powerpoint/2010/main" xmlns:p15="http://schemas.microsoft.com/office/powerpoint/2012/main" xmlns:ahyp="http://schemas.microsoft.com/office/drawing/2018/hyperlinkcolor">
   <p:cSld>
     <p:spTree>
       <p:nvGrpSpPr>
-        <p:cNvPr id="440" name="Shape 440"/>
+        <p:cNvPr id="453" name="Shape 453"/>
         <p:cNvGrpSpPr/>
         <p:nvPr/>
       </p:nvGrpSpPr>
@@ -44579,7 +48381,7 @@
       </p:grpSpPr>
       <p:sp>
         <p:nvSpPr>
-          <p:cNvPr id="441" name="Google Shape;441;p36"/>
+          <p:cNvPr id="454" name="Google Shape;454;p37"/>
           <p:cNvSpPr txBox="1"/>
           <p:nvPr>
             <p:ph type="title"/>
@@ -44587,48 +48389,8 @@
         </p:nvSpPr>
         <p:spPr>
           <a:xfrm>
-            <a:off x="713225" y="1904441"/>
-            <a:ext cx="3858900" cy="841500"/>
-          </a:xfrm>
-          <a:prstGeom prst="rect">
-            <a:avLst/>
-          </a:prstGeom>
-        </p:spPr>
-        <p:txBody>
-          <a:bodyPr anchorCtr="0" anchor="b" bIns="91425" lIns="91425" spcFirstLastPara="1" rIns="91425" wrap="square" tIns="91425">
-            <a:noAutofit/>
-          </a:bodyPr>
-          <a:lstStyle/>
-          <a:p>
-            <a:pPr indent="0" lvl="0" marL="0" rtl="0" algn="ctr">
-              <a:spcBef>
-                <a:spcPts val="0"/>
-              </a:spcBef>
-              <a:spcAft>
-                <a:spcPts val="0"/>
-              </a:spcAft>
-              <a:buNone/>
-            </a:pPr>
-            <a:r>
-              <a:rPr lang="en"/>
-              <a:t>Lambda</a:t>
-            </a:r>
-            <a:endParaRPr/>
-          </a:p>
-        </p:txBody>
-      </p:sp>
-      <p:sp>
-        <p:nvSpPr>
-          <p:cNvPr id="442" name="Google Shape;442;p36"/>
-          <p:cNvSpPr txBox="1"/>
-          <p:nvPr>
-            <p:ph idx="1" type="subTitle"/>
-          </p:nvPr>
-        </p:nvSpPr>
-        <p:spPr>
-          <a:xfrm>
-            <a:off x="713225" y="2992895"/>
-            <a:ext cx="3858900" cy="795600"/>
+            <a:off x="713250" y="372983"/>
+            <a:ext cx="7717500" cy="572700"/>
           </a:xfrm>
           <a:prstGeom prst="rect">
             <a:avLst/>
@@ -44651,368 +48413,55 @@
             </a:pPr>
             <a:r>
               <a:rPr lang="en"/>
-              <a:t>Creating a Lambda function using the </a:t>
+              <a:t>Flow</a:t>
             </a:r>
-            <a:r>
-              <a:rPr b="1" lang="en"/>
-              <a:t>Python</a:t>
-            </a:r>
-            <a:r>
-              <a:rPr lang="en"/>
-              <a:t> runtime.</a:t>
-            </a:r>
-            <a:endParaRPr/>
+            <a:endParaRPr b="0"/>
           </a:p>
         </p:txBody>
       </p:sp>
-      <p:grpSp>
-        <p:nvGrpSpPr>
-          <p:cNvPr id="443" name="Google Shape;443;p36"/>
-          <p:cNvGrpSpPr/>
+      <p:pic>
+        <p:nvPicPr>
+          <p:cNvPr id="455" name="Google Shape;455;p37"/>
+          <p:cNvPicPr preferRelativeResize="0"/>
           <p:nvPr/>
-        </p:nvGrpSpPr>
-        <p:grpSpPr>
+        </p:nvPicPr>
+        <p:blipFill>
+          <a:blip r:embed="rId3">
+            <a:alphaModFix/>
+          </a:blip>
+          <a:stretch>
+            <a:fillRect/>
+          </a:stretch>
+        </p:blipFill>
+        <p:spPr>
           <a:xfrm>
-            <a:off x="2375788" y="2807180"/>
-            <a:ext cx="507974" cy="180367"/>
-            <a:chOff x="2544928" y="2715332"/>
-            <a:chExt cx="507974" cy="180367"/>
+            <a:off x="568138" y="1098083"/>
+            <a:ext cx="8007723" cy="3893018"/>
           </a:xfrm>
-        </p:grpSpPr>
-        <p:sp>
-          <p:nvSpPr>
-            <p:cNvPr id="444" name="Google Shape;444;p36"/>
-            <p:cNvSpPr/>
-            <p:nvPr/>
-          </p:nvSpPr>
-          <p:spPr>
-            <a:xfrm>
-              <a:off x="2928452" y="2740141"/>
-              <a:ext cx="124450" cy="130750"/>
-            </a:xfrm>
-            <a:custGeom>
-              <a:rect b="b" l="l" r="r" t="t"/>
-              <a:pathLst>
-                <a:path extrusionOk="0" h="5230" w="4978">
-                  <a:moveTo>
-                    <a:pt x="2640" y="1"/>
-                  </a:moveTo>
-                  <a:cubicBezTo>
-                    <a:pt x="1482" y="1"/>
-                    <a:pt x="324" y="1373"/>
-                    <a:pt x="72" y="2402"/>
-                  </a:cubicBezTo>
-                  <a:cubicBezTo>
-                    <a:pt x="24" y="2581"/>
-                    <a:pt x="0" y="2759"/>
-                    <a:pt x="24" y="2938"/>
-                  </a:cubicBezTo>
-                  <a:cubicBezTo>
-                    <a:pt x="96" y="3712"/>
-                    <a:pt x="703" y="4403"/>
-                    <a:pt x="1286" y="4855"/>
-                  </a:cubicBezTo>
-                  <a:cubicBezTo>
-                    <a:pt x="1605" y="5117"/>
-                    <a:pt x="1962" y="5230"/>
-                    <a:pt x="2319" y="5230"/>
-                  </a:cubicBezTo>
-                  <a:cubicBezTo>
-                    <a:pt x="3085" y="5230"/>
-                    <a:pt x="3853" y="4711"/>
-                    <a:pt x="4251" y="4022"/>
-                  </a:cubicBezTo>
-                  <a:cubicBezTo>
-                    <a:pt x="4977" y="2771"/>
-                    <a:pt x="4572" y="390"/>
-                    <a:pt x="2941" y="33"/>
-                  </a:cubicBezTo>
-                  <a:cubicBezTo>
-                    <a:pt x="2841" y="11"/>
-                    <a:pt x="2740" y="1"/>
-                    <a:pt x="2640" y="1"/>
-                  </a:cubicBezTo>
-                  <a:close/>
-                </a:path>
-              </a:pathLst>
-            </a:custGeom>
-            <a:solidFill>
-              <a:srgbClr val="FEE8DD"/>
-            </a:solidFill>
-            <a:ln>
-              <a:noFill/>
-            </a:ln>
-          </p:spPr>
-          <p:txBody>
-            <a:bodyPr anchorCtr="0" anchor="ctr" bIns="91425" lIns="91425" spcFirstLastPara="1" rIns="91425" wrap="square" tIns="91425">
-              <a:noAutofit/>
-            </a:bodyPr>
-            <a:lstStyle/>
-            <a:p>
-              <a:pPr indent="0" lvl="0" marL="0" rtl="0" algn="l">
-                <a:spcBef>
-                  <a:spcPts val="0"/>
-                </a:spcBef>
-                <a:spcAft>
-                  <a:spcPts val="0"/>
-                </a:spcAft>
-                <a:buNone/>
-              </a:pPr>
-              <a:r>
-                <a:t/>
-              </a:r>
-              <a:endParaRPr/>
-            </a:p>
-          </p:txBody>
-        </p:sp>
-        <p:sp>
-          <p:nvSpPr>
-            <p:cNvPr id="445" name="Google Shape;445;p36"/>
-            <p:cNvSpPr/>
-            <p:nvPr/>
-          </p:nvSpPr>
-          <p:spPr>
-            <a:xfrm rot="7049100">
-              <a:off x="2750532" y="2740139"/>
-              <a:ext cx="124446" cy="130745"/>
-            </a:xfrm>
-            <a:custGeom>
-              <a:rect b="b" l="l" r="r" t="t"/>
-              <a:pathLst>
-                <a:path extrusionOk="0" h="5230" w="4978">
-                  <a:moveTo>
-                    <a:pt x="2640" y="1"/>
-                  </a:moveTo>
-                  <a:cubicBezTo>
-                    <a:pt x="1482" y="1"/>
-                    <a:pt x="324" y="1373"/>
-                    <a:pt x="72" y="2402"/>
-                  </a:cubicBezTo>
-                  <a:cubicBezTo>
-                    <a:pt x="24" y="2581"/>
-                    <a:pt x="0" y="2759"/>
-                    <a:pt x="24" y="2938"/>
-                  </a:cubicBezTo>
-                  <a:cubicBezTo>
-                    <a:pt x="96" y="3712"/>
-                    <a:pt x="703" y="4403"/>
-                    <a:pt x="1286" y="4855"/>
-                  </a:cubicBezTo>
-                  <a:cubicBezTo>
-                    <a:pt x="1605" y="5117"/>
-                    <a:pt x="1962" y="5230"/>
-                    <a:pt x="2319" y="5230"/>
-                  </a:cubicBezTo>
-                  <a:cubicBezTo>
-                    <a:pt x="3085" y="5230"/>
-                    <a:pt x="3853" y="4711"/>
-                    <a:pt x="4251" y="4022"/>
-                  </a:cubicBezTo>
-                  <a:cubicBezTo>
-                    <a:pt x="4977" y="2771"/>
-                    <a:pt x="4572" y="390"/>
-                    <a:pt x="2941" y="33"/>
-                  </a:cubicBezTo>
-                  <a:cubicBezTo>
-                    <a:pt x="2841" y="11"/>
-                    <a:pt x="2740" y="1"/>
-                    <a:pt x="2640" y="1"/>
-                  </a:cubicBezTo>
-                  <a:close/>
-                </a:path>
-              </a:pathLst>
-            </a:custGeom>
-            <a:solidFill>
-              <a:srgbClr val="FEE8DD"/>
-            </a:solidFill>
-            <a:ln>
-              <a:noFill/>
-            </a:ln>
-          </p:spPr>
-          <p:txBody>
-            <a:bodyPr anchorCtr="0" anchor="ctr" bIns="91425" lIns="91425" spcFirstLastPara="1" rIns="91425" wrap="square" tIns="91425">
-              <a:noAutofit/>
-            </a:bodyPr>
-            <a:lstStyle/>
-            <a:p>
-              <a:pPr indent="0" lvl="0" marL="0" rtl="0" algn="l">
-                <a:spcBef>
-                  <a:spcPts val="0"/>
-                </a:spcBef>
-                <a:spcAft>
-                  <a:spcPts val="0"/>
-                </a:spcAft>
-                <a:buNone/>
-              </a:pPr>
-              <a:r>
-                <a:t/>
-              </a:r>
-              <a:endParaRPr/>
-            </a:p>
-          </p:txBody>
-        </p:sp>
-        <p:sp>
-          <p:nvSpPr>
-            <p:cNvPr id="446" name="Google Shape;446;p36"/>
-            <p:cNvSpPr/>
-            <p:nvPr/>
-          </p:nvSpPr>
-          <p:spPr>
-            <a:xfrm rot="-2479855">
-              <a:off x="2572602" y="2740141"/>
-              <a:ext cx="124449" cy="130749"/>
-            </a:xfrm>
-            <a:custGeom>
-              <a:rect b="b" l="l" r="r" t="t"/>
-              <a:pathLst>
-                <a:path extrusionOk="0" h="5230" w="4978">
-                  <a:moveTo>
-                    <a:pt x="2640" y="1"/>
-                  </a:moveTo>
-                  <a:cubicBezTo>
-                    <a:pt x="1482" y="1"/>
-                    <a:pt x="324" y="1373"/>
-                    <a:pt x="72" y="2402"/>
-                  </a:cubicBezTo>
-                  <a:cubicBezTo>
-                    <a:pt x="24" y="2581"/>
-                    <a:pt x="0" y="2759"/>
-                    <a:pt x="24" y="2938"/>
-                  </a:cubicBezTo>
-                  <a:cubicBezTo>
-                    <a:pt x="96" y="3712"/>
-                    <a:pt x="703" y="4403"/>
-                    <a:pt x="1286" y="4855"/>
-                  </a:cubicBezTo>
-                  <a:cubicBezTo>
-                    <a:pt x="1605" y="5117"/>
-                    <a:pt x="1962" y="5230"/>
-                    <a:pt x="2319" y="5230"/>
-                  </a:cubicBezTo>
-                  <a:cubicBezTo>
-                    <a:pt x="3085" y="5230"/>
-                    <a:pt x="3853" y="4711"/>
-                    <a:pt x="4251" y="4022"/>
-                  </a:cubicBezTo>
-                  <a:cubicBezTo>
-                    <a:pt x="4977" y="2771"/>
-                    <a:pt x="4572" y="390"/>
-                    <a:pt x="2941" y="33"/>
-                  </a:cubicBezTo>
-                  <a:cubicBezTo>
-                    <a:pt x="2841" y="11"/>
-                    <a:pt x="2740" y="1"/>
-                    <a:pt x="2640" y="1"/>
-                  </a:cubicBezTo>
-                  <a:close/>
-                </a:path>
-              </a:pathLst>
-            </a:custGeom>
-            <a:solidFill>
-              <a:srgbClr val="FEE8DD"/>
-            </a:solidFill>
-            <a:ln>
-              <a:noFill/>
-            </a:ln>
-          </p:spPr>
-          <p:txBody>
-            <a:bodyPr anchorCtr="0" anchor="ctr" bIns="91425" lIns="91425" spcFirstLastPara="1" rIns="91425" wrap="square" tIns="91425">
-              <a:noAutofit/>
-            </a:bodyPr>
-            <a:lstStyle/>
-            <a:p>
-              <a:pPr indent="0" lvl="0" marL="0" rtl="0" algn="l">
-                <a:spcBef>
-                  <a:spcPts val="0"/>
-                </a:spcBef>
-                <a:spcAft>
-                  <a:spcPts val="0"/>
-                </a:spcAft>
-                <a:buNone/>
-              </a:pPr>
-              <a:r>
-                <a:t/>
-              </a:r>
-              <a:endParaRPr/>
-            </a:p>
-          </p:txBody>
-        </p:sp>
-      </p:grpSp>
+          <a:prstGeom prst="rect">
+            <a:avLst/>
+          </a:prstGeom>
+          <a:noFill/>
+          <a:ln>
+            <a:noFill/>
+          </a:ln>
+        </p:spPr>
+      </p:pic>
       <p:sp>
         <p:nvSpPr>
-          <p:cNvPr id="447" name="Google Shape;447;p36"/>
-          <p:cNvSpPr/>
+          <p:cNvPr id="456" name="Google Shape;456;p37"/>
+          <p:cNvSpPr txBox="1"/>
           <p:nvPr/>
         </p:nvSpPr>
         <p:spPr>
-          <a:xfrm rot="370644">
-            <a:off x="1753529" y="3985715"/>
-            <a:ext cx="1752491" cy="443487"/>
+          <a:xfrm>
+            <a:off x="2179625" y="3978700"/>
+            <a:ext cx="761100" cy="300000"/>
           </a:xfrm>
-          <a:custGeom>
-            <a:rect b="b" l="l" r="r" t="t"/>
-            <a:pathLst>
-              <a:path extrusionOk="0" h="9708" w="48354">
-                <a:moveTo>
-                  <a:pt x="42117" y="1"/>
-                </a:moveTo>
-                <a:cubicBezTo>
-                  <a:pt x="40907" y="1"/>
-                  <a:pt x="39658" y="121"/>
-                  <a:pt x="38400" y="201"/>
-                </a:cubicBezTo>
-                <a:cubicBezTo>
-                  <a:pt x="34471" y="451"/>
-                  <a:pt x="30542" y="772"/>
-                  <a:pt x="26625" y="1165"/>
-                </a:cubicBezTo>
-                <a:cubicBezTo>
-                  <a:pt x="18517" y="1975"/>
-                  <a:pt x="10528" y="3153"/>
-                  <a:pt x="2562" y="4880"/>
-                </a:cubicBezTo>
-                <a:cubicBezTo>
-                  <a:pt x="0" y="5431"/>
-                  <a:pt x="409" y="9707"/>
-                  <a:pt x="2923" y="9707"/>
-                </a:cubicBezTo>
-                <a:cubicBezTo>
-                  <a:pt x="3014" y="9707"/>
-                  <a:pt x="3108" y="9702"/>
-                  <a:pt x="3205" y="9690"/>
-                </a:cubicBezTo>
-                <a:cubicBezTo>
-                  <a:pt x="11278" y="8702"/>
-                  <a:pt x="19374" y="7714"/>
-                  <a:pt x="27470" y="6987"/>
-                </a:cubicBezTo>
-                <a:cubicBezTo>
-                  <a:pt x="31387" y="6630"/>
-                  <a:pt x="35316" y="6356"/>
-                  <a:pt x="39246" y="6142"/>
-                </a:cubicBezTo>
-                <a:cubicBezTo>
-                  <a:pt x="42389" y="5975"/>
-                  <a:pt x="45496" y="6130"/>
-                  <a:pt x="47794" y="3773"/>
-                </a:cubicBezTo>
-                <a:cubicBezTo>
-                  <a:pt x="48294" y="3261"/>
-                  <a:pt x="48354" y="2332"/>
-                  <a:pt x="47794" y="1832"/>
-                </a:cubicBezTo>
-                <a:cubicBezTo>
-                  <a:pt x="46116" y="348"/>
-                  <a:pt x="44173" y="1"/>
-                  <a:pt x="42117" y="1"/>
-                </a:cubicBezTo>
-                <a:close/>
-              </a:path>
-            </a:pathLst>
-          </a:custGeom>
-          <a:solidFill>
-            <a:schemeClr val="accent3"/>
-          </a:solidFill>
+          <a:prstGeom prst="rect">
+            <a:avLst/>
+          </a:prstGeom>
+          <a:noFill/>
           <a:ln>
             <a:noFill/>
           </a:ln>
@@ -45023,7 +48472,7 @@
           </a:bodyPr>
           <a:lstStyle/>
           <a:p>
-            <a:pPr indent="0" lvl="0" marL="0" rtl="0" algn="l">
+            <a:pPr indent="0" lvl="0" marL="0" rtl="0" algn="ctr">
               <a:spcBef>
                 <a:spcPts val="0"/>
               </a:spcBef>
@@ -45033,112 +48482,44 @@
               <a:buNone/>
             </a:pPr>
             <a:r>
-              <a:t/>
+              <a:rPr lang="en" sz="1300">
+                <a:solidFill>
+                  <a:schemeClr val="dk2"/>
+                </a:solidFill>
+                <a:latin typeface="Varela Round"/>
+                <a:ea typeface="Varela Round"/>
+                <a:cs typeface="Varela Round"/>
+                <a:sym typeface="Varela Round"/>
+              </a:rPr>
+              <a:t>/cars</a:t>
             </a:r>
-            <a:endParaRPr/>
+            <a:endParaRPr sz="1300">
+              <a:solidFill>
+                <a:schemeClr val="dk2"/>
+              </a:solidFill>
+              <a:latin typeface="Varela Round"/>
+              <a:ea typeface="Varela Round"/>
+              <a:cs typeface="Varela Round"/>
+              <a:sym typeface="Varela Round"/>
+            </a:endParaRPr>
           </a:p>
         </p:txBody>
       </p:sp>
-    </p:spTree>
-  </p:cSld>
-  <p:clrMapOvr>
-    <a:masterClrMapping/>
-  </p:clrMapOvr>
-</p:sld>
-</file>
-
-<file path=ppt/slides/slide7.xml><?xml version="1.0" encoding="utf-8"?>
-<p:sld xmlns:a="http://schemas.openxmlformats.org/drawingml/2006/main" xmlns:r="http://schemas.openxmlformats.org/officeDocument/2006/relationships" xmlns:mc="http://schemas.openxmlformats.org/markup-compatibility/2006" xmlns:mv="urn:schemas-microsoft-com:mac:vml" xmlns:p="http://schemas.openxmlformats.org/presentationml/2006/main" xmlns:c="http://schemas.openxmlformats.org/drawingml/2006/chart" xmlns:dgm="http://schemas.openxmlformats.org/drawingml/2006/diagram" xmlns:o="urn:schemas-microsoft-com:office:office" xmlns:v="urn:schemas-microsoft-com:vml" xmlns:pvml="urn:schemas-microsoft-com:office:powerpoint" xmlns:com="http://schemas.openxmlformats.org/drawingml/2006/compatibility" xmlns:p14="http://schemas.microsoft.com/office/powerpoint/2010/main" xmlns:p15="http://schemas.microsoft.com/office/powerpoint/2012/main" xmlns:ahyp="http://schemas.microsoft.com/office/drawing/2018/hyperlinkcolor">
-  <p:cSld>
-    <p:spTree>
-      <p:nvGrpSpPr>
-        <p:cNvPr id="451" name="Shape 451"/>
-        <p:cNvGrpSpPr/>
-        <p:nvPr/>
-      </p:nvGrpSpPr>
-      <p:grpSpPr>
-        <a:xfrm>
-          <a:off x="0" y="0"/>
-          <a:ext cx="0" cy="0"/>
-          <a:chOff x="0" y="0"/>
-          <a:chExt cx="0" cy="0"/>
-        </a:xfrm>
-      </p:grpSpPr>
       <p:sp>
         <p:nvSpPr>
-          <p:cNvPr id="452" name="Google Shape;452;p37"/>
-          <p:cNvSpPr/>
+          <p:cNvPr id="457" name="Google Shape;457;p37"/>
+          <p:cNvSpPr txBox="1"/>
           <p:nvPr/>
         </p:nvSpPr>
         <p:spPr>
-          <a:xfrm rot="370644">
-            <a:off x="5625204" y="3962086"/>
-            <a:ext cx="1752491" cy="443487"/>
+          <a:xfrm>
+            <a:off x="4880725" y="4061875"/>
+            <a:ext cx="761100" cy="300000"/>
           </a:xfrm>
-          <a:custGeom>
-            <a:rect b="b" l="l" r="r" t="t"/>
-            <a:pathLst>
-              <a:path extrusionOk="0" h="9708" w="48354">
-                <a:moveTo>
-                  <a:pt x="42117" y="1"/>
-                </a:moveTo>
-                <a:cubicBezTo>
-                  <a:pt x="40907" y="1"/>
-                  <a:pt x="39658" y="121"/>
-                  <a:pt x="38400" y="201"/>
-                </a:cubicBezTo>
-                <a:cubicBezTo>
-                  <a:pt x="34471" y="451"/>
-                  <a:pt x="30542" y="772"/>
-                  <a:pt x="26625" y="1165"/>
-                </a:cubicBezTo>
-                <a:cubicBezTo>
-                  <a:pt x="18517" y="1975"/>
-                  <a:pt x="10528" y="3153"/>
-                  <a:pt x="2562" y="4880"/>
-                </a:cubicBezTo>
-                <a:cubicBezTo>
-                  <a:pt x="0" y="5431"/>
-                  <a:pt x="409" y="9707"/>
-                  <a:pt x="2923" y="9707"/>
-                </a:cubicBezTo>
-                <a:cubicBezTo>
-                  <a:pt x="3014" y="9707"/>
-                  <a:pt x="3108" y="9702"/>
-                  <a:pt x="3205" y="9690"/>
-                </a:cubicBezTo>
-                <a:cubicBezTo>
-                  <a:pt x="11278" y="8702"/>
-                  <a:pt x="19374" y="7714"/>
-                  <a:pt x="27470" y="6987"/>
-                </a:cubicBezTo>
-                <a:cubicBezTo>
-                  <a:pt x="31387" y="6630"/>
-                  <a:pt x="35316" y="6356"/>
-                  <a:pt x="39246" y="6142"/>
-                </a:cubicBezTo>
-                <a:cubicBezTo>
-                  <a:pt x="42389" y="5975"/>
-                  <a:pt x="45496" y="6130"/>
-                  <a:pt x="47794" y="3773"/>
-                </a:cubicBezTo>
-                <a:cubicBezTo>
-                  <a:pt x="48294" y="3261"/>
-                  <a:pt x="48354" y="2332"/>
-                  <a:pt x="47794" y="1832"/>
-                </a:cubicBezTo>
-                <a:cubicBezTo>
-                  <a:pt x="46116" y="348"/>
-                  <a:pt x="44173" y="1"/>
-                  <a:pt x="42117" y="1"/>
-                </a:cubicBezTo>
-                <a:close/>
-              </a:path>
-            </a:pathLst>
-          </a:custGeom>
-          <a:solidFill>
-            <a:schemeClr val="accent3"/>
-          </a:solidFill>
+          <a:prstGeom prst="rect">
+            <a:avLst/>
+          </a:prstGeom>
+          <a:noFill/>
           <a:ln>
             <a:noFill/>
           </a:ln>
@@ -45149,7 +48530,7 @@
           </a:bodyPr>
           <a:lstStyle/>
           <a:p>
-            <a:pPr indent="0" lvl="0" marL="0" rtl="0" algn="l">
+            <a:pPr indent="0" lvl="0" marL="0" rtl="0" algn="ctr">
               <a:spcBef>
                 <a:spcPts val="0"/>
               </a:spcBef>
@@ -45159,68 +48540,47 @@
               <a:buNone/>
             </a:pPr>
             <a:r>
-              <a:t/>
+              <a:rPr lang="en" sz="1300">
+                <a:solidFill>
+                  <a:schemeClr val="dk2"/>
+                </a:solidFill>
+                <a:latin typeface="Varela Round"/>
+                <a:ea typeface="Varela Round"/>
+                <a:cs typeface="Varela Round"/>
+                <a:sym typeface="Varela Round"/>
+              </a:rPr>
+              <a:t>listCars</a:t>
             </a:r>
-            <a:endParaRPr/>
+            <a:endParaRPr sz="1300">
+              <a:solidFill>
+                <a:schemeClr val="dk2"/>
+              </a:solidFill>
+              <a:latin typeface="Varela Round"/>
+              <a:ea typeface="Varela Round"/>
+              <a:cs typeface="Varela Round"/>
+              <a:sym typeface="Varela Round"/>
+            </a:endParaRPr>
           </a:p>
         </p:txBody>
       </p:sp>
       <p:sp>
         <p:nvSpPr>
-          <p:cNvPr id="453" name="Google Shape;453;p37"/>
+          <p:cNvPr id="458" name="Google Shape;458;p37"/>
           <p:cNvSpPr txBox="1"/>
-          <p:nvPr>
-            <p:ph type="title"/>
-          </p:nvPr>
+          <p:nvPr/>
         </p:nvSpPr>
         <p:spPr>
           <a:xfrm>
-            <a:off x="4572000" y="1904748"/>
-            <a:ext cx="3858900" cy="841500"/>
+            <a:off x="5431850" y="2645875"/>
+            <a:ext cx="1257000" cy="300000"/>
           </a:xfrm>
           <a:prstGeom prst="rect">
             <a:avLst/>
           </a:prstGeom>
-        </p:spPr>
-        <p:txBody>
-          <a:bodyPr anchorCtr="0" anchor="b" bIns="91425" lIns="91425" spcFirstLastPara="1" rIns="91425" wrap="square" tIns="91425">
-            <a:noAutofit/>
-          </a:bodyPr>
-          <a:lstStyle/>
-          <a:p>
-            <a:pPr indent="0" lvl="0" marL="0" rtl="0" algn="ctr">
-              <a:spcBef>
-                <a:spcPts val="0"/>
-              </a:spcBef>
-              <a:spcAft>
-                <a:spcPts val="0"/>
-              </a:spcAft>
-              <a:buNone/>
-            </a:pPr>
-            <a:r>
-              <a:rPr lang="en"/>
-              <a:t>API → Lambda</a:t>
-            </a:r>
-            <a:endParaRPr/>
-          </a:p>
-        </p:txBody>
-      </p:sp>
-      <p:sp>
-        <p:nvSpPr>
-          <p:cNvPr id="454" name="Google Shape;454;p37"/>
-          <p:cNvSpPr txBox="1"/>
-          <p:nvPr>
-            <p:ph idx="1" type="subTitle"/>
-          </p:nvPr>
-        </p:nvSpPr>
-        <p:spPr>
-          <a:xfrm>
-            <a:off x="4393875" y="2992350"/>
-            <a:ext cx="4128600" cy="793200"/>
-          </a:xfrm>
-          <a:prstGeom prst="rect">
-            <a:avLst/>
-          </a:prstGeom>
+          <a:noFill/>
+          <a:ln>
+            <a:noFill/>
+          </a:ln>
         </p:spPr>
         <p:txBody>
           <a:bodyPr anchorCtr="0" anchor="ctr" bIns="91425" lIns="91425" spcFirstLastPara="1" rIns="91425" wrap="square" tIns="91425">
@@ -45238,286 +48598,29 @@
               <a:buNone/>
             </a:pPr>
             <a:r>
-              <a:rPr lang="en"/>
-              <a:t>Invoking the Lambda function from the API endpoint.</a:t>
+              <a:rPr lang="en" sz="1300">
+                <a:solidFill>
+                  <a:schemeClr val="dk2"/>
+                </a:solidFill>
+                <a:latin typeface="Varela Round"/>
+                <a:ea typeface="Varela Round"/>
+                <a:cs typeface="Varela Round"/>
+                <a:sym typeface="Varela Round"/>
+              </a:rPr>
+              <a:t>cars-bucket</a:t>
             </a:r>
-            <a:endParaRPr/>
+            <a:endParaRPr sz="1300">
+              <a:solidFill>
+                <a:schemeClr val="dk2"/>
+              </a:solidFill>
+              <a:latin typeface="Varela Round"/>
+              <a:ea typeface="Varela Round"/>
+              <a:cs typeface="Varela Round"/>
+              <a:sym typeface="Varela Round"/>
+            </a:endParaRPr>
           </a:p>
         </p:txBody>
       </p:sp>
-      <p:grpSp>
-        <p:nvGrpSpPr>
-          <p:cNvPr id="455" name="Google Shape;455;p37"/>
-          <p:cNvGrpSpPr/>
-          <p:nvPr/>
-        </p:nvGrpSpPr>
-        <p:grpSpPr>
-          <a:xfrm>
-            <a:off x="6254675" y="2811979"/>
-            <a:ext cx="493549" cy="180367"/>
-            <a:chOff x="6278725" y="2811979"/>
-            <a:chExt cx="493549" cy="180367"/>
-          </a:xfrm>
-        </p:grpSpPr>
-        <p:sp>
-          <p:nvSpPr>
-            <p:cNvPr id="456" name="Google Shape;456;p37"/>
-            <p:cNvSpPr/>
-            <p:nvPr/>
-          </p:nvSpPr>
-          <p:spPr>
-            <a:xfrm>
-              <a:off x="6651359" y="2836786"/>
-              <a:ext cx="120916" cy="130750"/>
-            </a:xfrm>
-            <a:custGeom>
-              <a:rect b="b" l="l" r="r" t="t"/>
-              <a:pathLst>
-                <a:path extrusionOk="0" h="5230" w="4978">
-                  <a:moveTo>
-                    <a:pt x="2640" y="1"/>
-                  </a:moveTo>
-                  <a:cubicBezTo>
-                    <a:pt x="1482" y="1"/>
-                    <a:pt x="324" y="1373"/>
-                    <a:pt x="72" y="2402"/>
-                  </a:cubicBezTo>
-                  <a:cubicBezTo>
-                    <a:pt x="24" y="2581"/>
-                    <a:pt x="0" y="2759"/>
-                    <a:pt x="24" y="2938"/>
-                  </a:cubicBezTo>
-                  <a:cubicBezTo>
-                    <a:pt x="96" y="3712"/>
-                    <a:pt x="703" y="4403"/>
-                    <a:pt x="1286" y="4855"/>
-                  </a:cubicBezTo>
-                  <a:cubicBezTo>
-                    <a:pt x="1605" y="5117"/>
-                    <a:pt x="1962" y="5230"/>
-                    <a:pt x="2319" y="5230"/>
-                  </a:cubicBezTo>
-                  <a:cubicBezTo>
-                    <a:pt x="3085" y="5230"/>
-                    <a:pt x="3853" y="4711"/>
-                    <a:pt x="4251" y="4022"/>
-                  </a:cubicBezTo>
-                  <a:cubicBezTo>
-                    <a:pt x="4977" y="2771"/>
-                    <a:pt x="4572" y="390"/>
-                    <a:pt x="2941" y="33"/>
-                  </a:cubicBezTo>
-                  <a:cubicBezTo>
-                    <a:pt x="2841" y="11"/>
-                    <a:pt x="2740" y="1"/>
-                    <a:pt x="2640" y="1"/>
-                  </a:cubicBezTo>
-                  <a:close/>
-                </a:path>
-              </a:pathLst>
-            </a:custGeom>
-            <a:solidFill>
-              <a:srgbClr val="FEE8DD"/>
-            </a:solidFill>
-            <a:ln>
-              <a:noFill/>
-            </a:ln>
-          </p:spPr>
-          <p:txBody>
-            <a:bodyPr anchorCtr="0" anchor="ctr" bIns="91425" lIns="91425" spcFirstLastPara="1" rIns="91425" wrap="square" tIns="91425">
-              <a:noAutofit/>
-            </a:bodyPr>
-            <a:lstStyle/>
-            <a:p>
-              <a:pPr indent="0" lvl="0" marL="0" rtl="0" algn="l">
-                <a:spcBef>
-                  <a:spcPts val="0"/>
-                </a:spcBef>
-                <a:spcAft>
-                  <a:spcPts val="0"/>
-                </a:spcAft>
-                <a:buNone/>
-              </a:pPr>
-              <a:r>
-                <a:t/>
-              </a:r>
-              <a:endParaRPr/>
-            </a:p>
-          </p:txBody>
-        </p:sp>
-        <p:sp>
-          <p:nvSpPr>
-            <p:cNvPr id="457" name="Google Shape;457;p37"/>
-            <p:cNvSpPr/>
-            <p:nvPr/>
-          </p:nvSpPr>
-          <p:spPr>
-            <a:xfrm rot="7008906">
-              <a:off x="6477096" y="2838243"/>
-              <a:ext cx="123702" cy="127831"/>
-            </a:xfrm>
-            <a:custGeom>
-              <a:rect b="b" l="l" r="r" t="t"/>
-              <a:pathLst>
-                <a:path extrusionOk="0" h="5230" w="4978">
-                  <a:moveTo>
-                    <a:pt x="2640" y="1"/>
-                  </a:moveTo>
-                  <a:cubicBezTo>
-                    <a:pt x="1482" y="1"/>
-                    <a:pt x="324" y="1373"/>
-                    <a:pt x="72" y="2402"/>
-                  </a:cubicBezTo>
-                  <a:cubicBezTo>
-                    <a:pt x="24" y="2581"/>
-                    <a:pt x="0" y="2759"/>
-                    <a:pt x="24" y="2938"/>
-                  </a:cubicBezTo>
-                  <a:cubicBezTo>
-                    <a:pt x="96" y="3712"/>
-                    <a:pt x="703" y="4403"/>
-                    <a:pt x="1286" y="4855"/>
-                  </a:cubicBezTo>
-                  <a:cubicBezTo>
-                    <a:pt x="1605" y="5117"/>
-                    <a:pt x="1962" y="5230"/>
-                    <a:pt x="2319" y="5230"/>
-                  </a:cubicBezTo>
-                  <a:cubicBezTo>
-                    <a:pt x="3085" y="5230"/>
-                    <a:pt x="3853" y="4711"/>
-                    <a:pt x="4251" y="4022"/>
-                  </a:cubicBezTo>
-                  <a:cubicBezTo>
-                    <a:pt x="4977" y="2771"/>
-                    <a:pt x="4572" y="390"/>
-                    <a:pt x="2941" y="33"/>
-                  </a:cubicBezTo>
-                  <a:cubicBezTo>
-                    <a:pt x="2841" y="11"/>
-                    <a:pt x="2740" y="1"/>
-                    <a:pt x="2640" y="1"/>
-                  </a:cubicBezTo>
-                  <a:close/>
-                </a:path>
-              </a:pathLst>
-            </a:custGeom>
-            <a:solidFill>
-              <a:srgbClr val="FEE8DD"/>
-            </a:solidFill>
-            <a:ln>
-              <a:noFill/>
-            </a:ln>
-          </p:spPr>
-          <p:txBody>
-            <a:bodyPr anchorCtr="0" anchor="ctr" bIns="91425" lIns="91425" spcFirstLastPara="1" rIns="91425" wrap="square" tIns="91425">
-              <a:noAutofit/>
-            </a:bodyPr>
-            <a:lstStyle/>
-            <a:p>
-              <a:pPr indent="0" lvl="0" marL="0" rtl="0" algn="l">
-                <a:spcBef>
-                  <a:spcPts val="0"/>
-                </a:spcBef>
-                <a:spcAft>
-                  <a:spcPts val="0"/>
-                </a:spcAft>
-                <a:buNone/>
-              </a:pPr>
-              <a:r>
-                <a:t/>
-              </a:r>
-              <a:endParaRPr/>
-            </a:p>
-          </p:txBody>
-        </p:sp>
-        <p:sp>
-          <p:nvSpPr>
-            <p:cNvPr id="458" name="Google Shape;458;p37"/>
-            <p:cNvSpPr/>
-            <p:nvPr/>
-          </p:nvSpPr>
-          <p:spPr>
-            <a:xfrm rot="-2528996">
-              <a:off x="6304834" y="2837593"/>
-              <a:ext cx="122471" cy="129138"/>
-            </a:xfrm>
-            <a:custGeom>
-              <a:rect b="b" l="l" r="r" t="t"/>
-              <a:pathLst>
-                <a:path extrusionOk="0" h="5230" w="4978">
-                  <a:moveTo>
-                    <a:pt x="2640" y="1"/>
-                  </a:moveTo>
-                  <a:cubicBezTo>
-                    <a:pt x="1482" y="1"/>
-                    <a:pt x="324" y="1373"/>
-                    <a:pt x="72" y="2402"/>
-                  </a:cubicBezTo>
-                  <a:cubicBezTo>
-                    <a:pt x="24" y="2581"/>
-                    <a:pt x="0" y="2759"/>
-                    <a:pt x="24" y="2938"/>
-                  </a:cubicBezTo>
-                  <a:cubicBezTo>
-                    <a:pt x="96" y="3712"/>
-                    <a:pt x="703" y="4403"/>
-                    <a:pt x="1286" y="4855"/>
-                  </a:cubicBezTo>
-                  <a:cubicBezTo>
-                    <a:pt x="1605" y="5117"/>
-                    <a:pt x="1962" y="5230"/>
-                    <a:pt x="2319" y="5230"/>
-                  </a:cubicBezTo>
-                  <a:cubicBezTo>
-                    <a:pt x="3085" y="5230"/>
-                    <a:pt x="3853" y="4711"/>
-                    <a:pt x="4251" y="4022"/>
-                  </a:cubicBezTo>
-                  <a:cubicBezTo>
-                    <a:pt x="4977" y="2771"/>
-                    <a:pt x="4572" y="390"/>
-                    <a:pt x="2941" y="33"/>
-                  </a:cubicBezTo>
-                  <a:cubicBezTo>
-                    <a:pt x="2841" y="11"/>
-                    <a:pt x="2740" y="1"/>
-                    <a:pt x="2640" y="1"/>
-                  </a:cubicBezTo>
-                  <a:close/>
-                </a:path>
-              </a:pathLst>
-            </a:custGeom>
-            <a:solidFill>
-              <a:srgbClr val="FEE8DD"/>
-            </a:solidFill>
-            <a:ln>
-              <a:noFill/>
-            </a:ln>
-          </p:spPr>
-          <p:txBody>
-            <a:bodyPr anchorCtr="0" anchor="ctr" bIns="91425" lIns="91425" spcFirstLastPara="1" rIns="91425" wrap="square" tIns="91425">
-              <a:noAutofit/>
-            </a:bodyPr>
-            <a:lstStyle/>
-            <a:p>
-              <a:pPr indent="0" lvl="0" marL="0" rtl="0" algn="l">
-                <a:spcBef>
-                  <a:spcPts val="0"/>
-                </a:spcBef>
-                <a:spcAft>
-                  <a:spcPts val="0"/>
-                </a:spcAft>
-                <a:buNone/>
-              </a:pPr>
-              <a:r>
-                <a:t/>
-              </a:r>
-              <a:endParaRPr/>
-            </a:p>
-          </p:txBody>
-        </p:sp>
-      </p:grpSp>
     </p:spTree>
   </p:cSld>
   <p:clrMapOvr>
@@ -45577,7 +48680,7 @@
             </a:pPr>
             <a:r>
               <a:rPr lang="en"/>
-              <a:t>IAM</a:t>
+              <a:t>Lambda</a:t>
             </a:r>
             <a:endParaRPr/>
           </a:p>
@@ -45593,15 +48696,15 @@
         </p:nvSpPr>
         <p:spPr>
           <a:xfrm>
-            <a:off x="622750" y="2992900"/>
-            <a:ext cx="4047900" cy="795600"/>
+            <a:off x="713225" y="2992895"/>
+            <a:ext cx="3858900" cy="795600"/>
           </a:xfrm>
           <a:prstGeom prst="rect">
             <a:avLst/>
           </a:prstGeom>
         </p:spPr>
         <p:txBody>
-          <a:bodyPr anchorCtr="0" anchor="ctr" bIns="91425" lIns="91425" spcFirstLastPara="1" rIns="91425" wrap="square" tIns="91425">
+          <a:bodyPr anchorCtr="0" anchor="t" bIns="91425" lIns="91425" spcFirstLastPara="1" rIns="91425" wrap="square" tIns="91425">
             <a:noAutofit/>
           </a:bodyPr>
           <a:lstStyle/>
@@ -45617,7 +48720,15 @@
             </a:pPr>
             <a:r>
               <a:rPr lang="en"/>
-              <a:t>Allowing the Lambda function to access other AWS services.</a:t>
+              <a:t>Creating a Lambda function using the </a:t>
+            </a:r>
+            <a:r>
+              <a:rPr b="1" lang="en"/>
+              <a:t>Python</a:t>
+            </a:r>
+            <a:r>
+              <a:rPr lang="en"/>
+              <a:t> runtime.</a:t>
             </a:r>
             <a:endParaRPr/>
           </a:p>
@@ -46025,78 +49136,86 @@
       <p:sp>
         <p:nvSpPr>
           <p:cNvPr id="474" name="Google Shape;474;p39"/>
-          <p:cNvSpPr/>
+          <p:cNvSpPr txBox="1"/>
+          <p:nvPr>
+            <p:ph type="title"/>
+          </p:nvPr>
+        </p:nvSpPr>
+        <p:spPr>
+          <a:xfrm>
+            <a:off x="713250" y="372983"/>
+            <a:ext cx="7717500" cy="572700"/>
+          </a:xfrm>
+          <a:prstGeom prst="rect">
+            <a:avLst/>
+          </a:prstGeom>
+        </p:spPr>
+        <p:txBody>
+          <a:bodyPr anchorCtr="0" anchor="t" bIns="91425" lIns="91425" spcFirstLastPara="1" rIns="91425" wrap="square" tIns="91425">
+            <a:noAutofit/>
+          </a:bodyPr>
+          <a:lstStyle/>
+          <a:p>
+            <a:pPr indent="0" lvl="0" marL="0" rtl="0" algn="ctr">
+              <a:spcBef>
+                <a:spcPts val="0"/>
+              </a:spcBef>
+              <a:spcAft>
+                <a:spcPts val="0"/>
+              </a:spcAft>
+              <a:buNone/>
+            </a:pPr>
+            <a:r>
+              <a:rPr lang="en"/>
+              <a:t>Flow</a:t>
+            </a:r>
+            <a:endParaRPr b="0"/>
+          </a:p>
+        </p:txBody>
+      </p:sp>
+      <p:pic>
+        <p:nvPicPr>
+          <p:cNvPr id="475" name="Google Shape;475;p39"/>
+          <p:cNvPicPr preferRelativeResize="0"/>
+          <p:nvPr/>
+        </p:nvPicPr>
+        <p:blipFill>
+          <a:blip r:embed="rId3">
+            <a:alphaModFix/>
+          </a:blip>
+          <a:stretch>
+            <a:fillRect/>
+          </a:stretch>
+        </p:blipFill>
+        <p:spPr>
+          <a:xfrm>
+            <a:off x="568138" y="1098083"/>
+            <a:ext cx="8007723" cy="3893018"/>
+          </a:xfrm>
+          <a:prstGeom prst="rect">
+            <a:avLst/>
+          </a:prstGeom>
+          <a:noFill/>
+          <a:ln>
+            <a:noFill/>
+          </a:ln>
+        </p:spPr>
+      </p:pic>
+      <p:sp>
+        <p:nvSpPr>
+          <p:cNvPr id="476" name="Google Shape;476;p39"/>
+          <p:cNvSpPr txBox="1"/>
           <p:nvPr/>
         </p:nvSpPr>
         <p:spPr>
-          <a:xfrm rot="370644">
-            <a:off x="5625204" y="3962086"/>
-            <a:ext cx="1752491" cy="443487"/>
+          <a:xfrm>
+            <a:off x="2179625" y="3978700"/>
+            <a:ext cx="761100" cy="300000"/>
           </a:xfrm>
-          <a:custGeom>
-            <a:rect b="b" l="l" r="r" t="t"/>
-            <a:pathLst>
-              <a:path extrusionOk="0" h="9708" w="48354">
-                <a:moveTo>
-                  <a:pt x="42117" y="1"/>
-                </a:moveTo>
-                <a:cubicBezTo>
-                  <a:pt x="40907" y="1"/>
-                  <a:pt x="39658" y="121"/>
-                  <a:pt x="38400" y="201"/>
-                </a:cubicBezTo>
-                <a:cubicBezTo>
-                  <a:pt x="34471" y="451"/>
-                  <a:pt x="30542" y="772"/>
-                  <a:pt x="26625" y="1165"/>
-                </a:cubicBezTo>
-                <a:cubicBezTo>
-                  <a:pt x="18517" y="1975"/>
-                  <a:pt x="10528" y="3153"/>
-                  <a:pt x="2562" y="4880"/>
-                </a:cubicBezTo>
-                <a:cubicBezTo>
-                  <a:pt x="0" y="5431"/>
-                  <a:pt x="409" y="9707"/>
-                  <a:pt x="2923" y="9707"/>
-                </a:cubicBezTo>
-                <a:cubicBezTo>
-                  <a:pt x="3014" y="9707"/>
-                  <a:pt x="3108" y="9702"/>
-                  <a:pt x="3205" y="9690"/>
-                </a:cubicBezTo>
-                <a:cubicBezTo>
-                  <a:pt x="11278" y="8702"/>
-                  <a:pt x="19374" y="7714"/>
-                  <a:pt x="27470" y="6987"/>
-                </a:cubicBezTo>
-                <a:cubicBezTo>
-                  <a:pt x="31387" y="6630"/>
-                  <a:pt x="35316" y="6356"/>
-                  <a:pt x="39246" y="6142"/>
-                </a:cubicBezTo>
-                <a:cubicBezTo>
-                  <a:pt x="42389" y="5975"/>
-                  <a:pt x="45496" y="6130"/>
-                  <a:pt x="47794" y="3773"/>
-                </a:cubicBezTo>
-                <a:cubicBezTo>
-                  <a:pt x="48294" y="3261"/>
-                  <a:pt x="48354" y="2332"/>
-                  <a:pt x="47794" y="1832"/>
-                </a:cubicBezTo>
-                <a:cubicBezTo>
-                  <a:pt x="46116" y="348"/>
-                  <a:pt x="44173" y="1"/>
-                  <a:pt x="42117" y="1"/>
-                </a:cubicBezTo>
-                <a:close/>
-              </a:path>
-            </a:pathLst>
-          </a:custGeom>
-          <a:solidFill>
-            <a:schemeClr val="accent3"/>
-          </a:solidFill>
+          <a:prstGeom prst="rect">
+            <a:avLst/>
+          </a:prstGeom>
+          <a:noFill/>
           <a:ln>
             <a:noFill/>
           </a:ln>
@@ -46107,7 +49226,7 @@
           </a:bodyPr>
           <a:lstStyle/>
           <a:p>
-            <a:pPr indent="0" lvl="0" marL="0" rtl="0" algn="l">
+            <a:pPr indent="0" lvl="0" marL="0" rtl="0" algn="ctr">
               <a:spcBef>
                 <a:spcPts val="0"/>
               </a:spcBef>
@@ -46117,68 +49236,47 @@
               <a:buNone/>
             </a:pPr>
             <a:r>
-              <a:t/>
+              <a:rPr lang="en" sz="1300">
+                <a:solidFill>
+                  <a:schemeClr val="dk2"/>
+                </a:solidFill>
+                <a:latin typeface="Varela Round"/>
+                <a:ea typeface="Varela Round"/>
+                <a:cs typeface="Varela Round"/>
+                <a:sym typeface="Varela Round"/>
+              </a:rPr>
+              <a:t>/cars</a:t>
             </a:r>
-            <a:endParaRPr/>
+            <a:endParaRPr sz="1300">
+              <a:solidFill>
+                <a:schemeClr val="dk2"/>
+              </a:solidFill>
+              <a:latin typeface="Varela Round"/>
+              <a:ea typeface="Varela Round"/>
+              <a:cs typeface="Varela Round"/>
+              <a:sym typeface="Varela Round"/>
+            </a:endParaRPr>
           </a:p>
         </p:txBody>
       </p:sp>
       <p:sp>
         <p:nvSpPr>
-          <p:cNvPr id="475" name="Google Shape;475;p39"/>
+          <p:cNvPr id="477" name="Google Shape;477;p39"/>
           <p:cNvSpPr txBox="1"/>
-          <p:nvPr>
-            <p:ph type="title"/>
-          </p:nvPr>
+          <p:nvPr/>
         </p:nvSpPr>
         <p:spPr>
           <a:xfrm>
-            <a:off x="4572000" y="1904748"/>
-            <a:ext cx="3858900" cy="841500"/>
+            <a:off x="4880725" y="4061875"/>
+            <a:ext cx="761100" cy="300000"/>
           </a:xfrm>
           <a:prstGeom prst="rect">
             <a:avLst/>
           </a:prstGeom>
-        </p:spPr>
-        <p:txBody>
-          <a:bodyPr anchorCtr="0" anchor="b" bIns="91425" lIns="91425" spcFirstLastPara="1" rIns="91425" wrap="square" tIns="91425">
-            <a:noAutofit/>
-          </a:bodyPr>
-          <a:lstStyle/>
-          <a:p>
-            <a:pPr indent="0" lvl="0" marL="0" rtl="0" algn="ctr">
-              <a:spcBef>
-                <a:spcPts val="0"/>
-              </a:spcBef>
-              <a:spcAft>
-                <a:spcPts val="0"/>
-              </a:spcAft>
-              <a:buNone/>
-            </a:pPr>
-            <a:r>
-              <a:rPr lang="en"/>
-              <a:t>SSM</a:t>
-            </a:r>
-            <a:endParaRPr/>
-          </a:p>
-        </p:txBody>
-      </p:sp>
-      <p:sp>
-        <p:nvSpPr>
-          <p:cNvPr id="476" name="Google Shape;476;p39"/>
-          <p:cNvSpPr txBox="1"/>
-          <p:nvPr>
-            <p:ph idx="1" type="subTitle"/>
-          </p:nvPr>
-        </p:nvSpPr>
-        <p:spPr>
-          <a:xfrm>
-            <a:off x="4393875" y="2992350"/>
-            <a:ext cx="4128600" cy="793200"/>
-          </a:xfrm>
-          <a:prstGeom prst="rect">
-            <a:avLst/>
-          </a:prstGeom>
+          <a:noFill/>
+          <a:ln>
+            <a:noFill/>
+          </a:ln>
         </p:spPr>
         <p:txBody>
           <a:bodyPr anchorCtr="0" anchor="ctr" bIns="91425" lIns="91425" spcFirstLastPara="1" rIns="91425" wrap="square" tIns="91425">
@@ -46196,286 +49294,87 @@
               <a:buNone/>
             </a:pPr>
             <a:r>
-              <a:rPr lang="en"/>
-              <a:t>Storing secrets in a safe place.</a:t>
+              <a:rPr lang="en" sz="1300">
+                <a:solidFill>
+                  <a:schemeClr val="dk2"/>
+                </a:solidFill>
+                <a:latin typeface="Varela Round"/>
+                <a:ea typeface="Varela Round"/>
+                <a:cs typeface="Varela Round"/>
+                <a:sym typeface="Varela Round"/>
+              </a:rPr>
+              <a:t>listCars</a:t>
             </a:r>
-            <a:endParaRPr/>
+            <a:endParaRPr sz="1300">
+              <a:solidFill>
+                <a:schemeClr val="dk2"/>
+              </a:solidFill>
+              <a:latin typeface="Varela Round"/>
+              <a:ea typeface="Varela Round"/>
+              <a:cs typeface="Varela Round"/>
+              <a:sym typeface="Varela Round"/>
+            </a:endParaRPr>
           </a:p>
         </p:txBody>
       </p:sp>
-      <p:grpSp>
-        <p:nvGrpSpPr>
-          <p:cNvPr id="477" name="Google Shape;477;p39"/>
-          <p:cNvGrpSpPr/>
+      <p:sp>
+        <p:nvSpPr>
+          <p:cNvPr id="478" name="Google Shape;478;p39"/>
+          <p:cNvSpPr txBox="1"/>
           <p:nvPr/>
-        </p:nvGrpSpPr>
-        <p:grpSpPr>
+        </p:nvSpPr>
+        <p:spPr>
           <a:xfrm>
-            <a:off x="6254675" y="2811979"/>
-            <a:ext cx="493549" cy="180367"/>
-            <a:chOff x="6278725" y="2811979"/>
-            <a:chExt cx="493549" cy="180367"/>
+            <a:off x="5431850" y="2645875"/>
+            <a:ext cx="1257000" cy="300000"/>
           </a:xfrm>
-        </p:grpSpPr>
-        <p:sp>
-          <p:nvSpPr>
-            <p:cNvPr id="478" name="Google Shape;478;p39"/>
-            <p:cNvSpPr/>
-            <p:nvPr/>
-          </p:nvSpPr>
-          <p:spPr>
-            <a:xfrm>
-              <a:off x="6651359" y="2836786"/>
-              <a:ext cx="120916" cy="130750"/>
-            </a:xfrm>
-            <a:custGeom>
-              <a:rect b="b" l="l" r="r" t="t"/>
-              <a:pathLst>
-                <a:path extrusionOk="0" h="5230" w="4978">
-                  <a:moveTo>
-                    <a:pt x="2640" y="1"/>
-                  </a:moveTo>
-                  <a:cubicBezTo>
-                    <a:pt x="1482" y="1"/>
-                    <a:pt x="324" y="1373"/>
-                    <a:pt x="72" y="2402"/>
-                  </a:cubicBezTo>
-                  <a:cubicBezTo>
-                    <a:pt x="24" y="2581"/>
-                    <a:pt x="0" y="2759"/>
-                    <a:pt x="24" y="2938"/>
-                  </a:cubicBezTo>
-                  <a:cubicBezTo>
-                    <a:pt x="96" y="3712"/>
-                    <a:pt x="703" y="4403"/>
-                    <a:pt x="1286" y="4855"/>
-                  </a:cubicBezTo>
-                  <a:cubicBezTo>
-                    <a:pt x="1605" y="5117"/>
-                    <a:pt x="1962" y="5230"/>
-                    <a:pt x="2319" y="5230"/>
-                  </a:cubicBezTo>
-                  <a:cubicBezTo>
-                    <a:pt x="3085" y="5230"/>
-                    <a:pt x="3853" y="4711"/>
-                    <a:pt x="4251" y="4022"/>
-                  </a:cubicBezTo>
-                  <a:cubicBezTo>
-                    <a:pt x="4977" y="2771"/>
-                    <a:pt x="4572" y="390"/>
-                    <a:pt x="2941" y="33"/>
-                  </a:cubicBezTo>
-                  <a:cubicBezTo>
-                    <a:pt x="2841" y="11"/>
-                    <a:pt x="2740" y="1"/>
-                    <a:pt x="2640" y="1"/>
-                  </a:cubicBezTo>
-                  <a:close/>
-                </a:path>
-              </a:pathLst>
-            </a:custGeom>
-            <a:solidFill>
-              <a:srgbClr val="FEE8DD"/>
-            </a:solidFill>
-            <a:ln>
-              <a:noFill/>
-            </a:ln>
-          </p:spPr>
-          <p:txBody>
-            <a:bodyPr anchorCtr="0" anchor="ctr" bIns="91425" lIns="91425" spcFirstLastPara="1" rIns="91425" wrap="square" tIns="91425">
-              <a:noAutofit/>
-            </a:bodyPr>
-            <a:lstStyle/>
-            <a:p>
-              <a:pPr indent="0" lvl="0" marL="0" rtl="0" algn="l">
-                <a:spcBef>
-                  <a:spcPts val="0"/>
-                </a:spcBef>
-                <a:spcAft>
-                  <a:spcPts val="0"/>
-                </a:spcAft>
-                <a:buNone/>
-              </a:pPr>
-              <a:r>
-                <a:t/>
-              </a:r>
-              <a:endParaRPr/>
-            </a:p>
-          </p:txBody>
-        </p:sp>
-        <p:sp>
-          <p:nvSpPr>
-            <p:cNvPr id="479" name="Google Shape;479;p39"/>
-            <p:cNvSpPr/>
-            <p:nvPr/>
-          </p:nvSpPr>
-          <p:spPr>
-            <a:xfrm rot="7008906">
-              <a:off x="6477096" y="2838243"/>
-              <a:ext cx="123702" cy="127831"/>
-            </a:xfrm>
-            <a:custGeom>
-              <a:rect b="b" l="l" r="r" t="t"/>
-              <a:pathLst>
-                <a:path extrusionOk="0" h="5230" w="4978">
-                  <a:moveTo>
-                    <a:pt x="2640" y="1"/>
-                  </a:moveTo>
-                  <a:cubicBezTo>
-                    <a:pt x="1482" y="1"/>
-                    <a:pt x="324" y="1373"/>
-                    <a:pt x="72" y="2402"/>
-                  </a:cubicBezTo>
-                  <a:cubicBezTo>
-                    <a:pt x="24" y="2581"/>
-                    <a:pt x="0" y="2759"/>
-                    <a:pt x="24" y="2938"/>
-                  </a:cubicBezTo>
-                  <a:cubicBezTo>
-                    <a:pt x="96" y="3712"/>
-                    <a:pt x="703" y="4403"/>
-                    <a:pt x="1286" y="4855"/>
-                  </a:cubicBezTo>
-                  <a:cubicBezTo>
-                    <a:pt x="1605" y="5117"/>
-                    <a:pt x="1962" y="5230"/>
-                    <a:pt x="2319" y="5230"/>
-                  </a:cubicBezTo>
-                  <a:cubicBezTo>
-                    <a:pt x="3085" y="5230"/>
-                    <a:pt x="3853" y="4711"/>
-                    <a:pt x="4251" y="4022"/>
-                  </a:cubicBezTo>
-                  <a:cubicBezTo>
-                    <a:pt x="4977" y="2771"/>
-                    <a:pt x="4572" y="390"/>
-                    <a:pt x="2941" y="33"/>
-                  </a:cubicBezTo>
-                  <a:cubicBezTo>
-                    <a:pt x="2841" y="11"/>
-                    <a:pt x="2740" y="1"/>
-                    <a:pt x="2640" y="1"/>
-                  </a:cubicBezTo>
-                  <a:close/>
-                </a:path>
-              </a:pathLst>
-            </a:custGeom>
-            <a:solidFill>
-              <a:srgbClr val="FEE8DD"/>
-            </a:solidFill>
-            <a:ln>
-              <a:noFill/>
-            </a:ln>
-          </p:spPr>
-          <p:txBody>
-            <a:bodyPr anchorCtr="0" anchor="ctr" bIns="91425" lIns="91425" spcFirstLastPara="1" rIns="91425" wrap="square" tIns="91425">
-              <a:noAutofit/>
-            </a:bodyPr>
-            <a:lstStyle/>
-            <a:p>
-              <a:pPr indent="0" lvl="0" marL="0" rtl="0" algn="l">
-                <a:spcBef>
-                  <a:spcPts val="0"/>
-                </a:spcBef>
-                <a:spcAft>
-                  <a:spcPts val="0"/>
-                </a:spcAft>
-                <a:buNone/>
-              </a:pPr>
-              <a:r>
-                <a:t/>
-              </a:r>
-              <a:endParaRPr/>
-            </a:p>
-          </p:txBody>
-        </p:sp>
-        <p:sp>
-          <p:nvSpPr>
-            <p:cNvPr id="480" name="Google Shape;480;p39"/>
-            <p:cNvSpPr/>
-            <p:nvPr/>
-          </p:nvSpPr>
-          <p:spPr>
-            <a:xfrm rot="-2528996">
-              <a:off x="6304834" y="2837593"/>
-              <a:ext cx="122471" cy="129138"/>
-            </a:xfrm>
-            <a:custGeom>
-              <a:rect b="b" l="l" r="r" t="t"/>
-              <a:pathLst>
-                <a:path extrusionOk="0" h="5230" w="4978">
-                  <a:moveTo>
-                    <a:pt x="2640" y="1"/>
-                  </a:moveTo>
-                  <a:cubicBezTo>
-                    <a:pt x="1482" y="1"/>
-                    <a:pt x="324" y="1373"/>
-                    <a:pt x="72" y="2402"/>
-                  </a:cubicBezTo>
-                  <a:cubicBezTo>
-                    <a:pt x="24" y="2581"/>
-                    <a:pt x="0" y="2759"/>
-                    <a:pt x="24" y="2938"/>
-                  </a:cubicBezTo>
-                  <a:cubicBezTo>
-                    <a:pt x="96" y="3712"/>
-                    <a:pt x="703" y="4403"/>
-                    <a:pt x="1286" y="4855"/>
-                  </a:cubicBezTo>
-                  <a:cubicBezTo>
-                    <a:pt x="1605" y="5117"/>
-                    <a:pt x="1962" y="5230"/>
-                    <a:pt x="2319" y="5230"/>
-                  </a:cubicBezTo>
-                  <a:cubicBezTo>
-                    <a:pt x="3085" y="5230"/>
-                    <a:pt x="3853" y="4711"/>
-                    <a:pt x="4251" y="4022"/>
-                  </a:cubicBezTo>
-                  <a:cubicBezTo>
-                    <a:pt x="4977" y="2771"/>
-                    <a:pt x="4572" y="390"/>
-                    <a:pt x="2941" y="33"/>
-                  </a:cubicBezTo>
-                  <a:cubicBezTo>
-                    <a:pt x="2841" y="11"/>
-                    <a:pt x="2740" y="1"/>
-                    <a:pt x="2640" y="1"/>
-                  </a:cubicBezTo>
-                  <a:close/>
-                </a:path>
-              </a:pathLst>
-            </a:custGeom>
-            <a:solidFill>
-              <a:srgbClr val="FEE8DD"/>
-            </a:solidFill>
-            <a:ln>
-              <a:noFill/>
-            </a:ln>
-          </p:spPr>
-          <p:txBody>
-            <a:bodyPr anchorCtr="0" anchor="ctr" bIns="91425" lIns="91425" spcFirstLastPara="1" rIns="91425" wrap="square" tIns="91425">
-              <a:noAutofit/>
-            </a:bodyPr>
-            <a:lstStyle/>
-            <a:p>
-              <a:pPr indent="0" lvl="0" marL="0" rtl="0" algn="l">
-                <a:spcBef>
-                  <a:spcPts val="0"/>
-                </a:spcBef>
-                <a:spcAft>
-                  <a:spcPts val="0"/>
-                </a:spcAft>
-                <a:buNone/>
-              </a:pPr>
-              <a:r>
-                <a:t/>
-              </a:r>
-              <a:endParaRPr/>
-            </a:p>
-          </p:txBody>
-        </p:sp>
-      </p:grpSp>
+          <a:prstGeom prst="rect">
+            <a:avLst/>
+          </a:prstGeom>
+          <a:noFill/>
+          <a:ln>
+            <a:noFill/>
+          </a:ln>
+        </p:spPr>
+        <p:txBody>
+          <a:bodyPr anchorCtr="0" anchor="ctr" bIns="91425" lIns="91425" spcFirstLastPara="1" rIns="91425" wrap="square" tIns="91425">
+            <a:noAutofit/>
+          </a:bodyPr>
+          <a:lstStyle/>
+          <a:p>
+            <a:pPr indent="0" lvl="0" marL="0" rtl="0" algn="ctr">
+              <a:spcBef>
+                <a:spcPts val="0"/>
+              </a:spcBef>
+              <a:spcAft>
+                <a:spcPts val="0"/>
+              </a:spcAft>
+              <a:buNone/>
+            </a:pPr>
+            <a:r>
+              <a:rPr lang="en" sz="1300">
+                <a:solidFill>
+                  <a:schemeClr val="dk2"/>
+                </a:solidFill>
+                <a:latin typeface="Varela Round"/>
+                <a:ea typeface="Varela Round"/>
+                <a:cs typeface="Varela Round"/>
+                <a:sym typeface="Varela Round"/>
+              </a:rPr>
+              <a:t>cars-bucket</a:t>
+            </a:r>
+            <a:endParaRPr sz="1300">
+              <a:solidFill>
+                <a:schemeClr val="dk2"/>
+              </a:solidFill>
+              <a:latin typeface="Varela Round"/>
+              <a:ea typeface="Varela Round"/>
+              <a:cs typeface="Varela Round"/>
+              <a:sym typeface="Varela Round"/>
+            </a:endParaRPr>
+          </a:p>
+        </p:txBody>
+      </p:sp>
     </p:spTree>
   </p:cSld>
   <p:clrMapOvr>
@@ -46485,6 +49384,285 @@
 </file>
 
 <file path=ppt/theme/theme1.xml><?xml version="1.0" encoding="utf-8"?>
+<a:theme xmlns:a="http://schemas.openxmlformats.org/drawingml/2006/main" xmlns:r="http://schemas.openxmlformats.org/officeDocument/2006/relationships" name="Monthly Organizer for Teachers by Slidesgo">
+  <a:themeElements>
+    <a:clrScheme name="Simple Light">
+      <a:dk1>
+        <a:srgbClr val="025D5A"/>
+      </a:dk1>
+      <a:lt1>
+        <a:srgbClr val="FFFFFF"/>
+      </a:lt1>
+      <a:dk2>
+        <a:srgbClr val="025D5A"/>
+      </a:dk2>
+      <a:lt2>
+        <a:srgbClr val="F9B651"/>
+      </a:lt2>
+      <a:accent1>
+        <a:srgbClr val="E07C4A"/>
+      </a:accent1>
+      <a:accent2>
+        <a:srgbClr val="025D5A"/>
+      </a:accent2>
+      <a:accent3>
+        <a:srgbClr val="FEE8DD"/>
+      </a:accent3>
+      <a:accent4>
+        <a:srgbClr val="F9B651"/>
+      </a:accent4>
+      <a:accent5>
+        <a:srgbClr val="025D5A"/>
+      </a:accent5>
+      <a:accent6>
+        <a:srgbClr val="F9B651"/>
+      </a:accent6>
+      <a:hlink>
+        <a:srgbClr val="025D5A"/>
+      </a:hlink>
+      <a:folHlink>
+        <a:srgbClr val="0097A7"/>
+      </a:folHlink>
+    </a:clrScheme>
+    <a:fontScheme name="Office">
+      <a:majorFont>
+        <a:latin typeface="Arial"/>
+        <a:ea typeface=""/>
+        <a:cs typeface=""/>
+        <a:font script="Jpan" typeface="ＭＳ Ｐゴシック"/>
+        <a:font script="Hang" typeface="맑은 고딕"/>
+        <a:font script="Hans" typeface="宋体"/>
+        <a:font script="Hant" typeface="新細明體"/>
+        <a:font script="Arab" typeface="Times New Roman"/>
+        <a:font script="Hebr" typeface="Times New Roman"/>
+        <a:font script="Thai" typeface="Angsana New"/>
+        <a:font script="Ethi" typeface="Nyala"/>
+        <a:font script="Beng" typeface="Vrinda"/>
+        <a:font script="Gujr" typeface="Shruti"/>
+        <a:font script="Khmr" typeface="MoolBoran"/>
+        <a:font script="Knda" typeface="Tunga"/>
+        <a:font script="Guru" typeface="Raavi"/>
+        <a:font script="Cans" typeface="Euphemia"/>
+        <a:font script="Cher" typeface="Plantagenet Cherokee"/>
+        <a:font script="Yiii" typeface="Microsoft Yi Baiti"/>
+        <a:font script="Tibt" typeface="Microsoft Himalaya"/>
+        <a:font script="Thaa" typeface="MV Boli"/>
+        <a:font script="Deva" typeface="Mangal"/>
+        <a:font script="Telu" typeface="Gautami"/>
+        <a:font script="Taml" typeface="Latha"/>
+        <a:font script="Syrc" typeface="Estrangelo Edessa"/>
+        <a:font script="Orya" typeface="Kalinga"/>
+        <a:font script="Mlym" typeface="Kartika"/>
+        <a:font script="Laoo" typeface="DokChampa"/>
+        <a:font script="Sinh" typeface="Iskoola Pota"/>
+        <a:font script="Mong" typeface="Mongolian Baiti"/>
+        <a:font script="Viet" typeface="Times New Roman"/>
+        <a:font script="Uigh" typeface="Microsoft Uighur"/>
+        <a:font script="Geor" typeface="Sylfaen"/>
+      </a:majorFont>
+      <a:minorFont>
+        <a:latin typeface="Arial"/>
+        <a:ea typeface=""/>
+        <a:cs typeface=""/>
+        <a:font script="Jpan" typeface="ＭＳ Ｐゴシック"/>
+        <a:font script="Hang" typeface="맑은 고딕"/>
+        <a:font script="Hans" typeface="宋体"/>
+        <a:font script="Hant" typeface="新細明體"/>
+        <a:font script="Arab" typeface="Arial"/>
+        <a:font script="Hebr" typeface="Arial"/>
+        <a:font script="Thai" typeface="Cordia New"/>
+        <a:font script="Ethi" typeface="Nyala"/>
+        <a:font script="Beng" typeface="Vrinda"/>
+        <a:font script="Gujr" typeface="Shruti"/>
+        <a:font script="Khmr" typeface="DaunPenh"/>
+        <a:font script="Knda" typeface="Tunga"/>
+        <a:font script="Guru" typeface="Raavi"/>
+        <a:font script="Cans" typeface="Euphemia"/>
+        <a:font script="Cher" typeface="Plantagenet Cherokee"/>
+        <a:font script="Yiii" typeface="Microsoft Yi Baiti"/>
+        <a:font script="Tibt" typeface="Microsoft Himalaya"/>
+        <a:font script="Thaa" typeface="MV Boli"/>
+        <a:font script="Deva" typeface="Mangal"/>
+        <a:font script="Telu" typeface="Gautami"/>
+        <a:font script="Taml" typeface="Latha"/>
+        <a:font script="Syrc" typeface="Estrangelo Edessa"/>
+        <a:font script="Orya" typeface="Kalinga"/>
+        <a:font script="Mlym" typeface="Kartika"/>
+        <a:font script="Laoo" typeface="DokChampa"/>
+        <a:font script="Sinh" typeface="Iskoola Pota"/>
+        <a:font script="Mong" typeface="Mongolian Baiti"/>
+        <a:font script="Viet" typeface="Arial"/>
+        <a:font script="Uigh" typeface="Microsoft Uighur"/>
+        <a:font script="Geor" typeface="Sylfaen"/>
+      </a:minorFont>
+    </a:fontScheme>
+    <a:fmtScheme name="Office">
+      <a:fillStyleLst>
+        <a:solidFill>
+          <a:schemeClr val="phClr"/>
+        </a:solidFill>
+        <a:gradFill rotWithShape="1">
+          <a:gsLst>
+            <a:gs pos="0">
+              <a:schemeClr val="phClr">
+                <a:tint val="50000"/>
+                <a:satMod val="300000"/>
+              </a:schemeClr>
+            </a:gs>
+            <a:gs pos="35000">
+              <a:schemeClr val="phClr">
+                <a:tint val="37000"/>
+                <a:satMod val="300000"/>
+              </a:schemeClr>
+            </a:gs>
+            <a:gs pos="100000">
+              <a:schemeClr val="phClr">
+                <a:tint val="15000"/>
+                <a:satMod val="350000"/>
+              </a:schemeClr>
+            </a:gs>
+          </a:gsLst>
+          <a:lin ang="16200000" scaled="1"/>
+        </a:gradFill>
+        <a:gradFill rotWithShape="1">
+          <a:gsLst>
+            <a:gs pos="0">
+              <a:schemeClr val="phClr">
+                <a:tint val="100000"/>
+                <a:shade val="100000"/>
+                <a:satMod val="130000"/>
+              </a:schemeClr>
+            </a:gs>
+            <a:gs pos="100000">
+              <a:schemeClr val="phClr">
+                <a:tint val="50000"/>
+                <a:shade val="100000"/>
+                <a:satMod val="350000"/>
+              </a:schemeClr>
+            </a:gs>
+          </a:gsLst>
+          <a:lin ang="16200000" scaled="0"/>
+        </a:gradFill>
+      </a:fillStyleLst>
+      <a:lnStyleLst>
+        <a:ln w="9525" cap="flat" cmpd="sng" algn="ctr">
+          <a:solidFill>
+            <a:schemeClr val="phClr">
+              <a:shade val="95000"/>
+              <a:satMod val="105000"/>
+            </a:schemeClr>
+          </a:solidFill>
+          <a:prstDash val="solid"/>
+        </a:ln>
+        <a:ln w="25400" cap="flat" cmpd="sng" algn="ctr">
+          <a:solidFill>
+            <a:schemeClr val="phClr"/>
+          </a:solidFill>
+          <a:prstDash val="solid"/>
+        </a:ln>
+        <a:ln w="38100" cap="flat" cmpd="sng" algn="ctr">
+          <a:solidFill>
+            <a:schemeClr val="phClr"/>
+          </a:solidFill>
+          <a:prstDash val="solid"/>
+        </a:ln>
+      </a:lnStyleLst>
+      <a:effectStyleLst>
+        <a:effectStyle>
+          <a:effectLst>
+            <a:outerShdw blurRad="40000" dist="20000" dir="5400000" rotWithShape="0">
+              <a:srgbClr val="000000">
+                <a:alpha val="38000"/>
+              </a:srgbClr>
+            </a:outerShdw>
+          </a:effectLst>
+        </a:effectStyle>
+        <a:effectStyle>
+          <a:effectLst>
+            <a:outerShdw blurRad="40000" dist="23000" dir="5400000" rotWithShape="0">
+              <a:srgbClr val="000000">
+                <a:alpha val="35000"/>
+              </a:srgbClr>
+            </a:outerShdw>
+          </a:effectLst>
+        </a:effectStyle>
+        <a:effectStyle>
+          <a:effectLst>
+            <a:outerShdw blurRad="40000" dist="23000" dir="5400000" rotWithShape="0">
+              <a:srgbClr val="000000">
+                <a:alpha val="35000"/>
+              </a:srgbClr>
+            </a:outerShdw>
+          </a:effectLst>
+          <a:scene3d>
+            <a:camera prst="orthographicFront">
+              <a:rot lat="0" lon="0" rev="0"/>
+            </a:camera>
+            <a:lightRig rig="threePt" dir="t">
+              <a:rot lat="0" lon="0" rev="1200000"/>
+            </a:lightRig>
+          </a:scene3d>
+          <a:sp3d>
+            <a:bevelT w="63500" h="25400"/>
+          </a:sp3d>
+        </a:effectStyle>
+      </a:effectStyleLst>
+      <a:bgFillStyleLst>
+        <a:solidFill>
+          <a:schemeClr val="phClr"/>
+        </a:solidFill>
+        <a:gradFill rotWithShape="1">
+          <a:gsLst>
+            <a:gs pos="0">
+              <a:schemeClr val="phClr">
+                <a:tint val="40000"/>
+                <a:satMod val="350000"/>
+              </a:schemeClr>
+            </a:gs>
+            <a:gs pos="40000">
+              <a:schemeClr val="phClr">
+                <a:tint val="45000"/>
+                <a:shade val="99000"/>
+                <a:satMod val="350000"/>
+              </a:schemeClr>
+            </a:gs>
+            <a:gs pos="100000">
+              <a:schemeClr val="phClr">
+                <a:shade val="20000"/>
+                <a:satMod val="255000"/>
+              </a:schemeClr>
+            </a:gs>
+          </a:gsLst>
+          <a:path path="circle">
+            <a:fillToRect l="50000" t="-80000" r="50000" b="180000"/>
+          </a:path>
+        </a:gradFill>
+        <a:gradFill rotWithShape="1">
+          <a:gsLst>
+            <a:gs pos="0">
+              <a:schemeClr val="phClr">
+                <a:tint val="80000"/>
+                <a:satMod val="300000"/>
+              </a:schemeClr>
+            </a:gs>
+            <a:gs pos="100000">
+              <a:schemeClr val="phClr">
+                <a:shade val="30000"/>
+                <a:satMod val="200000"/>
+              </a:schemeClr>
+            </a:gs>
+          </a:gsLst>
+          <a:path path="circle">
+            <a:fillToRect l="50000" t="50000" r="50000" b="50000"/>
+          </a:path>
+        </a:gradFill>
+      </a:bgFillStyleLst>
+    </a:fmtScheme>
+  </a:themeElements>
+</a:theme>
+</file>
+
+<file path=ppt/theme/theme2.xml><?xml version="1.0" encoding="utf-8"?>
 <a:theme xmlns:a="http://schemas.openxmlformats.org/drawingml/2006/main" xmlns:r="http://schemas.openxmlformats.org/officeDocument/2006/relationships">
   <a:themeElements>
     <a:clrScheme name="Default">
@@ -46761,283 +49939,4 @@
     </a:fmtScheme>
   </a:themeElements>
 </a:theme>
-</file>
-
-<file path=ppt/theme/theme2.xml><?xml version="1.0" encoding="utf-8"?>
-<a:theme xmlns:a="http://schemas.openxmlformats.org/drawingml/2006/main" xmlns:r="http://schemas.openxmlformats.org/officeDocument/2006/relationships" name="Monthly Organizer for Teachers by Slidesgo">
-  <a:themeElements>
-    <a:clrScheme name="Simple Light">
-      <a:dk1>
-        <a:srgbClr val="025D5A"/>
-      </a:dk1>
-      <a:lt1>
-        <a:srgbClr val="FFFFFF"/>
-      </a:lt1>
-      <a:dk2>
-        <a:srgbClr val="025D5A"/>
-      </a:dk2>
-      <a:lt2>
-        <a:srgbClr val="F9B651"/>
-      </a:lt2>
-      <a:accent1>
-        <a:srgbClr val="E07C4A"/>
-      </a:accent1>
-      <a:accent2>
-        <a:srgbClr val="025D5A"/>
-      </a:accent2>
-      <a:accent3>
-        <a:srgbClr val="FEE8DD"/>
-      </a:accent3>
-      <a:accent4>
-        <a:srgbClr val="F9B651"/>
-      </a:accent4>
-      <a:accent5>
-        <a:srgbClr val="025D5A"/>
-      </a:accent5>
-      <a:accent6>
-        <a:srgbClr val="F9B651"/>
-      </a:accent6>
-      <a:hlink>
-        <a:srgbClr val="025D5A"/>
-      </a:hlink>
-      <a:folHlink>
-        <a:srgbClr val="0097A7"/>
-      </a:folHlink>
-    </a:clrScheme>
-    <a:fontScheme name="Office">
-      <a:majorFont>
-        <a:latin typeface="Arial"/>
-        <a:ea typeface=""/>
-        <a:cs typeface=""/>
-        <a:font script="Jpan" typeface="ＭＳ Ｐゴシック"/>
-        <a:font script="Hang" typeface="맑은 고딕"/>
-        <a:font script="Hans" typeface="宋体"/>
-        <a:font script="Hant" typeface="新細明體"/>
-        <a:font script="Arab" typeface="Times New Roman"/>
-        <a:font script="Hebr" typeface="Times New Roman"/>
-        <a:font script="Thai" typeface="Angsana New"/>
-        <a:font script="Ethi" typeface="Nyala"/>
-        <a:font script="Beng" typeface="Vrinda"/>
-        <a:font script="Gujr" typeface="Shruti"/>
-        <a:font script="Khmr" typeface="MoolBoran"/>
-        <a:font script="Knda" typeface="Tunga"/>
-        <a:font script="Guru" typeface="Raavi"/>
-        <a:font script="Cans" typeface="Euphemia"/>
-        <a:font script="Cher" typeface="Plantagenet Cherokee"/>
-        <a:font script="Yiii" typeface="Microsoft Yi Baiti"/>
-        <a:font script="Tibt" typeface="Microsoft Himalaya"/>
-        <a:font script="Thaa" typeface="MV Boli"/>
-        <a:font script="Deva" typeface="Mangal"/>
-        <a:font script="Telu" typeface="Gautami"/>
-        <a:font script="Taml" typeface="Latha"/>
-        <a:font script="Syrc" typeface="Estrangelo Edessa"/>
-        <a:font script="Orya" typeface="Kalinga"/>
-        <a:font script="Mlym" typeface="Kartika"/>
-        <a:font script="Laoo" typeface="DokChampa"/>
-        <a:font script="Sinh" typeface="Iskoola Pota"/>
-        <a:font script="Mong" typeface="Mongolian Baiti"/>
-        <a:font script="Viet" typeface="Times New Roman"/>
-        <a:font script="Uigh" typeface="Microsoft Uighur"/>
-        <a:font script="Geor" typeface="Sylfaen"/>
-      </a:majorFont>
-      <a:minorFont>
-        <a:latin typeface="Arial"/>
-        <a:ea typeface=""/>
-        <a:cs typeface=""/>
-        <a:font script="Jpan" typeface="ＭＳ Ｐゴシック"/>
-        <a:font script="Hang" typeface="맑은 고딕"/>
-        <a:font script="Hans" typeface="宋体"/>
-        <a:font script="Hant" typeface="新細明體"/>
-        <a:font script="Arab" typeface="Arial"/>
-        <a:font script="Hebr" typeface="Arial"/>
-        <a:font script="Thai" typeface="Cordia New"/>
-        <a:font script="Ethi" typeface="Nyala"/>
-        <a:font script="Beng" typeface="Vrinda"/>
-        <a:font script="Gujr" typeface="Shruti"/>
-        <a:font script="Khmr" typeface="DaunPenh"/>
-        <a:font script="Knda" typeface="Tunga"/>
-        <a:font script="Guru" typeface="Raavi"/>
-        <a:font script="Cans" typeface="Euphemia"/>
-        <a:font script="Cher" typeface="Plantagenet Cherokee"/>
-        <a:font script="Yiii" typeface="Microsoft Yi Baiti"/>
-        <a:font script="Tibt" typeface="Microsoft Himalaya"/>
-        <a:font script="Thaa" typeface="MV Boli"/>
-        <a:font script="Deva" typeface="Mangal"/>
-        <a:font script="Telu" typeface="Gautami"/>
-        <a:font script="Taml" typeface="Latha"/>
-        <a:font script="Syrc" typeface="Estrangelo Edessa"/>
-        <a:font script="Orya" typeface="Kalinga"/>
-        <a:font script="Mlym" typeface="Kartika"/>
-        <a:font script="Laoo" typeface="DokChampa"/>
-        <a:font script="Sinh" typeface="Iskoola Pota"/>
-        <a:font script="Mong" typeface="Mongolian Baiti"/>
-        <a:font script="Viet" typeface="Arial"/>
-        <a:font script="Uigh" typeface="Microsoft Uighur"/>
-        <a:font script="Geor" typeface="Sylfaen"/>
-      </a:minorFont>
-    </a:fontScheme>
-    <a:fmtScheme name="Office">
-      <a:fillStyleLst>
-        <a:solidFill>
-          <a:schemeClr val="phClr"/>
-        </a:solidFill>
-        <a:gradFill rotWithShape="1">
-          <a:gsLst>
-            <a:gs pos="0">
-              <a:schemeClr val="phClr">
-                <a:tint val="50000"/>
-                <a:satMod val="300000"/>
-              </a:schemeClr>
-            </a:gs>
-            <a:gs pos="35000">
-              <a:schemeClr val="phClr">
-                <a:tint val="37000"/>
-                <a:satMod val="300000"/>
-              </a:schemeClr>
-            </a:gs>
-            <a:gs pos="100000">
-              <a:schemeClr val="phClr">
-                <a:tint val="15000"/>
-                <a:satMod val="350000"/>
-              </a:schemeClr>
-            </a:gs>
-          </a:gsLst>
-          <a:lin ang="16200000" scaled="1"/>
-        </a:gradFill>
-        <a:gradFill rotWithShape="1">
-          <a:gsLst>
-            <a:gs pos="0">
-              <a:schemeClr val="phClr">
-                <a:tint val="100000"/>
-                <a:shade val="100000"/>
-                <a:satMod val="130000"/>
-              </a:schemeClr>
-            </a:gs>
-            <a:gs pos="100000">
-              <a:schemeClr val="phClr">
-                <a:tint val="50000"/>
-                <a:shade val="100000"/>
-                <a:satMod val="350000"/>
-              </a:schemeClr>
-            </a:gs>
-          </a:gsLst>
-          <a:lin ang="16200000" scaled="0"/>
-        </a:gradFill>
-      </a:fillStyleLst>
-      <a:lnStyleLst>
-        <a:ln w="9525" cap="flat" cmpd="sng" algn="ctr">
-          <a:solidFill>
-            <a:schemeClr val="phClr">
-              <a:shade val="95000"/>
-              <a:satMod val="105000"/>
-            </a:schemeClr>
-          </a:solidFill>
-          <a:prstDash val="solid"/>
-        </a:ln>
-        <a:ln w="25400" cap="flat" cmpd="sng" algn="ctr">
-          <a:solidFill>
-            <a:schemeClr val="phClr"/>
-          </a:solidFill>
-          <a:prstDash val="solid"/>
-        </a:ln>
-        <a:ln w="38100" cap="flat" cmpd="sng" algn="ctr">
-          <a:solidFill>
-            <a:schemeClr val="phClr"/>
-          </a:solidFill>
-          <a:prstDash val="solid"/>
-        </a:ln>
-      </a:lnStyleLst>
-      <a:effectStyleLst>
-        <a:effectStyle>
-          <a:effectLst>
-            <a:outerShdw blurRad="40000" dist="20000" dir="5400000" rotWithShape="0">
-              <a:srgbClr val="000000">
-                <a:alpha val="38000"/>
-              </a:srgbClr>
-            </a:outerShdw>
-          </a:effectLst>
-        </a:effectStyle>
-        <a:effectStyle>
-          <a:effectLst>
-            <a:outerShdw blurRad="40000" dist="23000" dir="5400000" rotWithShape="0">
-              <a:srgbClr val="000000">
-                <a:alpha val="35000"/>
-              </a:srgbClr>
-            </a:outerShdw>
-          </a:effectLst>
-        </a:effectStyle>
-        <a:effectStyle>
-          <a:effectLst>
-            <a:outerShdw blurRad="40000" dist="23000" dir="5400000" rotWithShape="0">
-              <a:srgbClr val="000000">
-                <a:alpha val="35000"/>
-              </a:srgbClr>
-            </a:outerShdw>
-          </a:effectLst>
-          <a:scene3d>
-            <a:camera prst="orthographicFront">
-              <a:rot lat="0" lon="0" rev="0"/>
-            </a:camera>
-            <a:lightRig rig="threePt" dir="t">
-              <a:rot lat="0" lon="0" rev="1200000"/>
-            </a:lightRig>
-          </a:scene3d>
-          <a:sp3d>
-            <a:bevelT w="63500" h="25400"/>
-          </a:sp3d>
-        </a:effectStyle>
-      </a:effectStyleLst>
-      <a:bgFillStyleLst>
-        <a:solidFill>
-          <a:schemeClr val="phClr"/>
-        </a:solidFill>
-        <a:gradFill rotWithShape="1">
-          <a:gsLst>
-            <a:gs pos="0">
-              <a:schemeClr val="phClr">
-                <a:tint val="40000"/>
-                <a:satMod val="350000"/>
-              </a:schemeClr>
-            </a:gs>
-            <a:gs pos="40000">
-              <a:schemeClr val="phClr">
-                <a:tint val="45000"/>
-                <a:shade val="99000"/>
-                <a:satMod val="350000"/>
-              </a:schemeClr>
-            </a:gs>
-            <a:gs pos="100000">
-              <a:schemeClr val="phClr">
-                <a:shade val="20000"/>
-                <a:satMod val="255000"/>
-              </a:schemeClr>
-            </a:gs>
-          </a:gsLst>
-          <a:path path="circle">
-            <a:fillToRect l="50000" t="-80000" r="50000" b="180000"/>
-          </a:path>
-        </a:gradFill>
-        <a:gradFill rotWithShape="1">
-          <a:gsLst>
-            <a:gs pos="0">
-              <a:schemeClr val="phClr">
-                <a:tint val="80000"/>
-                <a:satMod val="300000"/>
-              </a:schemeClr>
-            </a:gs>
-            <a:gs pos="100000">
-              <a:schemeClr val="phClr">
-                <a:shade val="30000"/>
-                <a:satMod val="200000"/>
-              </a:schemeClr>
-            </a:gs>
-          </a:gsLst>
-          <a:path path="circle">
-            <a:fillToRect l="50000" t="50000" r="50000" b="50000"/>
-          </a:path>
-        </a:gradFill>
-      </a:bgFillStyleLst>
-    </a:fmtScheme>
-  </a:themeElements>
-</a:theme>
 </file>